--- a/Mohammad-Slides/3-Random Number Generator.pptx
+++ b/Mohammad-Slides/3-Random Number Generator.pptx
@@ -246,14 +246,14 @@
           </a:ln>
           <a:extLst>
             <a:ext uri="{909E8E84-426E-40dd-AFC4-6F175D3DCCD1}">
-              <a14:hiddenFill xmlns:a14="http://schemas.microsoft.com/office/drawing/2010/main" xmlns="">
+              <a14:hiddenFill xmlns="" xmlns:a14="http://schemas.microsoft.com/office/drawing/2010/main">
                 <a:solidFill>
                   <a:srgbClr val="FFFFFF"/>
                 </a:solidFill>
               </a14:hiddenFill>
             </a:ext>
             <a:ext uri="{91240B29-F687-4f45-9708-019B960494DF}">
-              <a14:hiddenLine xmlns:a14="http://schemas.microsoft.com/office/drawing/2010/main" xmlns="" w="9525">
+              <a14:hiddenLine xmlns="" xmlns:a14="http://schemas.microsoft.com/office/drawing/2010/main" w="9525">
                 <a:solidFill>
                   <a:srgbClr val="000000"/>
                 </a:solidFill>
@@ -541,14 +541,14 @@
           </a:ln>
           <a:extLst>
             <a:ext uri="{909E8E84-426E-40dd-AFC4-6F175D3DCCD1}">
-              <a14:hiddenFill xmlns:a14="http://schemas.microsoft.com/office/drawing/2010/main" xmlns="">
+              <a14:hiddenFill xmlns="" xmlns:a14="http://schemas.microsoft.com/office/drawing/2010/main">
                 <a:solidFill>
                   <a:srgbClr val="FFFFFF"/>
                 </a:solidFill>
               </a14:hiddenFill>
             </a:ext>
             <a:ext uri="{FAA26D3D-D897-4be2-8F04-BA451C77F1D7}">
-              <ma14:placeholderFlag xmlns:ma14="http://schemas.microsoft.com/office/mac/drawingml/2011/main" xmlns="" val="1"/>
+              <ma14:placeholderFlag xmlns="" xmlns:ma14="http://schemas.microsoft.com/office/mac/drawingml/2011/main" val="1"/>
             </a:ext>
           </a:extLst>
         </p:spPr>
@@ -880,14 +880,14 @@
           <a:ln/>
           <a:extLst>
             <a:ext uri="{909E8E84-426E-40dd-AFC4-6F175D3DCCD1}">
-              <a14:hiddenFill xmlns:a14="http://schemas.microsoft.com/office/drawing/2010/main" xmlns="">
+              <a14:hiddenFill xmlns="" xmlns:a14="http://schemas.microsoft.com/office/drawing/2010/main">
                 <a:solidFill>
                   <a:srgbClr val="FFFFFF"/>
                 </a:solidFill>
               </a14:hiddenFill>
             </a:ext>
             <a:ext uri="{91240B29-F687-4f45-9708-019B960494DF}">
-              <a14:hiddenLine xmlns:a14="http://schemas.microsoft.com/office/drawing/2010/main" xmlns="" w="9525">
+              <a14:hiddenLine xmlns="" xmlns:a14="http://schemas.microsoft.com/office/drawing/2010/main" w="9525">
                 <a:solidFill>
                   <a:srgbClr val="000000"/>
                 </a:solidFill>
@@ -1046,14 +1046,14 @@
           <a:ln/>
           <a:extLst>
             <a:ext uri="{909E8E84-426E-40dd-AFC4-6F175D3DCCD1}">
-              <a14:hiddenFill xmlns:a14="http://schemas.microsoft.com/office/drawing/2010/main" xmlns="">
+              <a14:hiddenFill xmlns="" xmlns:a14="http://schemas.microsoft.com/office/drawing/2010/main">
                 <a:solidFill>
                   <a:srgbClr val="FFFFFF"/>
                 </a:solidFill>
               </a14:hiddenFill>
             </a:ext>
             <a:ext uri="{91240B29-F687-4f45-9708-019B960494DF}">
-              <a14:hiddenLine xmlns:a14="http://schemas.microsoft.com/office/drawing/2010/main" xmlns="" w="9525">
+              <a14:hiddenLine xmlns="" xmlns:a14="http://schemas.microsoft.com/office/drawing/2010/main" w="9525">
                 <a:solidFill>
                   <a:srgbClr val="000000"/>
                 </a:solidFill>
@@ -1063,7 +1063,7 @@
               </a14:hiddenLine>
             </a:ext>
             <a:ext uri="{FAA26D3D-D897-4be2-8F04-BA451C77F1D7}">
-              <ma14:placeholderFlag xmlns:ma14="http://schemas.microsoft.com/office/mac/drawingml/2011/main" xmlns="" val="1"/>
+              <ma14:placeholderFlag xmlns="" xmlns:ma14="http://schemas.microsoft.com/office/mac/drawingml/2011/main" val="1"/>
             </a:ext>
           </a:extLst>
         </p:spPr>
@@ -1118,14 +1118,14 @@
           <a:ln/>
           <a:extLst>
             <a:ext uri="{909E8E84-426E-40dd-AFC4-6F175D3DCCD1}">
-              <a14:hiddenFill xmlns:a14="http://schemas.microsoft.com/office/drawing/2010/main" xmlns="">
+              <a14:hiddenFill xmlns="" xmlns:a14="http://schemas.microsoft.com/office/drawing/2010/main">
                 <a:solidFill>
                   <a:srgbClr val="FFFFFF"/>
                 </a:solidFill>
               </a14:hiddenFill>
             </a:ext>
             <a:ext uri="{91240B29-F687-4f45-9708-019B960494DF}">
-              <a14:hiddenLine xmlns:a14="http://schemas.microsoft.com/office/drawing/2010/main" xmlns="" w="9525">
+              <a14:hiddenLine xmlns="" xmlns:a14="http://schemas.microsoft.com/office/drawing/2010/main" w="9525">
                 <a:solidFill>
                   <a:srgbClr val="000000"/>
                 </a:solidFill>
@@ -1284,14 +1284,14 @@
           <a:ln/>
           <a:extLst>
             <a:ext uri="{909E8E84-426E-40dd-AFC4-6F175D3DCCD1}">
-              <a14:hiddenFill xmlns:a14="http://schemas.microsoft.com/office/drawing/2010/main" xmlns="">
+              <a14:hiddenFill xmlns="" xmlns:a14="http://schemas.microsoft.com/office/drawing/2010/main">
                 <a:solidFill>
                   <a:srgbClr val="FFFFFF"/>
                 </a:solidFill>
               </a14:hiddenFill>
             </a:ext>
             <a:ext uri="{91240B29-F687-4f45-9708-019B960494DF}">
-              <a14:hiddenLine xmlns:a14="http://schemas.microsoft.com/office/drawing/2010/main" xmlns="" w="9525">
+              <a14:hiddenLine xmlns="" xmlns:a14="http://schemas.microsoft.com/office/drawing/2010/main" w="9525">
                 <a:solidFill>
                   <a:srgbClr val="000000"/>
                 </a:solidFill>
@@ -1301,7 +1301,7 @@
               </a14:hiddenLine>
             </a:ext>
             <a:ext uri="{FAA26D3D-D897-4be2-8F04-BA451C77F1D7}">
-              <ma14:placeholderFlag xmlns:ma14="http://schemas.microsoft.com/office/mac/drawingml/2011/main" xmlns="" val="1"/>
+              <ma14:placeholderFlag xmlns="" xmlns:ma14="http://schemas.microsoft.com/office/mac/drawingml/2011/main" val="1"/>
             </a:ext>
           </a:extLst>
         </p:spPr>
@@ -1442,14 +1442,14 @@
           <a:ln/>
           <a:extLst>
             <a:ext uri="{909E8E84-426E-40dd-AFC4-6F175D3DCCD1}">
-              <a14:hiddenFill xmlns:a14="http://schemas.microsoft.com/office/drawing/2010/main" xmlns="">
+              <a14:hiddenFill xmlns="" xmlns:a14="http://schemas.microsoft.com/office/drawing/2010/main">
                 <a:solidFill>
                   <a:srgbClr val="FFFFFF"/>
                 </a:solidFill>
               </a14:hiddenFill>
             </a:ext>
             <a:ext uri="{91240B29-F687-4f45-9708-019B960494DF}">
-              <a14:hiddenLine xmlns:a14="http://schemas.microsoft.com/office/drawing/2010/main" xmlns="" w="9525">
+              <a14:hiddenLine xmlns="" xmlns:a14="http://schemas.microsoft.com/office/drawing/2010/main" w="9525">
                 <a:solidFill>
                   <a:srgbClr val="000000"/>
                 </a:solidFill>
@@ -1608,14 +1608,14 @@
           <a:ln/>
           <a:extLst>
             <a:ext uri="{909E8E84-426E-40dd-AFC4-6F175D3DCCD1}">
-              <a14:hiddenFill xmlns:a14="http://schemas.microsoft.com/office/drawing/2010/main" xmlns="">
+              <a14:hiddenFill xmlns="" xmlns:a14="http://schemas.microsoft.com/office/drawing/2010/main">
                 <a:solidFill>
                   <a:srgbClr val="FFFFFF"/>
                 </a:solidFill>
               </a14:hiddenFill>
             </a:ext>
             <a:ext uri="{91240B29-F687-4f45-9708-019B960494DF}">
-              <a14:hiddenLine xmlns:a14="http://schemas.microsoft.com/office/drawing/2010/main" xmlns="" w="9525">
+              <a14:hiddenLine xmlns="" xmlns:a14="http://schemas.microsoft.com/office/drawing/2010/main" w="9525">
                 <a:solidFill>
                   <a:srgbClr val="000000"/>
                 </a:solidFill>
@@ -1625,7 +1625,7 @@
               </a14:hiddenLine>
             </a:ext>
             <a:ext uri="{FAA26D3D-D897-4be2-8F04-BA451C77F1D7}">
-              <ma14:placeholderFlag xmlns:ma14="http://schemas.microsoft.com/office/mac/drawingml/2011/main" xmlns="" val="1"/>
+              <ma14:placeholderFlag xmlns="" xmlns:ma14="http://schemas.microsoft.com/office/mac/drawingml/2011/main" val="1"/>
             </a:ext>
           </a:extLst>
         </p:spPr>
@@ -1685,14 +1685,14 @@
           <a:ln/>
           <a:extLst>
             <a:ext uri="{909E8E84-426E-40dd-AFC4-6F175D3DCCD1}">
-              <a14:hiddenFill xmlns:a14="http://schemas.microsoft.com/office/drawing/2010/main" xmlns="">
+              <a14:hiddenFill xmlns="" xmlns:a14="http://schemas.microsoft.com/office/drawing/2010/main">
                 <a:solidFill>
                   <a:srgbClr val="FFFFFF"/>
                 </a:solidFill>
               </a14:hiddenFill>
             </a:ext>
             <a:ext uri="{91240B29-F687-4f45-9708-019B960494DF}">
-              <a14:hiddenLine xmlns:a14="http://schemas.microsoft.com/office/drawing/2010/main" xmlns="" w="9525">
+              <a14:hiddenLine xmlns="" xmlns:a14="http://schemas.microsoft.com/office/drawing/2010/main" w="9525">
                 <a:solidFill>
                   <a:srgbClr val="000000"/>
                 </a:solidFill>
@@ -1851,14 +1851,14 @@
           <a:ln/>
           <a:extLst>
             <a:ext uri="{909E8E84-426E-40dd-AFC4-6F175D3DCCD1}">
-              <a14:hiddenFill xmlns:a14="http://schemas.microsoft.com/office/drawing/2010/main" xmlns="">
+              <a14:hiddenFill xmlns="" xmlns:a14="http://schemas.microsoft.com/office/drawing/2010/main">
                 <a:solidFill>
                   <a:srgbClr val="FFFFFF"/>
                 </a:solidFill>
               </a14:hiddenFill>
             </a:ext>
             <a:ext uri="{91240B29-F687-4f45-9708-019B960494DF}">
-              <a14:hiddenLine xmlns:a14="http://schemas.microsoft.com/office/drawing/2010/main" xmlns="" w="9525">
+              <a14:hiddenLine xmlns="" xmlns:a14="http://schemas.microsoft.com/office/drawing/2010/main" w="9525">
                 <a:solidFill>
                   <a:srgbClr val="000000"/>
                 </a:solidFill>
@@ -1868,7 +1868,7 @@
               </a14:hiddenLine>
             </a:ext>
             <a:ext uri="{FAA26D3D-D897-4be2-8F04-BA451C77F1D7}">
-              <ma14:placeholderFlag xmlns:ma14="http://schemas.microsoft.com/office/mac/drawingml/2011/main" xmlns="" val="1"/>
+              <ma14:placeholderFlag xmlns="" xmlns:ma14="http://schemas.microsoft.com/office/mac/drawingml/2011/main" val="1"/>
             </a:ext>
           </a:extLst>
         </p:spPr>
@@ -1937,14 +1937,14 @@
           <a:ln/>
           <a:extLst>
             <a:ext uri="{909E8E84-426E-40dd-AFC4-6F175D3DCCD1}">
-              <a14:hiddenFill xmlns:a14="http://schemas.microsoft.com/office/drawing/2010/main" xmlns="">
+              <a14:hiddenFill xmlns="" xmlns:a14="http://schemas.microsoft.com/office/drawing/2010/main">
                 <a:solidFill>
                   <a:srgbClr val="FFFFFF"/>
                 </a:solidFill>
               </a14:hiddenFill>
             </a:ext>
             <a:ext uri="{91240B29-F687-4f45-9708-019B960494DF}">
-              <a14:hiddenLine xmlns:a14="http://schemas.microsoft.com/office/drawing/2010/main" xmlns="" w="9525">
+              <a14:hiddenLine xmlns="" xmlns:a14="http://schemas.microsoft.com/office/drawing/2010/main" w="9525">
                 <a:solidFill>
                   <a:srgbClr val="000000"/>
                 </a:solidFill>
@@ -2103,14 +2103,14 @@
           <a:ln/>
           <a:extLst>
             <a:ext uri="{909E8E84-426E-40dd-AFC4-6F175D3DCCD1}">
-              <a14:hiddenFill xmlns:a14="http://schemas.microsoft.com/office/drawing/2010/main" xmlns="">
+              <a14:hiddenFill xmlns="" xmlns:a14="http://schemas.microsoft.com/office/drawing/2010/main">
                 <a:solidFill>
                   <a:srgbClr val="FFFFFF"/>
                 </a:solidFill>
               </a14:hiddenFill>
             </a:ext>
             <a:ext uri="{91240B29-F687-4f45-9708-019B960494DF}">
-              <a14:hiddenLine xmlns:a14="http://schemas.microsoft.com/office/drawing/2010/main" xmlns="" w="9525">
+              <a14:hiddenLine xmlns="" xmlns:a14="http://schemas.microsoft.com/office/drawing/2010/main" w="9525">
                 <a:solidFill>
                   <a:srgbClr val="000000"/>
                 </a:solidFill>
@@ -2120,7 +2120,7 @@
               </a14:hiddenLine>
             </a:ext>
             <a:ext uri="{FAA26D3D-D897-4be2-8F04-BA451C77F1D7}">
-              <ma14:placeholderFlag xmlns:ma14="http://schemas.microsoft.com/office/mac/drawingml/2011/main" xmlns="" val="1"/>
+              <ma14:placeholderFlag xmlns="" xmlns:ma14="http://schemas.microsoft.com/office/mac/drawingml/2011/main" val="1"/>
             </a:ext>
           </a:extLst>
         </p:spPr>
@@ -2180,14 +2180,14 @@
           <a:ln/>
           <a:extLst>
             <a:ext uri="{909E8E84-426E-40dd-AFC4-6F175D3DCCD1}">
-              <a14:hiddenFill xmlns:a14="http://schemas.microsoft.com/office/drawing/2010/main" xmlns="">
+              <a14:hiddenFill xmlns="" xmlns:a14="http://schemas.microsoft.com/office/drawing/2010/main">
                 <a:solidFill>
                   <a:srgbClr val="FFFFFF"/>
                 </a:solidFill>
               </a14:hiddenFill>
             </a:ext>
             <a:ext uri="{91240B29-F687-4f45-9708-019B960494DF}">
-              <a14:hiddenLine xmlns:a14="http://schemas.microsoft.com/office/drawing/2010/main" xmlns="" w="9525">
+              <a14:hiddenLine xmlns="" xmlns:a14="http://schemas.microsoft.com/office/drawing/2010/main" w="9525">
                 <a:solidFill>
                   <a:srgbClr val="000000"/>
                 </a:solidFill>
@@ -2346,14 +2346,14 @@
           <a:ln/>
           <a:extLst>
             <a:ext uri="{909E8E84-426E-40dd-AFC4-6F175D3DCCD1}">
-              <a14:hiddenFill xmlns:a14="http://schemas.microsoft.com/office/drawing/2010/main" xmlns="">
+              <a14:hiddenFill xmlns="" xmlns:a14="http://schemas.microsoft.com/office/drawing/2010/main">
                 <a:solidFill>
                   <a:srgbClr val="FFFFFF"/>
                 </a:solidFill>
               </a14:hiddenFill>
             </a:ext>
             <a:ext uri="{91240B29-F687-4f45-9708-019B960494DF}">
-              <a14:hiddenLine xmlns:a14="http://schemas.microsoft.com/office/drawing/2010/main" xmlns="" w="9525">
+              <a14:hiddenLine xmlns="" xmlns:a14="http://schemas.microsoft.com/office/drawing/2010/main" w="9525">
                 <a:solidFill>
                   <a:srgbClr val="000000"/>
                 </a:solidFill>
@@ -2363,7 +2363,7 @@
               </a14:hiddenLine>
             </a:ext>
             <a:ext uri="{FAA26D3D-D897-4be2-8F04-BA451C77F1D7}">
-              <ma14:placeholderFlag xmlns:ma14="http://schemas.microsoft.com/office/mac/drawingml/2011/main" xmlns="" val="1"/>
+              <ma14:placeholderFlag xmlns="" xmlns:ma14="http://schemas.microsoft.com/office/mac/drawingml/2011/main" val="1"/>
             </a:ext>
           </a:extLst>
         </p:spPr>
@@ -2423,14 +2423,14 @@
           <a:ln/>
           <a:extLst>
             <a:ext uri="{909E8E84-426E-40dd-AFC4-6F175D3DCCD1}">
-              <a14:hiddenFill xmlns:a14="http://schemas.microsoft.com/office/drawing/2010/main" xmlns="">
+              <a14:hiddenFill xmlns="" xmlns:a14="http://schemas.microsoft.com/office/drawing/2010/main">
                 <a:solidFill>
                   <a:srgbClr val="FFFFFF"/>
                 </a:solidFill>
               </a14:hiddenFill>
             </a:ext>
             <a:ext uri="{91240B29-F687-4f45-9708-019B960494DF}">
-              <a14:hiddenLine xmlns:a14="http://schemas.microsoft.com/office/drawing/2010/main" xmlns="" w="9525">
+              <a14:hiddenLine xmlns="" xmlns:a14="http://schemas.microsoft.com/office/drawing/2010/main" w="9525">
                 <a:solidFill>
                   <a:srgbClr val="000000"/>
                 </a:solidFill>
@@ -2589,14 +2589,14 @@
           <a:ln/>
           <a:extLst>
             <a:ext uri="{909E8E84-426E-40dd-AFC4-6F175D3DCCD1}">
-              <a14:hiddenFill xmlns:a14="http://schemas.microsoft.com/office/drawing/2010/main" xmlns="">
+              <a14:hiddenFill xmlns="" xmlns:a14="http://schemas.microsoft.com/office/drawing/2010/main">
                 <a:solidFill>
                   <a:srgbClr val="FFFFFF"/>
                 </a:solidFill>
               </a14:hiddenFill>
             </a:ext>
             <a:ext uri="{91240B29-F687-4f45-9708-019B960494DF}">
-              <a14:hiddenLine xmlns:a14="http://schemas.microsoft.com/office/drawing/2010/main" xmlns="" w="9525">
+              <a14:hiddenLine xmlns="" xmlns:a14="http://schemas.microsoft.com/office/drawing/2010/main" w="9525">
                 <a:solidFill>
                   <a:srgbClr val="000000"/>
                 </a:solidFill>
@@ -2606,7 +2606,7 @@
               </a14:hiddenLine>
             </a:ext>
             <a:ext uri="{FAA26D3D-D897-4be2-8F04-BA451C77F1D7}">
-              <ma14:placeholderFlag xmlns:ma14="http://schemas.microsoft.com/office/mac/drawingml/2011/main" xmlns="" val="1"/>
+              <ma14:placeholderFlag xmlns="" xmlns:ma14="http://schemas.microsoft.com/office/mac/drawingml/2011/main" val="1"/>
             </a:ext>
           </a:extLst>
         </p:spPr>
@@ -2666,14 +2666,14 @@
           <a:ln/>
           <a:extLst>
             <a:ext uri="{909E8E84-426E-40dd-AFC4-6F175D3DCCD1}">
-              <a14:hiddenFill xmlns:a14="http://schemas.microsoft.com/office/drawing/2010/main" xmlns="">
+              <a14:hiddenFill xmlns="" xmlns:a14="http://schemas.microsoft.com/office/drawing/2010/main">
                 <a:solidFill>
                   <a:srgbClr val="FFFFFF"/>
                 </a:solidFill>
               </a14:hiddenFill>
             </a:ext>
             <a:ext uri="{91240B29-F687-4f45-9708-019B960494DF}">
-              <a14:hiddenLine xmlns:a14="http://schemas.microsoft.com/office/drawing/2010/main" xmlns="" w="9525">
+              <a14:hiddenLine xmlns="" xmlns:a14="http://schemas.microsoft.com/office/drawing/2010/main" w="9525">
                 <a:solidFill>
                   <a:srgbClr val="000000"/>
                 </a:solidFill>
@@ -2832,14 +2832,14 @@
           <a:ln/>
           <a:extLst>
             <a:ext uri="{909E8E84-426E-40dd-AFC4-6F175D3DCCD1}">
-              <a14:hiddenFill xmlns:a14="http://schemas.microsoft.com/office/drawing/2010/main" xmlns="">
+              <a14:hiddenFill xmlns="" xmlns:a14="http://schemas.microsoft.com/office/drawing/2010/main">
                 <a:solidFill>
                   <a:srgbClr val="FFFFFF"/>
                 </a:solidFill>
               </a14:hiddenFill>
             </a:ext>
             <a:ext uri="{91240B29-F687-4f45-9708-019B960494DF}">
-              <a14:hiddenLine xmlns:a14="http://schemas.microsoft.com/office/drawing/2010/main" xmlns="" w="9525">
+              <a14:hiddenLine xmlns="" xmlns:a14="http://schemas.microsoft.com/office/drawing/2010/main" w="9525">
                 <a:solidFill>
                   <a:srgbClr val="000000"/>
                 </a:solidFill>
@@ -2849,7 +2849,7 @@
               </a14:hiddenLine>
             </a:ext>
             <a:ext uri="{FAA26D3D-D897-4be2-8F04-BA451C77F1D7}">
-              <ma14:placeholderFlag xmlns:ma14="http://schemas.microsoft.com/office/mac/drawingml/2011/main" xmlns="" val="1"/>
+              <ma14:placeholderFlag xmlns="" xmlns:ma14="http://schemas.microsoft.com/office/mac/drawingml/2011/main" val="1"/>
             </a:ext>
           </a:extLst>
         </p:spPr>
@@ -2909,14 +2909,14 @@
           <a:ln/>
           <a:extLst>
             <a:ext uri="{909E8E84-426E-40dd-AFC4-6F175D3DCCD1}">
-              <a14:hiddenFill xmlns:a14="http://schemas.microsoft.com/office/drawing/2010/main" xmlns="">
+              <a14:hiddenFill xmlns="" xmlns:a14="http://schemas.microsoft.com/office/drawing/2010/main">
                 <a:solidFill>
                   <a:srgbClr val="FFFFFF"/>
                 </a:solidFill>
               </a14:hiddenFill>
             </a:ext>
             <a:ext uri="{91240B29-F687-4f45-9708-019B960494DF}">
-              <a14:hiddenLine xmlns:a14="http://schemas.microsoft.com/office/drawing/2010/main" xmlns="" w="9525">
+              <a14:hiddenLine xmlns="" xmlns:a14="http://schemas.microsoft.com/office/drawing/2010/main" w="9525">
                 <a:solidFill>
                   <a:srgbClr val="000000"/>
                 </a:solidFill>
@@ -3075,14 +3075,14 @@
           <a:ln/>
           <a:extLst>
             <a:ext uri="{909E8E84-426E-40dd-AFC4-6F175D3DCCD1}">
-              <a14:hiddenFill xmlns:a14="http://schemas.microsoft.com/office/drawing/2010/main" xmlns="">
+              <a14:hiddenFill xmlns="" xmlns:a14="http://schemas.microsoft.com/office/drawing/2010/main">
                 <a:solidFill>
                   <a:srgbClr val="FFFFFF"/>
                 </a:solidFill>
               </a14:hiddenFill>
             </a:ext>
             <a:ext uri="{91240B29-F687-4f45-9708-019B960494DF}">
-              <a14:hiddenLine xmlns:a14="http://schemas.microsoft.com/office/drawing/2010/main" xmlns="" w="9525">
+              <a14:hiddenLine xmlns="" xmlns:a14="http://schemas.microsoft.com/office/drawing/2010/main" w="9525">
                 <a:solidFill>
                   <a:srgbClr val="000000"/>
                 </a:solidFill>
@@ -3092,7 +3092,7 @@
               </a14:hiddenLine>
             </a:ext>
             <a:ext uri="{FAA26D3D-D897-4be2-8F04-BA451C77F1D7}">
-              <ma14:placeholderFlag xmlns:ma14="http://schemas.microsoft.com/office/mac/drawingml/2011/main" xmlns="" val="1"/>
+              <ma14:placeholderFlag xmlns="" xmlns:ma14="http://schemas.microsoft.com/office/mac/drawingml/2011/main" val="1"/>
             </a:ext>
           </a:extLst>
         </p:spPr>
@@ -3152,14 +3152,14 @@
           <a:ln/>
           <a:extLst>
             <a:ext uri="{909E8E84-426E-40dd-AFC4-6F175D3DCCD1}">
-              <a14:hiddenFill xmlns:a14="http://schemas.microsoft.com/office/drawing/2010/main" xmlns="">
+              <a14:hiddenFill xmlns="" xmlns:a14="http://schemas.microsoft.com/office/drawing/2010/main">
                 <a:solidFill>
                   <a:srgbClr val="FFFFFF"/>
                 </a:solidFill>
               </a14:hiddenFill>
             </a:ext>
             <a:ext uri="{91240B29-F687-4f45-9708-019B960494DF}">
-              <a14:hiddenLine xmlns:a14="http://schemas.microsoft.com/office/drawing/2010/main" xmlns="" w="9525">
+              <a14:hiddenLine xmlns="" xmlns:a14="http://schemas.microsoft.com/office/drawing/2010/main" w="9525">
                 <a:solidFill>
                   <a:srgbClr val="000000"/>
                 </a:solidFill>
@@ -3318,14 +3318,14 @@
           <a:ln/>
           <a:extLst>
             <a:ext uri="{909E8E84-426E-40dd-AFC4-6F175D3DCCD1}">
-              <a14:hiddenFill xmlns:a14="http://schemas.microsoft.com/office/drawing/2010/main" xmlns="">
+              <a14:hiddenFill xmlns="" xmlns:a14="http://schemas.microsoft.com/office/drawing/2010/main">
                 <a:solidFill>
                   <a:srgbClr val="FFFFFF"/>
                 </a:solidFill>
               </a14:hiddenFill>
             </a:ext>
             <a:ext uri="{91240B29-F687-4f45-9708-019B960494DF}">
-              <a14:hiddenLine xmlns:a14="http://schemas.microsoft.com/office/drawing/2010/main" xmlns="" w="9525">
+              <a14:hiddenLine xmlns="" xmlns:a14="http://schemas.microsoft.com/office/drawing/2010/main" w="9525">
                 <a:solidFill>
                   <a:srgbClr val="000000"/>
                 </a:solidFill>
@@ -3335,7 +3335,7 @@
               </a14:hiddenLine>
             </a:ext>
             <a:ext uri="{FAA26D3D-D897-4be2-8F04-BA451C77F1D7}">
-              <ma14:placeholderFlag xmlns:ma14="http://schemas.microsoft.com/office/mac/drawingml/2011/main" xmlns="" val="1"/>
+              <ma14:placeholderFlag xmlns="" xmlns:ma14="http://schemas.microsoft.com/office/mac/drawingml/2011/main" val="1"/>
             </a:ext>
           </a:extLst>
         </p:spPr>
@@ -3395,14 +3395,14 @@
           <a:ln/>
           <a:extLst>
             <a:ext uri="{909E8E84-426E-40dd-AFC4-6F175D3DCCD1}">
-              <a14:hiddenFill xmlns:a14="http://schemas.microsoft.com/office/drawing/2010/main" xmlns="">
+              <a14:hiddenFill xmlns="" xmlns:a14="http://schemas.microsoft.com/office/drawing/2010/main">
                 <a:solidFill>
                   <a:srgbClr val="FFFFFF"/>
                 </a:solidFill>
               </a14:hiddenFill>
             </a:ext>
             <a:ext uri="{91240B29-F687-4f45-9708-019B960494DF}">
-              <a14:hiddenLine xmlns:a14="http://schemas.microsoft.com/office/drawing/2010/main" xmlns="" w="9525">
+              <a14:hiddenLine xmlns="" xmlns:a14="http://schemas.microsoft.com/office/drawing/2010/main" w="9525">
                 <a:solidFill>
                   <a:srgbClr val="000000"/>
                 </a:solidFill>
@@ -3561,14 +3561,14 @@
           <a:ln/>
           <a:extLst>
             <a:ext uri="{909E8E84-426E-40dd-AFC4-6F175D3DCCD1}">
-              <a14:hiddenFill xmlns:a14="http://schemas.microsoft.com/office/drawing/2010/main" xmlns="">
+              <a14:hiddenFill xmlns="" xmlns:a14="http://schemas.microsoft.com/office/drawing/2010/main">
                 <a:solidFill>
                   <a:srgbClr val="FFFFFF"/>
                 </a:solidFill>
               </a14:hiddenFill>
             </a:ext>
             <a:ext uri="{91240B29-F687-4f45-9708-019B960494DF}">
-              <a14:hiddenLine xmlns:a14="http://schemas.microsoft.com/office/drawing/2010/main" xmlns="" w="9525">
+              <a14:hiddenLine xmlns="" xmlns:a14="http://schemas.microsoft.com/office/drawing/2010/main" w="9525">
                 <a:solidFill>
                   <a:srgbClr val="000000"/>
                 </a:solidFill>
@@ -3578,7 +3578,7 @@
               </a14:hiddenLine>
             </a:ext>
             <a:ext uri="{FAA26D3D-D897-4be2-8F04-BA451C77F1D7}">
-              <ma14:placeholderFlag xmlns:ma14="http://schemas.microsoft.com/office/mac/drawingml/2011/main" xmlns="" val="1"/>
+              <ma14:placeholderFlag xmlns="" xmlns:ma14="http://schemas.microsoft.com/office/mac/drawingml/2011/main" val="1"/>
             </a:ext>
           </a:extLst>
         </p:spPr>
@@ -3638,14 +3638,14 @@
           <a:ln/>
           <a:extLst>
             <a:ext uri="{909E8E84-426E-40dd-AFC4-6F175D3DCCD1}">
-              <a14:hiddenFill xmlns:a14="http://schemas.microsoft.com/office/drawing/2010/main" xmlns="">
+              <a14:hiddenFill xmlns="" xmlns:a14="http://schemas.microsoft.com/office/drawing/2010/main">
                 <a:solidFill>
                   <a:srgbClr val="FFFFFF"/>
                 </a:solidFill>
               </a14:hiddenFill>
             </a:ext>
             <a:ext uri="{91240B29-F687-4f45-9708-019B960494DF}">
-              <a14:hiddenLine xmlns:a14="http://schemas.microsoft.com/office/drawing/2010/main" xmlns="" w="9525">
+              <a14:hiddenLine xmlns="" xmlns:a14="http://schemas.microsoft.com/office/drawing/2010/main" w="9525">
                 <a:solidFill>
                   <a:srgbClr val="000000"/>
                 </a:solidFill>
@@ -3804,14 +3804,14 @@
           <a:ln/>
           <a:extLst>
             <a:ext uri="{909E8E84-426E-40dd-AFC4-6F175D3DCCD1}">
-              <a14:hiddenFill xmlns:a14="http://schemas.microsoft.com/office/drawing/2010/main" xmlns="">
+              <a14:hiddenFill xmlns="" xmlns:a14="http://schemas.microsoft.com/office/drawing/2010/main">
                 <a:solidFill>
                   <a:srgbClr val="FFFFFF"/>
                 </a:solidFill>
               </a14:hiddenFill>
             </a:ext>
             <a:ext uri="{91240B29-F687-4f45-9708-019B960494DF}">
-              <a14:hiddenLine xmlns:a14="http://schemas.microsoft.com/office/drawing/2010/main" xmlns="" w="9525">
+              <a14:hiddenLine xmlns="" xmlns:a14="http://schemas.microsoft.com/office/drawing/2010/main" w="9525">
                 <a:solidFill>
                   <a:srgbClr val="000000"/>
                 </a:solidFill>
@@ -3821,7 +3821,7 @@
               </a14:hiddenLine>
             </a:ext>
             <a:ext uri="{FAA26D3D-D897-4be2-8F04-BA451C77F1D7}">
-              <ma14:placeholderFlag xmlns:ma14="http://schemas.microsoft.com/office/mac/drawingml/2011/main" xmlns="" val="1"/>
+              <ma14:placeholderFlag xmlns="" xmlns:ma14="http://schemas.microsoft.com/office/mac/drawingml/2011/main" val="1"/>
             </a:ext>
           </a:extLst>
         </p:spPr>
@@ -3876,14 +3876,14 @@
           <a:ln/>
           <a:extLst>
             <a:ext uri="{909E8E84-426E-40dd-AFC4-6F175D3DCCD1}">
-              <a14:hiddenFill xmlns:a14="http://schemas.microsoft.com/office/drawing/2010/main" xmlns="">
+              <a14:hiddenFill xmlns="" xmlns:a14="http://schemas.microsoft.com/office/drawing/2010/main">
                 <a:solidFill>
                   <a:srgbClr val="FFFFFF"/>
                 </a:solidFill>
               </a14:hiddenFill>
             </a:ext>
             <a:ext uri="{91240B29-F687-4f45-9708-019B960494DF}">
-              <a14:hiddenLine xmlns:a14="http://schemas.microsoft.com/office/drawing/2010/main" xmlns="" w="9525">
+              <a14:hiddenLine xmlns="" xmlns:a14="http://schemas.microsoft.com/office/drawing/2010/main" w="9525">
                 <a:solidFill>
                   <a:srgbClr val="000000"/>
                 </a:solidFill>
@@ -4042,14 +4042,14 @@
           <a:ln/>
           <a:extLst>
             <a:ext uri="{909E8E84-426E-40dd-AFC4-6F175D3DCCD1}">
-              <a14:hiddenFill xmlns:a14="http://schemas.microsoft.com/office/drawing/2010/main" xmlns="">
+              <a14:hiddenFill xmlns="" xmlns:a14="http://schemas.microsoft.com/office/drawing/2010/main">
                 <a:solidFill>
                   <a:srgbClr val="FFFFFF"/>
                 </a:solidFill>
               </a14:hiddenFill>
             </a:ext>
             <a:ext uri="{91240B29-F687-4f45-9708-019B960494DF}">
-              <a14:hiddenLine xmlns:a14="http://schemas.microsoft.com/office/drawing/2010/main" xmlns="" w="9525">
+              <a14:hiddenLine xmlns="" xmlns:a14="http://schemas.microsoft.com/office/drawing/2010/main" w="9525">
                 <a:solidFill>
                   <a:srgbClr val="000000"/>
                 </a:solidFill>
@@ -4059,7 +4059,7 @@
               </a14:hiddenLine>
             </a:ext>
             <a:ext uri="{FAA26D3D-D897-4be2-8F04-BA451C77F1D7}">
-              <ma14:placeholderFlag xmlns:ma14="http://schemas.microsoft.com/office/mac/drawingml/2011/main" xmlns="" val="1"/>
+              <ma14:placeholderFlag xmlns="" xmlns:ma14="http://schemas.microsoft.com/office/mac/drawingml/2011/main" val="1"/>
             </a:ext>
           </a:extLst>
         </p:spPr>
@@ -4119,14 +4119,14 @@
           <a:ln/>
           <a:extLst>
             <a:ext uri="{909E8E84-426E-40dd-AFC4-6F175D3DCCD1}">
-              <a14:hiddenFill xmlns:a14="http://schemas.microsoft.com/office/drawing/2010/main" xmlns="">
+              <a14:hiddenFill xmlns="" xmlns:a14="http://schemas.microsoft.com/office/drawing/2010/main">
                 <a:solidFill>
                   <a:srgbClr val="FFFFFF"/>
                 </a:solidFill>
               </a14:hiddenFill>
             </a:ext>
             <a:ext uri="{91240B29-F687-4f45-9708-019B960494DF}">
-              <a14:hiddenLine xmlns:a14="http://schemas.microsoft.com/office/drawing/2010/main" xmlns="" w="9525">
+              <a14:hiddenLine xmlns="" xmlns:a14="http://schemas.microsoft.com/office/drawing/2010/main" w="9525">
                 <a:solidFill>
                   <a:srgbClr val="000000"/>
                 </a:solidFill>
@@ -4285,14 +4285,14 @@
           <a:ln/>
           <a:extLst>
             <a:ext uri="{909E8E84-426E-40dd-AFC4-6F175D3DCCD1}">
-              <a14:hiddenFill xmlns:a14="http://schemas.microsoft.com/office/drawing/2010/main" xmlns="">
+              <a14:hiddenFill xmlns="" xmlns:a14="http://schemas.microsoft.com/office/drawing/2010/main">
                 <a:solidFill>
                   <a:srgbClr val="FFFFFF"/>
                 </a:solidFill>
               </a14:hiddenFill>
             </a:ext>
             <a:ext uri="{91240B29-F687-4f45-9708-019B960494DF}">
-              <a14:hiddenLine xmlns:a14="http://schemas.microsoft.com/office/drawing/2010/main" xmlns="" w="9525">
+              <a14:hiddenLine xmlns="" xmlns:a14="http://schemas.microsoft.com/office/drawing/2010/main" w="9525">
                 <a:solidFill>
                   <a:srgbClr val="000000"/>
                 </a:solidFill>
@@ -4302,7 +4302,7 @@
               </a14:hiddenLine>
             </a:ext>
             <a:ext uri="{FAA26D3D-D897-4be2-8F04-BA451C77F1D7}">
-              <ma14:placeholderFlag xmlns:ma14="http://schemas.microsoft.com/office/mac/drawingml/2011/main" xmlns="" val="1"/>
+              <ma14:placeholderFlag xmlns="" xmlns:ma14="http://schemas.microsoft.com/office/mac/drawingml/2011/main" val="1"/>
             </a:ext>
           </a:extLst>
         </p:spPr>
@@ -4362,14 +4362,14 @@
           <a:ln/>
           <a:extLst>
             <a:ext uri="{909E8E84-426E-40dd-AFC4-6F175D3DCCD1}">
-              <a14:hiddenFill xmlns:a14="http://schemas.microsoft.com/office/drawing/2010/main" xmlns="">
+              <a14:hiddenFill xmlns="" xmlns:a14="http://schemas.microsoft.com/office/drawing/2010/main">
                 <a:solidFill>
                   <a:srgbClr val="FFFFFF"/>
                 </a:solidFill>
               </a14:hiddenFill>
             </a:ext>
             <a:ext uri="{91240B29-F687-4f45-9708-019B960494DF}">
-              <a14:hiddenLine xmlns:a14="http://schemas.microsoft.com/office/drawing/2010/main" xmlns="" w="9525">
+              <a14:hiddenLine xmlns="" xmlns:a14="http://schemas.microsoft.com/office/drawing/2010/main" w="9525">
                 <a:solidFill>
                   <a:srgbClr val="000000"/>
                 </a:solidFill>
@@ -4528,14 +4528,14 @@
           <a:ln/>
           <a:extLst>
             <a:ext uri="{909E8E84-426E-40dd-AFC4-6F175D3DCCD1}">
-              <a14:hiddenFill xmlns:a14="http://schemas.microsoft.com/office/drawing/2010/main" xmlns="">
+              <a14:hiddenFill xmlns="" xmlns:a14="http://schemas.microsoft.com/office/drawing/2010/main">
                 <a:solidFill>
                   <a:srgbClr val="FFFFFF"/>
                 </a:solidFill>
               </a14:hiddenFill>
             </a:ext>
             <a:ext uri="{91240B29-F687-4f45-9708-019B960494DF}">
-              <a14:hiddenLine xmlns:a14="http://schemas.microsoft.com/office/drawing/2010/main" xmlns="" w="9525">
+              <a14:hiddenLine xmlns="" xmlns:a14="http://schemas.microsoft.com/office/drawing/2010/main" w="9525">
                 <a:solidFill>
                   <a:srgbClr val="000000"/>
                 </a:solidFill>
@@ -4545,7 +4545,7 @@
               </a14:hiddenLine>
             </a:ext>
             <a:ext uri="{FAA26D3D-D897-4be2-8F04-BA451C77F1D7}">
-              <ma14:placeholderFlag xmlns:ma14="http://schemas.microsoft.com/office/mac/drawingml/2011/main" xmlns="" val="1"/>
+              <ma14:placeholderFlag xmlns="" xmlns:ma14="http://schemas.microsoft.com/office/mac/drawingml/2011/main" val="1"/>
             </a:ext>
           </a:extLst>
         </p:spPr>
@@ -4605,14 +4605,14 @@
           <a:ln/>
           <a:extLst>
             <a:ext uri="{909E8E84-426E-40dd-AFC4-6F175D3DCCD1}">
-              <a14:hiddenFill xmlns:a14="http://schemas.microsoft.com/office/drawing/2010/main" xmlns="">
+              <a14:hiddenFill xmlns="" xmlns:a14="http://schemas.microsoft.com/office/drawing/2010/main">
                 <a:solidFill>
                   <a:srgbClr val="FFFFFF"/>
                 </a:solidFill>
               </a14:hiddenFill>
             </a:ext>
             <a:ext uri="{91240B29-F687-4f45-9708-019B960494DF}">
-              <a14:hiddenLine xmlns:a14="http://schemas.microsoft.com/office/drawing/2010/main" xmlns="" w="9525">
+              <a14:hiddenLine xmlns="" xmlns:a14="http://schemas.microsoft.com/office/drawing/2010/main" w="9525">
                 <a:solidFill>
                   <a:srgbClr val="000000"/>
                 </a:solidFill>
@@ -4771,14 +4771,14 @@
           <a:ln/>
           <a:extLst>
             <a:ext uri="{909E8E84-426E-40dd-AFC4-6F175D3DCCD1}">
-              <a14:hiddenFill xmlns:a14="http://schemas.microsoft.com/office/drawing/2010/main" xmlns="">
+              <a14:hiddenFill xmlns="" xmlns:a14="http://schemas.microsoft.com/office/drawing/2010/main">
                 <a:solidFill>
                   <a:srgbClr val="FFFFFF"/>
                 </a:solidFill>
               </a14:hiddenFill>
             </a:ext>
             <a:ext uri="{91240B29-F687-4f45-9708-019B960494DF}">
-              <a14:hiddenLine xmlns:a14="http://schemas.microsoft.com/office/drawing/2010/main" xmlns="" w="9525">
+              <a14:hiddenLine xmlns="" xmlns:a14="http://schemas.microsoft.com/office/drawing/2010/main" w="9525">
                 <a:solidFill>
                   <a:srgbClr val="000000"/>
                 </a:solidFill>
@@ -4788,7 +4788,7 @@
               </a14:hiddenLine>
             </a:ext>
             <a:ext uri="{FAA26D3D-D897-4be2-8F04-BA451C77F1D7}">
-              <ma14:placeholderFlag xmlns:ma14="http://schemas.microsoft.com/office/mac/drawingml/2011/main" xmlns="" val="1"/>
+              <ma14:placeholderFlag xmlns="" xmlns:ma14="http://schemas.microsoft.com/office/mac/drawingml/2011/main" val="1"/>
             </a:ext>
           </a:extLst>
         </p:spPr>
@@ -4848,14 +4848,14 @@
           <a:ln/>
           <a:extLst>
             <a:ext uri="{909E8E84-426E-40dd-AFC4-6F175D3DCCD1}">
-              <a14:hiddenFill xmlns:a14="http://schemas.microsoft.com/office/drawing/2010/main" xmlns="">
+              <a14:hiddenFill xmlns="" xmlns:a14="http://schemas.microsoft.com/office/drawing/2010/main">
                 <a:solidFill>
                   <a:srgbClr val="FFFFFF"/>
                 </a:solidFill>
               </a14:hiddenFill>
             </a:ext>
             <a:ext uri="{91240B29-F687-4f45-9708-019B960494DF}">
-              <a14:hiddenLine xmlns:a14="http://schemas.microsoft.com/office/drawing/2010/main" xmlns="" w="9525">
+              <a14:hiddenLine xmlns="" xmlns:a14="http://schemas.microsoft.com/office/drawing/2010/main" w="9525">
                 <a:solidFill>
                   <a:srgbClr val="000000"/>
                 </a:solidFill>
@@ -5014,14 +5014,14 @@
           <a:ln/>
           <a:extLst>
             <a:ext uri="{909E8E84-426E-40dd-AFC4-6F175D3DCCD1}">
-              <a14:hiddenFill xmlns:a14="http://schemas.microsoft.com/office/drawing/2010/main" xmlns="">
+              <a14:hiddenFill xmlns="" xmlns:a14="http://schemas.microsoft.com/office/drawing/2010/main">
                 <a:solidFill>
                   <a:srgbClr val="FFFFFF"/>
                 </a:solidFill>
               </a14:hiddenFill>
             </a:ext>
             <a:ext uri="{91240B29-F687-4f45-9708-019B960494DF}">
-              <a14:hiddenLine xmlns:a14="http://schemas.microsoft.com/office/drawing/2010/main" xmlns="" w="9525">
+              <a14:hiddenLine xmlns="" xmlns:a14="http://schemas.microsoft.com/office/drawing/2010/main" w="9525">
                 <a:solidFill>
                   <a:srgbClr val="000000"/>
                 </a:solidFill>
@@ -5031,7 +5031,7 @@
               </a14:hiddenLine>
             </a:ext>
             <a:ext uri="{FAA26D3D-D897-4be2-8F04-BA451C77F1D7}">
-              <ma14:placeholderFlag xmlns:ma14="http://schemas.microsoft.com/office/mac/drawingml/2011/main" xmlns="" val="1"/>
+              <ma14:placeholderFlag xmlns="" xmlns:ma14="http://schemas.microsoft.com/office/mac/drawingml/2011/main" val="1"/>
             </a:ext>
           </a:extLst>
         </p:spPr>
@@ -5091,14 +5091,14 @@
           <a:ln/>
           <a:extLst>
             <a:ext uri="{909E8E84-426E-40dd-AFC4-6F175D3DCCD1}">
-              <a14:hiddenFill xmlns:a14="http://schemas.microsoft.com/office/drawing/2010/main" xmlns="">
+              <a14:hiddenFill xmlns="" xmlns:a14="http://schemas.microsoft.com/office/drawing/2010/main">
                 <a:solidFill>
                   <a:srgbClr val="FFFFFF"/>
                 </a:solidFill>
               </a14:hiddenFill>
             </a:ext>
             <a:ext uri="{91240B29-F687-4f45-9708-019B960494DF}">
-              <a14:hiddenLine xmlns:a14="http://schemas.microsoft.com/office/drawing/2010/main" xmlns="" w="9525">
+              <a14:hiddenLine xmlns="" xmlns:a14="http://schemas.microsoft.com/office/drawing/2010/main" w="9525">
                 <a:solidFill>
                   <a:srgbClr val="000000"/>
                 </a:solidFill>
@@ -5257,14 +5257,14 @@
           <a:ln/>
           <a:extLst>
             <a:ext uri="{909E8E84-426E-40dd-AFC4-6F175D3DCCD1}">
-              <a14:hiddenFill xmlns:a14="http://schemas.microsoft.com/office/drawing/2010/main" xmlns="">
+              <a14:hiddenFill xmlns="" xmlns:a14="http://schemas.microsoft.com/office/drawing/2010/main">
                 <a:solidFill>
                   <a:srgbClr val="FFFFFF"/>
                 </a:solidFill>
               </a14:hiddenFill>
             </a:ext>
             <a:ext uri="{91240B29-F687-4f45-9708-019B960494DF}">
-              <a14:hiddenLine xmlns:a14="http://schemas.microsoft.com/office/drawing/2010/main" xmlns="" w="9525">
+              <a14:hiddenLine xmlns="" xmlns:a14="http://schemas.microsoft.com/office/drawing/2010/main" w="9525">
                 <a:solidFill>
                   <a:srgbClr val="000000"/>
                 </a:solidFill>
@@ -5274,7 +5274,7 @@
               </a14:hiddenLine>
             </a:ext>
             <a:ext uri="{FAA26D3D-D897-4be2-8F04-BA451C77F1D7}">
-              <ma14:placeholderFlag xmlns:ma14="http://schemas.microsoft.com/office/mac/drawingml/2011/main" xmlns="" val="1"/>
+              <ma14:placeholderFlag xmlns="" xmlns:ma14="http://schemas.microsoft.com/office/mac/drawingml/2011/main" val="1"/>
             </a:ext>
           </a:extLst>
         </p:spPr>
@@ -5334,14 +5334,14 @@
           <a:ln/>
           <a:extLst>
             <a:ext uri="{909E8E84-426E-40dd-AFC4-6F175D3DCCD1}">
-              <a14:hiddenFill xmlns:a14="http://schemas.microsoft.com/office/drawing/2010/main" xmlns="">
+              <a14:hiddenFill xmlns="" xmlns:a14="http://schemas.microsoft.com/office/drawing/2010/main">
                 <a:solidFill>
                   <a:srgbClr val="FFFFFF"/>
                 </a:solidFill>
               </a14:hiddenFill>
             </a:ext>
             <a:ext uri="{91240B29-F687-4f45-9708-019B960494DF}">
-              <a14:hiddenLine xmlns:a14="http://schemas.microsoft.com/office/drawing/2010/main" xmlns="" w="9525">
+              <a14:hiddenLine xmlns="" xmlns:a14="http://schemas.microsoft.com/office/drawing/2010/main" w="9525">
                 <a:solidFill>
                   <a:srgbClr val="000000"/>
                 </a:solidFill>
@@ -5500,14 +5500,14 @@
           <a:ln/>
           <a:extLst>
             <a:ext uri="{909E8E84-426E-40dd-AFC4-6F175D3DCCD1}">
-              <a14:hiddenFill xmlns:a14="http://schemas.microsoft.com/office/drawing/2010/main" xmlns="">
+              <a14:hiddenFill xmlns="" xmlns:a14="http://schemas.microsoft.com/office/drawing/2010/main">
                 <a:solidFill>
                   <a:srgbClr val="FFFFFF"/>
                 </a:solidFill>
               </a14:hiddenFill>
             </a:ext>
             <a:ext uri="{91240B29-F687-4f45-9708-019B960494DF}">
-              <a14:hiddenLine xmlns:a14="http://schemas.microsoft.com/office/drawing/2010/main" xmlns="" w="9525">
+              <a14:hiddenLine xmlns="" xmlns:a14="http://schemas.microsoft.com/office/drawing/2010/main" w="9525">
                 <a:solidFill>
                   <a:srgbClr val="000000"/>
                 </a:solidFill>
@@ -5517,7 +5517,7 @@
               </a14:hiddenLine>
             </a:ext>
             <a:ext uri="{FAA26D3D-D897-4be2-8F04-BA451C77F1D7}">
-              <ma14:placeholderFlag xmlns:ma14="http://schemas.microsoft.com/office/mac/drawingml/2011/main" xmlns="" val="1"/>
+              <ma14:placeholderFlag xmlns="" xmlns:ma14="http://schemas.microsoft.com/office/mac/drawingml/2011/main" val="1"/>
             </a:ext>
           </a:extLst>
         </p:spPr>
@@ -5577,14 +5577,14 @@
           <a:ln/>
           <a:extLst>
             <a:ext uri="{909E8E84-426E-40dd-AFC4-6F175D3DCCD1}">
-              <a14:hiddenFill xmlns:a14="http://schemas.microsoft.com/office/drawing/2010/main" xmlns="">
+              <a14:hiddenFill xmlns="" xmlns:a14="http://schemas.microsoft.com/office/drawing/2010/main">
                 <a:solidFill>
                   <a:srgbClr val="FFFFFF"/>
                 </a:solidFill>
               </a14:hiddenFill>
             </a:ext>
             <a:ext uri="{91240B29-F687-4f45-9708-019B960494DF}">
-              <a14:hiddenLine xmlns:a14="http://schemas.microsoft.com/office/drawing/2010/main" xmlns="" w="9525">
+              <a14:hiddenLine xmlns="" xmlns:a14="http://schemas.microsoft.com/office/drawing/2010/main" w="9525">
                 <a:solidFill>
                   <a:srgbClr val="000000"/>
                 </a:solidFill>
@@ -5743,14 +5743,14 @@
           <a:ln/>
           <a:extLst>
             <a:ext uri="{909E8E84-426E-40dd-AFC4-6F175D3DCCD1}">
-              <a14:hiddenFill xmlns:a14="http://schemas.microsoft.com/office/drawing/2010/main" xmlns="">
+              <a14:hiddenFill xmlns="" xmlns:a14="http://schemas.microsoft.com/office/drawing/2010/main">
                 <a:solidFill>
                   <a:srgbClr val="FFFFFF"/>
                 </a:solidFill>
               </a14:hiddenFill>
             </a:ext>
             <a:ext uri="{91240B29-F687-4f45-9708-019B960494DF}">
-              <a14:hiddenLine xmlns:a14="http://schemas.microsoft.com/office/drawing/2010/main" xmlns="" w="9525">
+              <a14:hiddenLine xmlns="" xmlns:a14="http://schemas.microsoft.com/office/drawing/2010/main" w="9525">
                 <a:solidFill>
                   <a:srgbClr val="000000"/>
                 </a:solidFill>
@@ -5760,7 +5760,7 @@
               </a14:hiddenLine>
             </a:ext>
             <a:ext uri="{FAA26D3D-D897-4be2-8F04-BA451C77F1D7}">
-              <ma14:placeholderFlag xmlns:ma14="http://schemas.microsoft.com/office/mac/drawingml/2011/main" xmlns="" val="1"/>
+              <ma14:placeholderFlag xmlns="" xmlns:ma14="http://schemas.microsoft.com/office/mac/drawingml/2011/main" val="1"/>
             </a:ext>
           </a:extLst>
         </p:spPr>
@@ -5820,14 +5820,14 @@
           <a:ln/>
           <a:extLst>
             <a:ext uri="{909E8E84-426E-40dd-AFC4-6F175D3DCCD1}">
-              <a14:hiddenFill xmlns:a14="http://schemas.microsoft.com/office/drawing/2010/main" xmlns="">
+              <a14:hiddenFill xmlns="" xmlns:a14="http://schemas.microsoft.com/office/drawing/2010/main">
                 <a:solidFill>
                   <a:srgbClr val="FFFFFF"/>
                 </a:solidFill>
               </a14:hiddenFill>
             </a:ext>
             <a:ext uri="{91240B29-F687-4f45-9708-019B960494DF}">
-              <a14:hiddenLine xmlns:a14="http://schemas.microsoft.com/office/drawing/2010/main" xmlns="" w="9525">
+              <a14:hiddenLine xmlns="" xmlns:a14="http://schemas.microsoft.com/office/drawing/2010/main" w="9525">
                 <a:solidFill>
                   <a:srgbClr val="000000"/>
                 </a:solidFill>
@@ -5986,14 +5986,14 @@
           <a:ln/>
           <a:extLst>
             <a:ext uri="{909E8E84-426E-40dd-AFC4-6F175D3DCCD1}">
-              <a14:hiddenFill xmlns:a14="http://schemas.microsoft.com/office/drawing/2010/main" xmlns="">
+              <a14:hiddenFill xmlns="" xmlns:a14="http://schemas.microsoft.com/office/drawing/2010/main">
                 <a:solidFill>
                   <a:srgbClr val="FFFFFF"/>
                 </a:solidFill>
               </a14:hiddenFill>
             </a:ext>
             <a:ext uri="{91240B29-F687-4f45-9708-019B960494DF}">
-              <a14:hiddenLine xmlns:a14="http://schemas.microsoft.com/office/drawing/2010/main" xmlns="" w="9525">
+              <a14:hiddenLine xmlns="" xmlns:a14="http://schemas.microsoft.com/office/drawing/2010/main" w="9525">
                 <a:solidFill>
                   <a:srgbClr val="000000"/>
                 </a:solidFill>
@@ -6003,7 +6003,7 @@
               </a14:hiddenLine>
             </a:ext>
             <a:ext uri="{FAA26D3D-D897-4be2-8F04-BA451C77F1D7}">
-              <ma14:placeholderFlag xmlns:ma14="http://schemas.microsoft.com/office/mac/drawingml/2011/main" xmlns="" val="1"/>
+              <ma14:placeholderFlag xmlns="" xmlns:ma14="http://schemas.microsoft.com/office/mac/drawingml/2011/main" val="1"/>
             </a:ext>
           </a:extLst>
         </p:spPr>
@@ -6063,14 +6063,14 @@
           <a:ln/>
           <a:extLst>
             <a:ext uri="{909E8E84-426E-40dd-AFC4-6F175D3DCCD1}">
-              <a14:hiddenFill xmlns:a14="http://schemas.microsoft.com/office/drawing/2010/main" xmlns="">
+              <a14:hiddenFill xmlns="" xmlns:a14="http://schemas.microsoft.com/office/drawing/2010/main">
                 <a:solidFill>
                   <a:srgbClr val="FFFFFF"/>
                 </a:solidFill>
               </a14:hiddenFill>
             </a:ext>
             <a:ext uri="{91240B29-F687-4f45-9708-019B960494DF}">
-              <a14:hiddenLine xmlns:a14="http://schemas.microsoft.com/office/drawing/2010/main" xmlns="" w="9525">
+              <a14:hiddenLine xmlns="" xmlns:a14="http://schemas.microsoft.com/office/drawing/2010/main" w="9525">
                 <a:solidFill>
                   <a:srgbClr val="000000"/>
                 </a:solidFill>
@@ -6229,14 +6229,14 @@
           <a:ln/>
           <a:extLst>
             <a:ext uri="{909E8E84-426E-40dd-AFC4-6F175D3DCCD1}">
-              <a14:hiddenFill xmlns:a14="http://schemas.microsoft.com/office/drawing/2010/main" xmlns="">
+              <a14:hiddenFill xmlns="" xmlns:a14="http://schemas.microsoft.com/office/drawing/2010/main">
                 <a:solidFill>
                   <a:srgbClr val="FFFFFF"/>
                 </a:solidFill>
               </a14:hiddenFill>
             </a:ext>
             <a:ext uri="{91240B29-F687-4f45-9708-019B960494DF}">
-              <a14:hiddenLine xmlns:a14="http://schemas.microsoft.com/office/drawing/2010/main" xmlns="" w="9525">
+              <a14:hiddenLine xmlns="" xmlns:a14="http://schemas.microsoft.com/office/drawing/2010/main" w="9525">
                 <a:solidFill>
                   <a:srgbClr val="000000"/>
                 </a:solidFill>
@@ -6246,7 +6246,7 @@
               </a14:hiddenLine>
             </a:ext>
             <a:ext uri="{FAA26D3D-D897-4be2-8F04-BA451C77F1D7}">
-              <ma14:placeholderFlag xmlns:ma14="http://schemas.microsoft.com/office/mac/drawingml/2011/main" xmlns="" val="1"/>
+              <ma14:placeholderFlag xmlns="" xmlns:ma14="http://schemas.microsoft.com/office/mac/drawingml/2011/main" val="1"/>
             </a:ext>
           </a:extLst>
         </p:spPr>
@@ -6306,14 +6306,14 @@
           <a:ln/>
           <a:extLst>
             <a:ext uri="{909E8E84-426E-40dd-AFC4-6F175D3DCCD1}">
-              <a14:hiddenFill xmlns:a14="http://schemas.microsoft.com/office/drawing/2010/main" xmlns="">
+              <a14:hiddenFill xmlns="" xmlns:a14="http://schemas.microsoft.com/office/drawing/2010/main">
                 <a:solidFill>
                   <a:srgbClr val="FFFFFF"/>
                 </a:solidFill>
               </a14:hiddenFill>
             </a:ext>
             <a:ext uri="{91240B29-F687-4f45-9708-019B960494DF}">
-              <a14:hiddenLine xmlns:a14="http://schemas.microsoft.com/office/drawing/2010/main" xmlns="" w="9525">
+              <a14:hiddenLine xmlns="" xmlns:a14="http://schemas.microsoft.com/office/drawing/2010/main" w="9525">
                 <a:solidFill>
                   <a:srgbClr val="000000"/>
                 </a:solidFill>
@@ -6472,14 +6472,14 @@
           <a:ln/>
           <a:extLst>
             <a:ext uri="{909E8E84-426E-40dd-AFC4-6F175D3DCCD1}">
-              <a14:hiddenFill xmlns:a14="http://schemas.microsoft.com/office/drawing/2010/main" xmlns="">
+              <a14:hiddenFill xmlns="" xmlns:a14="http://schemas.microsoft.com/office/drawing/2010/main">
                 <a:solidFill>
                   <a:srgbClr val="FFFFFF"/>
                 </a:solidFill>
               </a14:hiddenFill>
             </a:ext>
             <a:ext uri="{91240B29-F687-4f45-9708-019B960494DF}">
-              <a14:hiddenLine xmlns:a14="http://schemas.microsoft.com/office/drawing/2010/main" xmlns="" w="9525">
+              <a14:hiddenLine xmlns="" xmlns:a14="http://schemas.microsoft.com/office/drawing/2010/main" w="9525">
                 <a:solidFill>
                   <a:srgbClr val="000000"/>
                 </a:solidFill>
@@ -6489,7 +6489,7 @@
               </a14:hiddenLine>
             </a:ext>
             <a:ext uri="{FAA26D3D-D897-4be2-8F04-BA451C77F1D7}">
-              <ma14:placeholderFlag xmlns:ma14="http://schemas.microsoft.com/office/mac/drawingml/2011/main" xmlns="" val="1"/>
+              <ma14:placeholderFlag xmlns="" xmlns:ma14="http://schemas.microsoft.com/office/mac/drawingml/2011/main" val="1"/>
             </a:ext>
           </a:extLst>
         </p:spPr>
@@ -6552,14 +6552,14 @@
           <a:ln/>
           <a:extLst>
             <a:ext uri="{909E8E84-426E-40dd-AFC4-6F175D3DCCD1}">
-              <a14:hiddenFill xmlns:a14="http://schemas.microsoft.com/office/drawing/2010/main" xmlns="">
+              <a14:hiddenFill xmlns="" xmlns:a14="http://schemas.microsoft.com/office/drawing/2010/main">
                 <a:solidFill>
                   <a:srgbClr val="FFFFFF"/>
                 </a:solidFill>
               </a14:hiddenFill>
             </a:ext>
             <a:ext uri="{91240B29-F687-4f45-9708-019B960494DF}">
-              <a14:hiddenLine xmlns:a14="http://schemas.microsoft.com/office/drawing/2010/main" xmlns="" w="9525">
+              <a14:hiddenLine xmlns="" xmlns:a14="http://schemas.microsoft.com/office/drawing/2010/main" w="9525">
                 <a:solidFill>
                   <a:srgbClr val="000000"/>
                 </a:solidFill>
@@ -6718,14 +6718,14 @@
           <a:ln/>
           <a:extLst>
             <a:ext uri="{909E8E84-426E-40dd-AFC4-6F175D3DCCD1}">
-              <a14:hiddenFill xmlns:a14="http://schemas.microsoft.com/office/drawing/2010/main" xmlns="">
+              <a14:hiddenFill xmlns="" xmlns:a14="http://schemas.microsoft.com/office/drawing/2010/main">
                 <a:solidFill>
                   <a:srgbClr val="FFFFFF"/>
                 </a:solidFill>
               </a14:hiddenFill>
             </a:ext>
             <a:ext uri="{91240B29-F687-4f45-9708-019B960494DF}">
-              <a14:hiddenLine xmlns:a14="http://schemas.microsoft.com/office/drawing/2010/main" xmlns="" w="9525">
+              <a14:hiddenLine xmlns="" xmlns:a14="http://schemas.microsoft.com/office/drawing/2010/main" w="9525">
                 <a:solidFill>
                   <a:srgbClr val="000000"/>
                 </a:solidFill>
@@ -6735,7 +6735,7 @@
               </a14:hiddenLine>
             </a:ext>
             <a:ext uri="{FAA26D3D-D897-4be2-8F04-BA451C77F1D7}">
-              <ma14:placeholderFlag xmlns:ma14="http://schemas.microsoft.com/office/mac/drawingml/2011/main" xmlns="" val="1"/>
+              <ma14:placeholderFlag xmlns="" xmlns:ma14="http://schemas.microsoft.com/office/mac/drawingml/2011/main" val="1"/>
             </a:ext>
           </a:extLst>
         </p:spPr>
@@ -6795,14 +6795,14 @@
           <a:ln/>
           <a:extLst>
             <a:ext uri="{909E8E84-426E-40dd-AFC4-6F175D3DCCD1}">
-              <a14:hiddenFill xmlns:a14="http://schemas.microsoft.com/office/drawing/2010/main" xmlns="">
+              <a14:hiddenFill xmlns="" xmlns:a14="http://schemas.microsoft.com/office/drawing/2010/main">
                 <a:solidFill>
                   <a:srgbClr val="FFFFFF"/>
                 </a:solidFill>
               </a14:hiddenFill>
             </a:ext>
             <a:ext uri="{91240B29-F687-4f45-9708-019B960494DF}">
-              <a14:hiddenLine xmlns:a14="http://schemas.microsoft.com/office/drawing/2010/main" xmlns="" w="9525">
+              <a14:hiddenLine xmlns="" xmlns:a14="http://schemas.microsoft.com/office/drawing/2010/main" w="9525">
                 <a:solidFill>
                   <a:srgbClr val="000000"/>
                 </a:solidFill>
@@ -6961,14 +6961,14 @@
           <a:ln/>
           <a:extLst>
             <a:ext uri="{909E8E84-426E-40dd-AFC4-6F175D3DCCD1}">
-              <a14:hiddenFill xmlns:a14="http://schemas.microsoft.com/office/drawing/2010/main" xmlns="">
+              <a14:hiddenFill xmlns="" xmlns:a14="http://schemas.microsoft.com/office/drawing/2010/main">
                 <a:solidFill>
                   <a:srgbClr val="FFFFFF"/>
                 </a:solidFill>
               </a14:hiddenFill>
             </a:ext>
             <a:ext uri="{91240B29-F687-4f45-9708-019B960494DF}">
-              <a14:hiddenLine xmlns:a14="http://schemas.microsoft.com/office/drawing/2010/main" xmlns="" w="9525">
+              <a14:hiddenLine xmlns="" xmlns:a14="http://schemas.microsoft.com/office/drawing/2010/main" w="9525">
                 <a:solidFill>
                   <a:srgbClr val="000000"/>
                 </a:solidFill>
@@ -6978,7 +6978,7 @@
               </a14:hiddenLine>
             </a:ext>
             <a:ext uri="{FAA26D3D-D897-4be2-8F04-BA451C77F1D7}">
-              <ma14:placeholderFlag xmlns:ma14="http://schemas.microsoft.com/office/mac/drawingml/2011/main" xmlns="" val="1"/>
+              <ma14:placeholderFlag xmlns="" xmlns:ma14="http://schemas.microsoft.com/office/mac/drawingml/2011/main" val="1"/>
             </a:ext>
           </a:extLst>
         </p:spPr>
@@ -7038,14 +7038,14 @@
           <a:ln/>
           <a:extLst>
             <a:ext uri="{909E8E84-426E-40dd-AFC4-6F175D3DCCD1}">
-              <a14:hiddenFill xmlns:a14="http://schemas.microsoft.com/office/drawing/2010/main" xmlns="">
+              <a14:hiddenFill xmlns="" xmlns:a14="http://schemas.microsoft.com/office/drawing/2010/main">
                 <a:solidFill>
                   <a:srgbClr val="FFFFFF"/>
                 </a:solidFill>
               </a14:hiddenFill>
             </a:ext>
             <a:ext uri="{91240B29-F687-4f45-9708-019B960494DF}">
-              <a14:hiddenLine xmlns:a14="http://schemas.microsoft.com/office/drawing/2010/main" xmlns="" w="9525">
+              <a14:hiddenLine xmlns="" xmlns:a14="http://schemas.microsoft.com/office/drawing/2010/main" w="9525">
                 <a:solidFill>
                   <a:srgbClr val="000000"/>
                 </a:solidFill>
@@ -7204,14 +7204,14 @@
           <a:ln/>
           <a:extLst>
             <a:ext uri="{909E8E84-426E-40dd-AFC4-6F175D3DCCD1}">
-              <a14:hiddenFill xmlns:a14="http://schemas.microsoft.com/office/drawing/2010/main" xmlns="">
+              <a14:hiddenFill xmlns="" xmlns:a14="http://schemas.microsoft.com/office/drawing/2010/main">
                 <a:solidFill>
                   <a:srgbClr val="FFFFFF"/>
                 </a:solidFill>
               </a14:hiddenFill>
             </a:ext>
             <a:ext uri="{91240B29-F687-4f45-9708-019B960494DF}">
-              <a14:hiddenLine xmlns:a14="http://schemas.microsoft.com/office/drawing/2010/main" xmlns="" w="9525">
+              <a14:hiddenLine xmlns="" xmlns:a14="http://schemas.microsoft.com/office/drawing/2010/main" w="9525">
                 <a:solidFill>
                   <a:srgbClr val="000000"/>
                 </a:solidFill>
@@ -7221,7 +7221,7 @@
               </a14:hiddenLine>
             </a:ext>
             <a:ext uri="{FAA26D3D-D897-4be2-8F04-BA451C77F1D7}">
-              <ma14:placeholderFlag xmlns:ma14="http://schemas.microsoft.com/office/mac/drawingml/2011/main" xmlns="" val="1"/>
+              <ma14:placeholderFlag xmlns="" xmlns:ma14="http://schemas.microsoft.com/office/mac/drawingml/2011/main" val="1"/>
             </a:ext>
           </a:extLst>
         </p:spPr>
@@ -9875,14 +9875,14 @@
           </a:ln>
           <a:extLst>
             <a:ext uri="{909E8E84-426E-40dd-AFC4-6F175D3DCCD1}">
-              <a14:hiddenFill xmlns:a14="http://schemas.microsoft.com/office/drawing/2010/main" xmlns="">
+              <a14:hiddenFill xmlns="" xmlns:a14="http://schemas.microsoft.com/office/drawing/2010/main">
                 <a:solidFill>
                   <a:srgbClr val="FFFFFF"/>
                 </a:solidFill>
               </a14:hiddenFill>
             </a:ext>
             <a:ext uri="{91240B29-F687-4f45-9708-019B960494DF}">
-              <a14:hiddenLine xmlns:a14="http://schemas.microsoft.com/office/drawing/2010/main" xmlns="" w="9525">
+              <a14:hiddenLine xmlns="" xmlns:a14="http://schemas.microsoft.com/office/drawing/2010/main" w="9525">
                 <a:solidFill>
                   <a:srgbClr val="000000"/>
                 </a:solidFill>
@@ -9892,7 +9892,7 @@
               </a14:hiddenLine>
             </a:ext>
             <a:ext uri="{FAA26D3D-D897-4be2-8F04-BA451C77F1D7}">
-              <ma14:placeholderFlag xmlns:ma14="http://schemas.microsoft.com/office/mac/drawingml/2011/main" xmlns="" val="1"/>
+              <ma14:placeholderFlag xmlns="" xmlns:ma14="http://schemas.microsoft.com/office/mac/drawingml/2011/main" val="1"/>
             </a:ext>
           </a:extLst>
         </p:spPr>
@@ -9936,14 +9936,14 @@
           </a:ln>
           <a:extLst>
             <a:ext uri="{909E8E84-426E-40dd-AFC4-6F175D3DCCD1}">
-              <a14:hiddenFill xmlns:a14="http://schemas.microsoft.com/office/drawing/2010/main" xmlns="">
+              <a14:hiddenFill xmlns="" xmlns:a14="http://schemas.microsoft.com/office/drawing/2010/main">
                 <a:solidFill>
                   <a:srgbClr val="FFFFFF"/>
                 </a:solidFill>
               </a14:hiddenFill>
             </a:ext>
             <a:ext uri="{91240B29-F687-4f45-9708-019B960494DF}">
-              <a14:hiddenLine xmlns:a14="http://schemas.microsoft.com/office/drawing/2010/main" xmlns="" w="9525">
+              <a14:hiddenLine xmlns="" xmlns:a14="http://schemas.microsoft.com/office/drawing/2010/main" w="9525">
                 <a:solidFill>
                   <a:srgbClr val="000000"/>
                 </a:solidFill>
@@ -9953,7 +9953,7 @@
               </a14:hiddenLine>
             </a:ext>
             <a:ext uri="{FAA26D3D-D897-4be2-8F04-BA451C77F1D7}">
-              <ma14:placeholderFlag xmlns:ma14="http://schemas.microsoft.com/office/mac/drawingml/2011/main" xmlns="" val="1"/>
+              <ma14:placeholderFlag xmlns="" xmlns:ma14="http://schemas.microsoft.com/office/mac/drawingml/2011/main" val="1"/>
             </a:ext>
           </a:extLst>
         </p:spPr>
@@ -10136,7 +10136,7 @@
           </a:ln>
           <a:extLst>
             <a:ext uri="{909E8E84-426E-40dd-AFC4-6F175D3DCCD1}">
-              <a14:hiddenFill xmlns:a14="http://schemas.microsoft.com/office/drawing/2010/main" xmlns="">
+              <a14:hiddenFill xmlns="" xmlns:a14="http://schemas.microsoft.com/office/drawing/2010/main">
                 <a:noFill/>
               </a14:hiddenFill>
             </a:ext>
@@ -10177,7 +10177,7 @@
           </a:ln>
           <a:extLst>
             <a:ext uri="{909E8E84-426E-40dd-AFC4-6F175D3DCCD1}">
-              <a14:hiddenFill xmlns:a14="http://schemas.microsoft.com/office/drawing/2010/main" xmlns="">
+              <a14:hiddenFill xmlns="" xmlns:a14="http://schemas.microsoft.com/office/drawing/2010/main">
                 <a:noFill/>
               </a14:hiddenFill>
             </a:ext>
@@ -10932,7 +10932,7 @@
           </a:ln>
           <a:extLst>
             <a:ext uri="{909E8E84-426E-40dd-AFC4-6F175D3DCCD1}">
-              <a14:hiddenFill xmlns:a14="http://schemas.microsoft.com/office/drawing/2010/main" xmlns="">
+              <a14:hiddenFill xmlns="" xmlns:a14="http://schemas.microsoft.com/office/drawing/2010/main">
                 <a:noFill/>
               </a14:hiddenFill>
             </a:ext>
@@ -10973,7 +10973,7 @@
           </a:ln>
           <a:extLst>
             <a:ext uri="{909E8E84-426E-40dd-AFC4-6F175D3DCCD1}">
-              <a14:hiddenFill xmlns:a14="http://schemas.microsoft.com/office/drawing/2010/main" xmlns="">
+              <a14:hiddenFill xmlns="" xmlns:a14="http://schemas.microsoft.com/office/drawing/2010/main">
                 <a:noFill/>
               </a14:hiddenFill>
             </a:ext>
@@ -11500,8 +11500,8 @@
           </a:p>
         </p:txBody>
       </p:sp>
-      <mc:AlternateContent xmlns:mc="http://schemas.openxmlformats.org/markup-compatibility/2006">
-        <mc:Choice xmlns:a14="http://schemas.microsoft.com/office/drawing/2010/main" Requires="a14">
+      <mc:AlternateContent xmlns:mc="http://schemas.openxmlformats.org/markup-compatibility/2006" xmlns:a14="http://schemas.microsoft.com/office/drawing/2010/main">
+        <mc:Choice Requires="a14">
           <p:sp>
             <p:nvSpPr>
               <p:cNvPr id="3078" name="Rectangle 3"/>
@@ -12153,7 +12153,7 @@
             </p:txBody>
           </p:sp>
         </mc:Choice>
-        <mc:Fallback>
+        <mc:Fallback xmlns="">
           <p:sp>
             <p:nvSpPr>
               <p:cNvPr id="3078" name="Rectangle 3"/>
@@ -12560,8 +12560,8 @@
           </a:p>
         </p:txBody>
       </p:sp>
-      <mc:AlternateContent xmlns:mc="http://schemas.openxmlformats.org/markup-compatibility/2006">
-        <mc:Choice xmlns:a14="http://schemas.microsoft.com/office/drawing/2010/main" Requires="a14">
+      <mc:AlternateContent xmlns:mc="http://schemas.openxmlformats.org/markup-compatibility/2006" xmlns:a14="http://schemas.microsoft.com/office/drawing/2010/main">
+        <mc:Choice Requires="a14">
           <p:sp>
             <p:nvSpPr>
               <p:cNvPr id="3078" name="Rectangle 3"/>
@@ -12967,7 +12967,7 @@
             </p:txBody>
           </p:sp>
         </mc:Choice>
-        <mc:Fallback>
+        <mc:Fallback xmlns="">
           <p:sp>
             <p:nvSpPr>
               <p:cNvPr id="3078" name="Rectangle 3"/>
@@ -13716,8 +13716,8 @@
           </a:p>
         </p:txBody>
       </p:sp>
-      <mc:AlternateContent xmlns:mc="http://schemas.openxmlformats.org/markup-compatibility/2006">
-        <mc:Choice xmlns:a14="http://schemas.microsoft.com/office/drawing/2010/main" Requires="a14">
+      <mc:AlternateContent xmlns:mc="http://schemas.openxmlformats.org/markup-compatibility/2006" xmlns:a14="http://schemas.microsoft.com/office/drawing/2010/main">
+        <mc:Choice Requires="a14">
           <p:sp>
             <p:nvSpPr>
               <p:cNvPr id="3078" name="Rectangle 3"/>
@@ -13973,7 +13973,7 @@
             </p:txBody>
           </p:sp>
         </mc:Choice>
-        <mc:Fallback>
+        <mc:Fallback xmlns="">
           <p:sp>
             <p:nvSpPr>
               <p:cNvPr id="3078" name="Rectangle 3"/>
@@ -14410,8 +14410,8 @@
           </a:p>
         </p:txBody>
       </p:sp>
-      <mc:AlternateContent xmlns:mc="http://schemas.openxmlformats.org/markup-compatibility/2006">
-        <mc:Choice xmlns:a14="http://schemas.microsoft.com/office/drawing/2010/main" Requires="a14">
+      <mc:AlternateContent xmlns:mc="http://schemas.openxmlformats.org/markup-compatibility/2006" xmlns:a14="http://schemas.microsoft.com/office/drawing/2010/main">
+        <mc:Choice Requires="a14">
           <p:sp>
             <p:nvSpPr>
               <p:cNvPr id="3078" name="Rectangle 3"/>
@@ -14597,7 +14597,7 @@
             </p:txBody>
           </p:sp>
         </mc:Choice>
-        <mc:Fallback>
+        <mc:Fallback xmlns="">
           <p:sp>
             <p:nvSpPr>
               <p:cNvPr id="3078" name="Rectangle 3"/>
@@ -15551,8 +15551,8 @@
           </a:p>
         </p:txBody>
       </p:sp>
-      <mc:AlternateContent xmlns:mc="http://schemas.openxmlformats.org/markup-compatibility/2006">
-        <mc:Choice xmlns:a14="http://schemas.microsoft.com/office/drawing/2010/main" Requires="a14">
+      <mc:AlternateContent xmlns:mc="http://schemas.openxmlformats.org/markup-compatibility/2006" xmlns:a14="http://schemas.microsoft.com/office/drawing/2010/main">
+        <mc:Choice Requires="a14">
           <p:sp>
             <p:nvSpPr>
               <p:cNvPr id="3" name="TextBox 2">
@@ -15581,6 +15581,7 @@
               </a:bodyPr>
               <a:lstStyle/>
               <a:p>
+                <a:pPr/>
                 <a14:m>
                   <m:oMathPara xmlns:m="http://schemas.openxmlformats.org/officeDocument/2006/math">
                     <m:oMathParaPr>
@@ -15852,6 +15853,7 @@
                 </a:endParaRPr>
               </a:p>
               <a:p>
+                <a:pPr/>
                 <a14:m>
                   <m:oMathPara xmlns:m="http://schemas.openxmlformats.org/officeDocument/2006/math">
                     <m:oMathParaPr>
@@ -15980,7 +15982,7 @@
             </p:txBody>
           </p:sp>
         </mc:Choice>
-        <mc:Fallback>
+        <mc:Fallback xmlns="">
           <p:sp>
             <p:nvSpPr>
               <p:cNvPr id="3" name="TextBox 2">
@@ -18965,13 +18967,12 @@
                 </a:endParaRPr>
               </a:p>
               <a:p>
-                <a:pPr lvl="1" eaLnBrk="1" hangingPunct="1"/>
-                <a:r>
-                  <a:rPr lang="en-US" dirty="0">
-                    <a:latin typeface="Arial" charset="0"/>
-                  </a:rPr>
-                  <a:t> </a:t>
-                </a:r>
+                <a:pPr marL="457200" lvl="1" indent="0" eaLnBrk="1" hangingPunct="1">
+                  <a:buNone/>
+                </a:pPr>
+                <a:endParaRPr lang="en-US" dirty="0">
+                  <a:latin typeface="Arial" charset="0"/>
+                </a:endParaRPr>
               </a:p>
             </p:txBody>
           </p:sp>
@@ -18991,7 +18992,7 @@
               <a:blipFill>
                 <a:blip r:embed="rId3"/>
                 <a:stretch>
-                  <a:fillRect l="-1551" t="-2899" r="-705" b="-2657"/>
+                  <a:fillRect l="-1551" t="-2899" r="-705"/>
                 </a:stretch>
               </a:blipFill>
             </p:spPr>
@@ -23866,7 +23867,7 @@
           <a:graphicData uri="http://schemas.openxmlformats.org/presentationml/2006/ole">
             <mc:AlternateContent xmlns:mc="http://schemas.openxmlformats.org/markup-compatibility/2006">
               <mc:Choice xmlns:v="urn:schemas-microsoft-com:vml" Requires="v">
-                <p:oleObj spid="_x0000_s46097" name="Equation" r:id="rId5" imgW="26619200" imgH="9067800" progId="Equation.3">
+                <p:oleObj spid="_x0000_s46099" name="Equation" r:id="rId5" imgW="26619200" imgH="9067800" progId="Equation.3">
                   <p:embed/>
                 </p:oleObj>
               </mc:Choice>
@@ -23971,7 +23972,7 @@
           <a:graphicData uri="http://schemas.openxmlformats.org/presentationml/2006/ole">
             <mc:AlternateContent xmlns:mc="http://schemas.openxmlformats.org/markup-compatibility/2006">
               <mc:Choice xmlns:v="urn:schemas-microsoft-com:vml" Requires="v">
-                <p:oleObj spid="_x0000_s46098" name="Equation" r:id="rId7" imgW="30137100" imgH="11112500" progId="Equation.3">
+                <p:oleObj spid="_x0000_s46100" name="Equation" r:id="rId7" imgW="30137100" imgH="11112500" progId="Equation.3">
                   <p:embed/>
                 </p:oleObj>
               </mc:Choice>
@@ -24758,7 +24759,7 @@
           <a:graphicData uri="http://schemas.openxmlformats.org/presentationml/2006/ole">
             <mc:AlternateContent xmlns:mc="http://schemas.openxmlformats.org/markup-compatibility/2006">
               <mc:Choice xmlns:v="urn:schemas-microsoft-com:vml" Requires="v">
-                <p:oleObj spid="_x0000_s47119" name="Equation" r:id="rId4" imgW="66116200" imgH="22821900" progId="Equation.3">
+                <p:oleObj spid="_x0000_s47121" name="Equation" r:id="rId4" imgW="66116200" imgH="22821900" progId="Equation.3">
                   <p:embed/>
                 </p:oleObj>
               </mc:Choice>
@@ -24869,7 +24870,7 @@
           <a:graphicData uri="http://schemas.openxmlformats.org/presentationml/2006/ole">
             <mc:AlternateContent xmlns:mc="http://schemas.openxmlformats.org/markup-compatibility/2006">
               <mc:Choice xmlns:v="urn:schemas-microsoft-com:vml" Requires="v">
-                <p:oleObj spid="_x0000_s47120" name="Equation" r:id="rId6" imgW="141312900" imgH="22821900" progId="Equation.3">
+                <p:oleObj spid="_x0000_s47122" name="Equation" r:id="rId6" imgW="141312900" imgH="22821900" progId="Equation.3">
                   <p:embed/>
                 </p:oleObj>
               </mc:Choice>

--- a/Mohammad-Slides/3-Random Number Generator.pptx
+++ b/Mohammad-Slides/3-Random Number Generator.pptx
@@ -5,10 +5,10 @@
     <p:sldMasterId id="2147483648" r:id="rId1"/>
   </p:sldMasterIdLst>
   <p:notesMasterIdLst>
-    <p:notesMasterId r:id="rId29"/>
+    <p:notesMasterId r:id="rId21"/>
   </p:notesMasterIdLst>
   <p:handoutMasterIdLst>
-    <p:handoutMasterId r:id="rId30"/>
+    <p:handoutMasterId r:id="rId22"/>
   </p:handoutMasterIdLst>
   <p:sldIdLst>
     <p:sldId id="256" r:id="rId2"/>
@@ -25,19 +25,11 @@
     <p:sldId id="271" r:id="rId13"/>
     <p:sldId id="272" r:id="rId14"/>
     <p:sldId id="273" r:id="rId15"/>
-    <p:sldId id="274" r:id="rId16"/>
-    <p:sldId id="275" r:id="rId17"/>
-    <p:sldId id="276" r:id="rId18"/>
-    <p:sldId id="277" r:id="rId19"/>
-    <p:sldId id="278" r:id="rId20"/>
-    <p:sldId id="279" r:id="rId21"/>
-    <p:sldId id="280" r:id="rId22"/>
-    <p:sldId id="258" r:id="rId23"/>
-    <p:sldId id="259" r:id="rId24"/>
-    <p:sldId id="270" r:id="rId25"/>
-    <p:sldId id="281" r:id="rId26"/>
-    <p:sldId id="282" r:id="rId27"/>
-    <p:sldId id="269" r:id="rId28"/>
+    <p:sldId id="278" r:id="rId16"/>
+    <p:sldId id="274" r:id="rId17"/>
+    <p:sldId id="275" r:id="rId18"/>
+    <p:sldId id="276" r:id="rId19"/>
+    <p:sldId id="277" r:id="rId20"/>
   </p:sldIdLst>
   <p:sldSz cx="9144000" cy="6858000" type="screen4x3"/>
   <p:notesSz cx="6858000" cy="9296400"/>
@@ -2624,7 +2616,7 @@
     </p:spTree>
     <p:extLst>
       <p:ext uri="{BB962C8B-B14F-4D97-AF65-F5344CB8AC3E}">
-        <p14:creationId xmlns:p14="http://schemas.microsoft.com/office/powerpoint/2010/main" val="905479038"/>
+        <p14:creationId xmlns:p14="http://schemas.microsoft.com/office/powerpoint/2010/main" val="1745325128"/>
       </p:ext>
     </p:extLst>
   </p:cSld>
@@ -2858,16 +2850,19 @@
           <a:lstStyle/>
           <a:p>
             <a:pPr eaLnBrk="1" hangingPunct="1"/>
-            <a:endParaRPr lang="en-US">
-              <a:latin typeface="Times New Roman" charset="0"/>
-            </a:endParaRPr>
+            <a:r>
+              <a:rPr lang="en-US" dirty="0">
+                <a:latin typeface="Times New Roman" charset="0"/>
+              </a:rPr>
+              <a:t> </a:t>
+            </a:r>
           </a:p>
         </p:txBody>
       </p:sp>
     </p:spTree>
     <p:extLst>
       <p:ext uri="{BB962C8B-B14F-4D97-AF65-F5344CB8AC3E}">
-        <p14:creationId xmlns:p14="http://schemas.microsoft.com/office/powerpoint/2010/main" val="3647406446"/>
+        <p14:creationId xmlns:p14="http://schemas.microsoft.com/office/powerpoint/2010/main" val="905479038"/>
       </p:ext>
     </p:extLst>
   </p:cSld>
@@ -3101,7 +3096,52 @@
           <a:lstStyle/>
           <a:p>
             <a:pPr eaLnBrk="1" hangingPunct="1"/>
-            <a:endParaRPr lang="en-US">
+            <a:r>
+              <a:rPr lang="en-US" dirty="0">
+                <a:latin typeface="Times New Roman" charset="0"/>
+              </a:rPr>
+              <a:t>Useful to generate random variates from the </a:t>
+            </a:r>
+            <a:r>
+              <a:rPr lang="en-US" sz="1200" b="0" i="0" kern="1200" dirty="0">
+                <a:solidFill>
+                  <a:schemeClr val="tx1"/>
+                </a:solidFill>
+                <a:effectLst/>
+                <a:latin typeface="Times New Roman" pitchFamily="18" charset="0"/>
+                <a:ea typeface="ＭＳ Ｐゴシック" charset="0"/>
+                <a:cs typeface="+mn-cs"/>
+              </a:rPr>
+              <a:t>exponential, the uniform, the Weibull and the triangle distributions.</a:t>
+            </a:r>
+          </a:p>
+          <a:p>
+            <a:pPr eaLnBrk="1" hangingPunct="1"/>
+            <a:endParaRPr lang="en-US" sz="1200" b="0" i="0" kern="1200" dirty="0">
+              <a:solidFill>
+                <a:schemeClr val="tx1"/>
+              </a:solidFill>
+              <a:effectLst/>
+              <a:latin typeface="Times New Roman" pitchFamily="18" charset="0"/>
+              <a:ea typeface="ＭＳ Ｐゴシック" charset="0"/>
+              <a:cs typeface="+mn-cs"/>
+            </a:endParaRPr>
+          </a:p>
+          <a:p>
+            <a:pPr eaLnBrk="1" hangingPunct="1"/>
+            <a:r>
+              <a:rPr lang="en-US" sz="1200" b="0" i="0" kern="1200" dirty="0">
+                <a:solidFill>
+                  <a:schemeClr val="tx1"/>
+                </a:solidFill>
+                <a:effectLst/>
+                <a:latin typeface="Times New Roman" pitchFamily="18" charset="0"/>
+                <a:ea typeface="ＭＳ Ｐゴシック" charset="0"/>
+                <a:cs typeface="+mn-cs"/>
+              </a:rPr>
+              <a:t>The basic principle is to find the inverse of function F</a:t>
+            </a:r>
+            <a:endParaRPr lang="en-US" dirty="0">
               <a:latin typeface="Times New Roman" charset="0"/>
             </a:endParaRPr>
           </a:p>
@@ -3110,7 +3150,7 @@
     </p:spTree>
     <p:extLst>
       <p:ext uri="{BB962C8B-B14F-4D97-AF65-F5344CB8AC3E}">
-        <p14:creationId xmlns:p14="http://schemas.microsoft.com/office/powerpoint/2010/main" val="558401179"/>
+        <p14:creationId xmlns:p14="http://schemas.microsoft.com/office/powerpoint/2010/main" val="3647406446"/>
       </p:ext>
     </p:extLst>
   </p:cSld>
@@ -3344,7 +3384,40 @@
           <a:lstStyle/>
           <a:p>
             <a:pPr eaLnBrk="1" hangingPunct="1"/>
-            <a:endParaRPr lang="en-US">
+            <a:r>
+              <a:rPr lang="en-US" dirty="0">
+                <a:latin typeface="Times New Roman" charset="0"/>
+              </a:rPr>
+              <a:t>Generate random numbers </a:t>
+            </a:r>
+            <a:r>
+              <a:rPr lang="en-US" dirty="0" err="1">
+                <a:latin typeface="Times New Roman" charset="0"/>
+              </a:rPr>
+              <a:t>R_i</a:t>
+            </a:r>
+            <a:r>
+              <a:rPr lang="en-US" dirty="0">
+                <a:latin typeface="Times New Roman" charset="0"/>
+              </a:rPr>
+              <a:t> where there range between (0,1) and calculate the random variate based on the generated </a:t>
+            </a:r>
+            <a:r>
+              <a:rPr lang="en-US" dirty="0" err="1">
+                <a:latin typeface="Times New Roman" charset="0"/>
+              </a:rPr>
+              <a:t>R_i</a:t>
+            </a:r>
+            <a:r>
+              <a:rPr lang="en-US" dirty="0">
+                <a:latin typeface="Times New Roman" charset="0"/>
+              </a:rPr>
+              <a:t> value.</a:t>
+            </a:r>
+          </a:p>
+          <a:p>
+            <a:pPr eaLnBrk="1" hangingPunct="1"/>
+            <a:endParaRPr lang="en-US" dirty="0">
               <a:latin typeface="Times New Roman" charset="0"/>
             </a:endParaRPr>
           </a:p>
@@ -3353,7 +3426,7 @@
     </p:spTree>
     <p:extLst>
       <p:ext uri="{BB962C8B-B14F-4D97-AF65-F5344CB8AC3E}">
-        <p14:creationId xmlns:p14="http://schemas.microsoft.com/office/powerpoint/2010/main" val="1459438426"/>
+        <p14:creationId xmlns:p14="http://schemas.microsoft.com/office/powerpoint/2010/main" val="558401179"/>
       </p:ext>
     </p:extLst>
   </p:cSld>
@@ -3587,16 +3660,54 @@
           <a:lstStyle/>
           <a:p>
             <a:pPr eaLnBrk="1" hangingPunct="1"/>
-            <a:endParaRPr lang="en-US">
+            <a:r>
+              <a:rPr lang="en-US" dirty="0"/>
+              <a:t>The basic idea is to find an alternative probability distribution G, with density function g(x), from which we already have an efficient algorithm for generating from</a:t>
+            </a:r>
+          </a:p>
+          <a:p>
+            <a:pPr eaLnBrk="1" hangingPunct="1"/>
+            <a:r>
+              <a:rPr lang="en-US" dirty="0"/>
+              <a:t>such that the function g(x) is “close” to f(x)</a:t>
+            </a:r>
+          </a:p>
+          <a:p>
+            <a:pPr eaLnBrk="1" hangingPunct="1"/>
+            <a:r>
+              <a:rPr lang="en-US" dirty="0"/>
+              <a:t>we assume that the ratio f(x)/g(x) is bounded by a constant c &gt; 0; </a:t>
+            </a:r>
+            <a:r>
+              <a:rPr lang="en-US" dirty="0" err="1"/>
+              <a:t>supx</a:t>
+            </a:r>
+            <a:r>
+              <a:rPr lang="en-US" dirty="0"/>
+              <a:t>{f(x)/g(x)} ≤ c. (And in practice we would want c as close to 1 as possible.)</a:t>
+            </a:r>
+          </a:p>
+          <a:p>
+            <a:pPr eaLnBrk="1" hangingPunct="1"/>
+            <a:endParaRPr lang="en-US" dirty="0">
               <a:latin typeface="Times New Roman" charset="0"/>
             </a:endParaRPr>
+          </a:p>
+          <a:p>
+            <a:pPr eaLnBrk="1" hangingPunct="1"/>
+            <a:r>
+              <a:rPr lang="en-US" dirty="0">
+                <a:latin typeface="Times New Roman" charset="0"/>
+              </a:rPr>
+              <a:t>Normal and beta distributions</a:t>
+            </a:r>
           </a:p>
         </p:txBody>
       </p:sp>
     </p:spTree>
     <p:extLst>
       <p:ext uri="{BB962C8B-B14F-4D97-AF65-F5344CB8AC3E}">
-        <p14:creationId xmlns:p14="http://schemas.microsoft.com/office/powerpoint/2010/main" val="1745325128"/>
+        <p14:creationId xmlns:p14="http://schemas.microsoft.com/office/powerpoint/2010/main" val="1459438426"/>
       </p:ext>
     </p:extLst>
   </p:cSld>
@@ -3837,1707 +3948,6 @@
         </p:txBody>
       </p:sp>
     </p:spTree>
-  </p:cSld>
-  <p:clrMapOvr>
-    <a:masterClrMapping/>
-  </p:clrMapOvr>
-</p:notes>
-</file>
-
-<file path=ppt/notesSlides/notesSlide20.xml><?xml version="1.0" encoding="utf-8"?>
-<p:notes xmlns:a="http://schemas.openxmlformats.org/drawingml/2006/main" xmlns:r="http://schemas.openxmlformats.org/officeDocument/2006/relationships" xmlns:p="http://schemas.openxmlformats.org/presentationml/2006/main">
-  <p:cSld>
-    <p:spTree>
-      <p:nvGrpSpPr>
-        <p:cNvPr id="1" name=""/>
-        <p:cNvGrpSpPr/>
-        <p:nvPr/>
-      </p:nvGrpSpPr>
-      <p:grpSpPr>
-        <a:xfrm>
-          <a:off x="0" y="0"/>
-          <a:ext cx="0" cy="0"/>
-          <a:chOff x="0" y="0"/>
-          <a:chExt cx="0" cy="0"/>
-        </a:xfrm>
-      </p:grpSpPr>
-      <p:sp>
-        <p:nvSpPr>
-          <p:cNvPr id="62466" name="Rectangle 7"/>
-          <p:cNvSpPr>
-            <a:spLocks noGrp="1" noChangeArrowheads="1"/>
-          </p:cNvSpPr>
-          <p:nvPr>
-            <p:ph type="sldNum" sz="quarter" idx="5"/>
-          </p:nvPr>
-        </p:nvSpPr>
-        <p:spPr>
-          <a:noFill/>
-          <a:ln/>
-          <a:extLst>
-            <a:ext uri="{909E8E84-426E-40dd-AFC4-6F175D3DCCD1}">
-              <a14:hiddenFill xmlns="" xmlns:a14="http://schemas.microsoft.com/office/drawing/2010/main">
-                <a:solidFill>
-                  <a:srgbClr val="FFFFFF"/>
-                </a:solidFill>
-              </a14:hiddenFill>
-            </a:ext>
-            <a:ext uri="{91240B29-F687-4f45-9708-019B960494DF}">
-              <a14:hiddenLine xmlns="" xmlns:a14="http://schemas.microsoft.com/office/drawing/2010/main" w="9525">
-                <a:solidFill>
-                  <a:srgbClr val="000000"/>
-                </a:solidFill>
-                <a:miter lim="800000"/>
-                <a:headEnd/>
-                <a:tailEnd/>
-              </a14:hiddenLine>
-            </a:ext>
-          </a:extLst>
-        </p:spPr>
-        <p:txBody>
-          <a:bodyPr/>
-          <a:lstStyle>
-            <a:lvl1pPr>
-              <a:defRPr sz="1200">
-                <a:solidFill>
-                  <a:schemeClr val="tx1"/>
-                </a:solidFill>
-                <a:latin typeface="Times New Roman" charset="0"/>
-                <a:ea typeface="ＭＳ Ｐゴシック" charset="0"/>
-              </a:defRPr>
-            </a:lvl1pPr>
-            <a:lvl2pPr marL="742950" indent="-285750">
-              <a:defRPr sz="1200">
-                <a:solidFill>
-                  <a:schemeClr val="tx1"/>
-                </a:solidFill>
-                <a:latin typeface="Times New Roman" charset="0"/>
-                <a:ea typeface="ＭＳ Ｐゴシック" charset="0"/>
-              </a:defRPr>
-            </a:lvl2pPr>
-            <a:lvl3pPr marL="1143000" indent="-228600">
-              <a:defRPr sz="1200">
-                <a:solidFill>
-                  <a:schemeClr val="tx1"/>
-                </a:solidFill>
-                <a:latin typeface="Times New Roman" charset="0"/>
-                <a:ea typeface="ＭＳ Ｐゴシック" charset="0"/>
-              </a:defRPr>
-            </a:lvl3pPr>
-            <a:lvl4pPr marL="1600200" indent="-228600">
-              <a:defRPr sz="1200">
-                <a:solidFill>
-                  <a:schemeClr val="tx1"/>
-                </a:solidFill>
-                <a:latin typeface="Times New Roman" charset="0"/>
-                <a:ea typeface="ＭＳ Ｐゴシック" charset="0"/>
-              </a:defRPr>
-            </a:lvl4pPr>
-            <a:lvl5pPr marL="2057400" indent="-228600">
-              <a:defRPr sz="1200">
-                <a:solidFill>
-                  <a:schemeClr val="tx1"/>
-                </a:solidFill>
-                <a:latin typeface="Times New Roman" charset="0"/>
-                <a:ea typeface="ＭＳ Ｐゴシック" charset="0"/>
-              </a:defRPr>
-            </a:lvl5pPr>
-            <a:lvl6pPr marL="2514600" indent="-228600" eaLnBrk="0" fontAlgn="base" hangingPunct="0">
-              <a:spcBef>
-                <a:spcPct val="30000"/>
-              </a:spcBef>
-              <a:spcAft>
-                <a:spcPct val="0"/>
-              </a:spcAft>
-              <a:defRPr sz="1200">
-                <a:solidFill>
-                  <a:schemeClr val="tx1"/>
-                </a:solidFill>
-                <a:latin typeface="Times New Roman" charset="0"/>
-                <a:ea typeface="ＭＳ Ｐゴシック" charset="0"/>
-              </a:defRPr>
-            </a:lvl6pPr>
-            <a:lvl7pPr marL="2971800" indent="-228600" eaLnBrk="0" fontAlgn="base" hangingPunct="0">
-              <a:spcBef>
-                <a:spcPct val="30000"/>
-              </a:spcBef>
-              <a:spcAft>
-                <a:spcPct val="0"/>
-              </a:spcAft>
-              <a:defRPr sz="1200">
-                <a:solidFill>
-                  <a:schemeClr val="tx1"/>
-                </a:solidFill>
-                <a:latin typeface="Times New Roman" charset="0"/>
-                <a:ea typeface="ＭＳ Ｐゴシック" charset="0"/>
-              </a:defRPr>
-            </a:lvl7pPr>
-            <a:lvl8pPr marL="3429000" indent="-228600" eaLnBrk="0" fontAlgn="base" hangingPunct="0">
-              <a:spcBef>
-                <a:spcPct val="30000"/>
-              </a:spcBef>
-              <a:spcAft>
-                <a:spcPct val="0"/>
-              </a:spcAft>
-              <a:defRPr sz="1200">
-                <a:solidFill>
-                  <a:schemeClr val="tx1"/>
-                </a:solidFill>
-                <a:latin typeface="Times New Roman" charset="0"/>
-                <a:ea typeface="ＭＳ Ｐゴシック" charset="0"/>
-              </a:defRPr>
-            </a:lvl8pPr>
-            <a:lvl9pPr marL="3886200" indent="-228600" eaLnBrk="0" fontAlgn="base" hangingPunct="0">
-              <a:spcBef>
-                <a:spcPct val="30000"/>
-              </a:spcBef>
-              <a:spcAft>
-                <a:spcPct val="0"/>
-              </a:spcAft>
-              <a:defRPr sz="1200">
-                <a:solidFill>
-                  <a:schemeClr val="tx1"/>
-                </a:solidFill>
-                <a:latin typeface="Times New Roman" charset="0"/>
-                <a:ea typeface="ＭＳ Ｐゴシック" charset="0"/>
-              </a:defRPr>
-            </a:lvl9pPr>
-          </a:lstStyle>
-          <a:p>
-            <a:fld id="{1AA26065-8C38-A743-9D07-D5A702D92E16}" type="slidenum">
-              <a:rPr lang="en-US"/>
-              <a:pPr/>
-              <a:t>20</a:t>
-            </a:fld>
-            <a:endParaRPr lang="en-US"/>
-          </a:p>
-        </p:txBody>
-      </p:sp>
-      <p:sp>
-        <p:nvSpPr>
-          <p:cNvPr id="62467" name="Rectangle 2"/>
-          <p:cNvSpPr>
-            <a:spLocks noGrp="1" noRot="1" noChangeAspect="1" noChangeArrowheads="1" noTextEdit="1"/>
-          </p:cNvSpPr>
-          <p:nvPr>
-            <p:ph type="sldImg"/>
-          </p:nvPr>
-        </p:nvSpPr>
-        <p:spPr>
-          <a:ln/>
-        </p:spPr>
-      </p:sp>
-      <p:sp>
-        <p:nvSpPr>
-          <p:cNvPr id="62468" name="Rectangle 3"/>
-          <p:cNvSpPr>
-            <a:spLocks noGrp="1" noChangeArrowheads="1"/>
-          </p:cNvSpPr>
-          <p:nvPr>
-            <p:ph type="body" idx="1"/>
-          </p:nvPr>
-        </p:nvSpPr>
-        <p:spPr>
-          <a:noFill/>
-          <a:ln/>
-          <a:extLst>
-            <a:ext uri="{909E8E84-426E-40dd-AFC4-6F175D3DCCD1}">
-              <a14:hiddenFill xmlns="" xmlns:a14="http://schemas.microsoft.com/office/drawing/2010/main">
-                <a:solidFill>
-                  <a:srgbClr val="FFFFFF"/>
-                </a:solidFill>
-              </a14:hiddenFill>
-            </a:ext>
-            <a:ext uri="{91240B29-F687-4f45-9708-019B960494DF}">
-              <a14:hiddenLine xmlns="" xmlns:a14="http://schemas.microsoft.com/office/drawing/2010/main" w="9525">
-                <a:solidFill>
-                  <a:srgbClr val="000000"/>
-                </a:solidFill>
-                <a:miter lim="800000"/>
-                <a:headEnd/>
-                <a:tailEnd/>
-              </a14:hiddenLine>
-            </a:ext>
-            <a:ext uri="{FAA26D3D-D897-4be2-8F04-BA451C77F1D7}">
-              <ma14:placeholderFlag xmlns="" xmlns:ma14="http://schemas.microsoft.com/office/mac/drawingml/2011/main" val="1"/>
-            </a:ext>
-          </a:extLst>
-        </p:spPr>
-        <p:txBody>
-          <a:bodyPr/>
-          <a:lstStyle/>
-          <a:p>
-            <a:pPr eaLnBrk="1" hangingPunct="1"/>
-            <a:endParaRPr lang="en-US">
-              <a:latin typeface="Times New Roman" charset="0"/>
-            </a:endParaRPr>
-          </a:p>
-        </p:txBody>
-      </p:sp>
-    </p:spTree>
-    <p:extLst>
-      <p:ext uri="{BB962C8B-B14F-4D97-AF65-F5344CB8AC3E}">
-        <p14:creationId xmlns:p14="http://schemas.microsoft.com/office/powerpoint/2010/main" val="469542704"/>
-      </p:ext>
-    </p:extLst>
-  </p:cSld>
-  <p:clrMapOvr>
-    <a:masterClrMapping/>
-  </p:clrMapOvr>
-</p:notes>
-</file>
-
-<file path=ppt/notesSlides/notesSlide21.xml><?xml version="1.0" encoding="utf-8"?>
-<p:notes xmlns:a="http://schemas.openxmlformats.org/drawingml/2006/main" xmlns:r="http://schemas.openxmlformats.org/officeDocument/2006/relationships" xmlns:p="http://schemas.openxmlformats.org/presentationml/2006/main">
-  <p:cSld>
-    <p:spTree>
-      <p:nvGrpSpPr>
-        <p:cNvPr id="1" name=""/>
-        <p:cNvGrpSpPr/>
-        <p:nvPr/>
-      </p:nvGrpSpPr>
-      <p:grpSpPr>
-        <a:xfrm>
-          <a:off x="0" y="0"/>
-          <a:ext cx="0" cy="0"/>
-          <a:chOff x="0" y="0"/>
-          <a:chExt cx="0" cy="0"/>
-        </a:xfrm>
-      </p:grpSpPr>
-      <p:sp>
-        <p:nvSpPr>
-          <p:cNvPr id="62466" name="Rectangle 7"/>
-          <p:cNvSpPr>
-            <a:spLocks noGrp="1" noChangeArrowheads="1"/>
-          </p:cNvSpPr>
-          <p:nvPr>
-            <p:ph type="sldNum" sz="quarter" idx="5"/>
-          </p:nvPr>
-        </p:nvSpPr>
-        <p:spPr>
-          <a:noFill/>
-          <a:ln/>
-          <a:extLst>
-            <a:ext uri="{909E8E84-426E-40dd-AFC4-6F175D3DCCD1}">
-              <a14:hiddenFill xmlns="" xmlns:a14="http://schemas.microsoft.com/office/drawing/2010/main">
-                <a:solidFill>
-                  <a:srgbClr val="FFFFFF"/>
-                </a:solidFill>
-              </a14:hiddenFill>
-            </a:ext>
-            <a:ext uri="{91240B29-F687-4f45-9708-019B960494DF}">
-              <a14:hiddenLine xmlns="" xmlns:a14="http://schemas.microsoft.com/office/drawing/2010/main" w="9525">
-                <a:solidFill>
-                  <a:srgbClr val="000000"/>
-                </a:solidFill>
-                <a:miter lim="800000"/>
-                <a:headEnd/>
-                <a:tailEnd/>
-              </a14:hiddenLine>
-            </a:ext>
-          </a:extLst>
-        </p:spPr>
-        <p:txBody>
-          <a:bodyPr/>
-          <a:lstStyle>
-            <a:lvl1pPr>
-              <a:defRPr sz="1200">
-                <a:solidFill>
-                  <a:schemeClr val="tx1"/>
-                </a:solidFill>
-                <a:latin typeface="Times New Roman" charset="0"/>
-                <a:ea typeface="ＭＳ Ｐゴシック" charset="0"/>
-              </a:defRPr>
-            </a:lvl1pPr>
-            <a:lvl2pPr marL="742950" indent="-285750">
-              <a:defRPr sz="1200">
-                <a:solidFill>
-                  <a:schemeClr val="tx1"/>
-                </a:solidFill>
-                <a:latin typeface="Times New Roman" charset="0"/>
-                <a:ea typeface="ＭＳ Ｐゴシック" charset="0"/>
-              </a:defRPr>
-            </a:lvl2pPr>
-            <a:lvl3pPr marL="1143000" indent="-228600">
-              <a:defRPr sz="1200">
-                <a:solidFill>
-                  <a:schemeClr val="tx1"/>
-                </a:solidFill>
-                <a:latin typeface="Times New Roman" charset="0"/>
-                <a:ea typeface="ＭＳ Ｐゴシック" charset="0"/>
-              </a:defRPr>
-            </a:lvl3pPr>
-            <a:lvl4pPr marL="1600200" indent="-228600">
-              <a:defRPr sz="1200">
-                <a:solidFill>
-                  <a:schemeClr val="tx1"/>
-                </a:solidFill>
-                <a:latin typeface="Times New Roman" charset="0"/>
-                <a:ea typeface="ＭＳ Ｐゴシック" charset="0"/>
-              </a:defRPr>
-            </a:lvl4pPr>
-            <a:lvl5pPr marL="2057400" indent="-228600">
-              <a:defRPr sz="1200">
-                <a:solidFill>
-                  <a:schemeClr val="tx1"/>
-                </a:solidFill>
-                <a:latin typeface="Times New Roman" charset="0"/>
-                <a:ea typeface="ＭＳ Ｐゴシック" charset="0"/>
-              </a:defRPr>
-            </a:lvl5pPr>
-            <a:lvl6pPr marL="2514600" indent="-228600" eaLnBrk="0" fontAlgn="base" hangingPunct="0">
-              <a:spcBef>
-                <a:spcPct val="30000"/>
-              </a:spcBef>
-              <a:spcAft>
-                <a:spcPct val="0"/>
-              </a:spcAft>
-              <a:defRPr sz="1200">
-                <a:solidFill>
-                  <a:schemeClr val="tx1"/>
-                </a:solidFill>
-                <a:latin typeface="Times New Roman" charset="0"/>
-                <a:ea typeface="ＭＳ Ｐゴシック" charset="0"/>
-              </a:defRPr>
-            </a:lvl6pPr>
-            <a:lvl7pPr marL="2971800" indent="-228600" eaLnBrk="0" fontAlgn="base" hangingPunct="0">
-              <a:spcBef>
-                <a:spcPct val="30000"/>
-              </a:spcBef>
-              <a:spcAft>
-                <a:spcPct val="0"/>
-              </a:spcAft>
-              <a:defRPr sz="1200">
-                <a:solidFill>
-                  <a:schemeClr val="tx1"/>
-                </a:solidFill>
-                <a:latin typeface="Times New Roman" charset="0"/>
-                <a:ea typeface="ＭＳ Ｐゴシック" charset="0"/>
-              </a:defRPr>
-            </a:lvl7pPr>
-            <a:lvl8pPr marL="3429000" indent="-228600" eaLnBrk="0" fontAlgn="base" hangingPunct="0">
-              <a:spcBef>
-                <a:spcPct val="30000"/>
-              </a:spcBef>
-              <a:spcAft>
-                <a:spcPct val="0"/>
-              </a:spcAft>
-              <a:defRPr sz="1200">
-                <a:solidFill>
-                  <a:schemeClr val="tx1"/>
-                </a:solidFill>
-                <a:latin typeface="Times New Roman" charset="0"/>
-                <a:ea typeface="ＭＳ Ｐゴシック" charset="0"/>
-              </a:defRPr>
-            </a:lvl8pPr>
-            <a:lvl9pPr marL="3886200" indent="-228600" eaLnBrk="0" fontAlgn="base" hangingPunct="0">
-              <a:spcBef>
-                <a:spcPct val="30000"/>
-              </a:spcBef>
-              <a:spcAft>
-                <a:spcPct val="0"/>
-              </a:spcAft>
-              <a:defRPr sz="1200">
-                <a:solidFill>
-                  <a:schemeClr val="tx1"/>
-                </a:solidFill>
-                <a:latin typeface="Times New Roman" charset="0"/>
-                <a:ea typeface="ＭＳ Ｐゴシック" charset="0"/>
-              </a:defRPr>
-            </a:lvl9pPr>
-          </a:lstStyle>
-          <a:p>
-            <a:fld id="{1AA26065-8C38-A743-9D07-D5A702D92E16}" type="slidenum">
-              <a:rPr lang="en-US"/>
-              <a:pPr/>
-              <a:t>21</a:t>
-            </a:fld>
-            <a:endParaRPr lang="en-US"/>
-          </a:p>
-        </p:txBody>
-      </p:sp>
-      <p:sp>
-        <p:nvSpPr>
-          <p:cNvPr id="62467" name="Rectangle 2"/>
-          <p:cNvSpPr>
-            <a:spLocks noGrp="1" noRot="1" noChangeAspect="1" noChangeArrowheads="1" noTextEdit="1"/>
-          </p:cNvSpPr>
-          <p:nvPr>
-            <p:ph type="sldImg"/>
-          </p:nvPr>
-        </p:nvSpPr>
-        <p:spPr>
-          <a:ln/>
-        </p:spPr>
-      </p:sp>
-      <p:sp>
-        <p:nvSpPr>
-          <p:cNvPr id="62468" name="Rectangle 3"/>
-          <p:cNvSpPr>
-            <a:spLocks noGrp="1" noChangeArrowheads="1"/>
-          </p:cNvSpPr>
-          <p:nvPr>
-            <p:ph type="body" idx="1"/>
-          </p:nvPr>
-        </p:nvSpPr>
-        <p:spPr>
-          <a:noFill/>
-          <a:ln/>
-          <a:extLst>
-            <a:ext uri="{909E8E84-426E-40dd-AFC4-6F175D3DCCD1}">
-              <a14:hiddenFill xmlns="" xmlns:a14="http://schemas.microsoft.com/office/drawing/2010/main">
-                <a:solidFill>
-                  <a:srgbClr val="FFFFFF"/>
-                </a:solidFill>
-              </a14:hiddenFill>
-            </a:ext>
-            <a:ext uri="{91240B29-F687-4f45-9708-019B960494DF}">
-              <a14:hiddenLine xmlns="" xmlns:a14="http://schemas.microsoft.com/office/drawing/2010/main" w="9525">
-                <a:solidFill>
-                  <a:srgbClr val="000000"/>
-                </a:solidFill>
-                <a:miter lim="800000"/>
-                <a:headEnd/>
-                <a:tailEnd/>
-              </a14:hiddenLine>
-            </a:ext>
-            <a:ext uri="{FAA26D3D-D897-4be2-8F04-BA451C77F1D7}">
-              <ma14:placeholderFlag xmlns="" xmlns:ma14="http://schemas.microsoft.com/office/mac/drawingml/2011/main" val="1"/>
-            </a:ext>
-          </a:extLst>
-        </p:spPr>
-        <p:txBody>
-          <a:bodyPr/>
-          <a:lstStyle/>
-          <a:p>
-            <a:pPr eaLnBrk="1" hangingPunct="1"/>
-            <a:endParaRPr lang="en-US">
-              <a:latin typeface="Times New Roman" charset="0"/>
-            </a:endParaRPr>
-          </a:p>
-        </p:txBody>
-      </p:sp>
-    </p:spTree>
-    <p:extLst>
-      <p:ext uri="{BB962C8B-B14F-4D97-AF65-F5344CB8AC3E}">
-        <p14:creationId xmlns:p14="http://schemas.microsoft.com/office/powerpoint/2010/main" val="2661543527"/>
-      </p:ext>
-    </p:extLst>
-  </p:cSld>
-  <p:clrMapOvr>
-    <a:masterClrMapping/>
-  </p:clrMapOvr>
-</p:notes>
-</file>
-
-<file path=ppt/notesSlides/notesSlide22.xml><?xml version="1.0" encoding="utf-8"?>
-<p:notes xmlns:a="http://schemas.openxmlformats.org/drawingml/2006/main" xmlns:r="http://schemas.openxmlformats.org/officeDocument/2006/relationships" xmlns:p="http://schemas.openxmlformats.org/presentationml/2006/main">
-  <p:cSld>
-    <p:spTree>
-      <p:nvGrpSpPr>
-        <p:cNvPr id="1" name=""/>
-        <p:cNvGrpSpPr/>
-        <p:nvPr/>
-      </p:nvGrpSpPr>
-      <p:grpSpPr>
-        <a:xfrm>
-          <a:off x="0" y="0"/>
-          <a:ext cx="0" cy="0"/>
-          <a:chOff x="0" y="0"/>
-          <a:chExt cx="0" cy="0"/>
-        </a:xfrm>
-      </p:grpSpPr>
-      <p:sp>
-        <p:nvSpPr>
-          <p:cNvPr id="62466" name="Rectangle 7"/>
-          <p:cNvSpPr>
-            <a:spLocks noGrp="1" noChangeArrowheads="1"/>
-          </p:cNvSpPr>
-          <p:nvPr>
-            <p:ph type="sldNum" sz="quarter" idx="5"/>
-          </p:nvPr>
-        </p:nvSpPr>
-        <p:spPr>
-          <a:noFill/>
-          <a:ln/>
-          <a:extLst>
-            <a:ext uri="{909E8E84-426E-40dd-AFC4-6F175D3DCCD1}">
-              <a14:hiddenFill xmlns="" xmlns:a14="http://schemas.microsoft.com/office/drawing/2010/main">
-                <a:solidFill>
-                  <a:srgbClr val="FFFFFF"/>
-                </a:solidFill>
-              </a14:hiddenFill>
-            </a:ext>
-            <a:ext uri="{91240B29-F687-4f45-9708-019B960494DF}">
-              <a14:hiddenLine xmlns="" xmlns:a14="http://schemas.microsoft.com/office/drawing/2010/main" w="9525">
-                <a:solidFill>
-                  <a:srgbClr val="000000"/>
-                </a:solidFill>
-                <a:miter lim="800000"/>
-                <a:headEnd/>
-                <a:tailEnd/>
-              </a14:hiddenLine>
-            </a:ext>
-          </a:extLst>
-        </p:spPr>
-        <p:txBody>
-          <a:bodyPr/>
-          <a:lstStyle>
-            <a:lvl1pPr>
-              <a:defRPr sz="1200">
-                <a:solidFill>
-                  <a:schemeClr val="tx1"/>
-                </a:solidFill>
-                <a:latin typeface="Times New Roman" charset="0"/>
-                <a:ea typeface="ＭＳ Ｐゴシック" charset="0"/>
-              </a:defRPr>
-            </a:lvl1pPr>
-            <a:lvl2pPr marL="742950" indent="-285750">
-              <a:defRPr sz="1200">
-                <a:solidFill>
-                  <a:schemeClr val="tx1"/>
-                </a:solidFill>
-                <a:latin typeface="Times New Roman" charset="0"/>
-                <a:ea typeface="ＭＳ Ｐゴシック" charset="0"/>
-              </a:defRPr>
-            </a:lvl2pPr>
-            <a:lvl3pPr marL="1143000" indent="-228600">
-              <a:defRPr sz="1200">
-                <a:solidFill>
-                  <a:schemeClr val="tx1"/>
-                </a:solidFill>
-                <a:latin typeface="Times New Roman" charset="0"/>
-                <a:ea typeface="ＭＳ Ｐゴシック" charset="0"/>
-              </a:defRPr>
-            </a:lvl3pPr>
-            <a:lvl4pPr marL="1600200" indent="-228600">
-              <a:defRPr sz="1200">
-                <a:solidFill>
-                  <a:schemeClr val="tx1"/>
-                </a:solidFill>
-                <a:latin typeface="Times New Roman" charset="0"/>
-                <a:ea typeface="ＭＳ Ｐゴシック" charset="0"/>
-              </a:defRPr>
-            </a:lvl4pPr>
-            <a:lvl5pPr marL="2057400" indent="-228600">
-              <a:defRPr sz="1200">
-                <a:solidFill>
-                  <a:schemeClr val="tx1"/>
-                </a:solidFill>
-                <a:latin typeface="Times New Roman" charset="0"/>
-                <a:ea typeface="ＭＳ Ｐゴシック" charset="0"/>
-              </a:defRPr>
-            </a:lvl5pPr>
-            <a:lvl6pPr marL="2514600" indent="-228600" eaLnBrk="0" fontAlgn="base" hangingPunct="0">
-              <a:spcBef>
-                <a:spcPct val="30000"/>
-              </a:spcBef>
-              <a:spcAft>
-                <a:spcPct val="0"/>
-              </a:spcAft>
-              <a:defRPr sz="1200">
-                <a:solidFill>
-                  <a:schemeClr val="tx1"/>
-                </a:solidFill>
-                <a:latin typeface="Times New Roman" charset="0"/>
-                <a:ea typeface="ＭＳ Ｐゴシック" charset="0"/>
-              </a:defRPr>
-            </a:lvl6pPr>
-            <a:lvl7pPr marL="2971800" indent="-228600" eaLnBrk="0" fontAlgn="base" hangingPunct="0">
-              <a:spcBef>
-                <a:spcPct val="30000"/>
-              </a:spcBef>
-              <a:spcAft>
-                <a:spcPct val="0"/>
-              </a:spcAft>
-              <a:defRPr sz="1200">
-                <a:solidFill>
-                  <a:schemeClr val="tx1"/>
-                </a:solidFill>
-                <a:latin typeface="Times New Roman" charset="0"/>
-                <a:ea typeface="ＭＳ Ｐゴシック" charset="0"/>
-              </a:defRPr>
-            </a:lvl7pPr>
-            <a:lvl8pPr marL="3429000" indent="-228600" eaLnBrk="0" fontAlgn="base" hangingPunct="0">
-              <a:spcBef>
-                <a:spcPct val="30000"/>
-              </a:spcBef>
-              <a:spcAft>
-                <a:spcPct val="0"/>
-              </a:spcAft>
-              <a:defRPr sz="1200">
-                <a:solidFill>
-                  <a:schemeClr val="tx1"/>
-                </a:solidFill>
-                <a:latin typeface="Times New Roman" charset="0"/>
-                <a:ea typeface="ＭＳ Ｐゴシック" charset="0"/>
-              </a:defRPr>
-            </a:lvl8pPr>
-            <a:lvl9pPr marL="3886200" indent="-228600" eaLnBrk="0" fontAlgn="base" hangingPunct="0">
-              <a:spcBef>
-                <a:spcPct val="30000"/>
-              </a:spcBef>
-              <a:spcAft>
-                <a:spcPct val="0"/>
-              </a:spcAft>
-              <a:defRPr sz="1200">
-                <a:solidFill>
-                  <a:schemeClr val="tx1"/>
-                </a:solidFill>
-                <a:latin typeface="Times New Roman" charset="0"/>
-                <a:ea typeface="ＭＳ Ｐゴシック" charset="0"/>
-              </a:defRPr>
-            </a:lvl9pPr>
-          </a:lstStyle>
-          <a:p>
-            <a:fld id="{1AA26065-8C38-A743-9D07-D5A702D92E16}" type="slidenum">
-              <a:rPr lang="en-US"/>
-              <a:pPr/>
-              <a:t>22</a:t>
-            </a:fld>
-            <a:endParaRPr lang="en-US"/>
-          </a:p>
-        </p:txBody>
-      </p:sp>
-      <p:sp>
-        <p:nvSpPr>
-          <p:cNvPr id="62467" name="Rectangle 2"/>
-          <p:cNvSpPr>
-            <a:spLocks noGrp="1" noRot="1" noChangeAspect="1" noChangeArrowheads="1" noTextEdit="1"/>
-          </p:cNvSpPr>
-          <p:nvPr>
-            <p:ph type="sldImg"/>
-          </p:nvPr>
-        </p:nvSpPr>
-        <p:spPr>
-          <a:ln/>
-        </p:spPr>
-      </p:sp>
-      <p:sp>
-        <p:nvSpPr>
-          <p:cNvPr id="62468" name="Rectangle 3"/>
-          <p:cNvSpPr>
-            <a:spLocks noGrp="1" noChangeArrowheads="1"/>
-          </p:cNvSpPr>
-          <p:nvPr>
-            <p:ph type="body" idx="1"/>
-          </p:nvPr>
-        </p:nvSpPr>
-        <p:spPr>
-          <a:noFill/>
-          <a:ln/>
-          <a:extLst>
-            <a:ext uri="{909E8E84-426E-40dd-AFC4-6F175D3DCCD1}">
-              <a14:hiddenFill xmlns="" xmlns:a14="http://schemas.microsoft.com/office/drawing/2010/main">
-                <a:solidFill>
-                  <a:srgbClr val="FFFFFF"/>
-                </a:solidFill>
-              </a14:hiddenFill>
-            </a:ext>
-            <a:ext uri="{91240B29-F687-4f45-9708-019B960494DF}">
-              <a14:hiddenLine xmlns="" xmlns:a14="http://schemas.microsoft.com/office/drawing/2010/main" w="9525">
-                <a:solidFill>
-                  <a:srgbClr val="000000"/>
-                </a:solidFill>
-                <a:miter lim="800000"/>
-                <a:headEnd/>
-                <a:tailEnd/>
-              </a14:hiddenLine>
-            </a:ext>
-            <a:ext uri="{FAA26D3D-D897-4be2-8F04-BA451C77F1D7}">
-              <ma14:placeholderFlag xmlns="" xmlns:ma14="http://schemas.microsoft.com/office/mac/drawingml/2011/main" val="1"/>
-            </a:ext>
-          </a:extLst>
-        </p:spPr>
-        <p:txBody>
-          <a:bodyPr/>
-          <a:lstStyle/>
-          <a:p>
-            <a:pPr eaLnBrk="1" hangingPunct="1"/>
-            <a:endParaRPr lang="en-US">
-              <a:latin typeface="Times New Roman" charset="0"/>
-            </a:endParaRPr>
-          </a:p>
-        </p:txBody>
-      </p:sp>
-    </p:spTree>
-    <p:extLst>
-      <p:ext uri="{BB962C8B-B14F-4D97-AF65-F5344CB8AC3E}">
-        <p14:creationId xmlns:p14="http://schemas.microsoft.com/office/powerpoint/2010/main" val="3897192914"/>
-      </p:ext>
-    </p:extLst>
-  </p:cSld>
-  <p:clrMapOvr>
-    <a:masterClrMapping/>
-  </p:clrMapOvr>
-</p:notes>
-</file>
-
-<file path=ppt/notesSlides/notesSlide23.xml><?xml version="1.0" encoding="utf-8"?>
-<p:notes xmlns:a="http://schemas.openxmlformats.org/drawingml/2006/main" xmlns:r="http://schemas.openxmlformats.org/officeDocument/2006/relationships" xmlns:p="http://schemas.openxmlformats.org/presentationml/2006/main">
-  <p:cSld>
-    <p:spTree>
-      <p:nvGrpSpPr>
-        <p:cNvPr id="1" name=""/>
-        <p:cNvGrpSpPr/>
-        <p:nvPr/>
-      </p:nvGrpSpPr>
-      <p:grpSpPr>
-        <a:xfrm>
-          <a:off x="0" y="0"/>
-          <a:ext cx="0" cy="0"/>
-          <a:chOff x="0" y="0"/>
-          <a:chExt cx="0" cy="0"/>
-        </a:xfrm>
-      </p:grpSpPr>
-      <p:sp>
-        <p:nvSpPr>
-          <p:cNvPr id="62466" name="Rectangle 7"/>
-          <p:cNvSpPr>
-            <a:spLocks noGrp="1" noChangeArrowheads="1"/>
-          </p:cNvSpPr>
-          <p:nvPr>
-            <p:ph type="sldNum" sz="quarter" idx="5"/>
-          </p:nvPr>
-        </p:nvSpPr>
-        <p:spPr>
-          <a:noFill/>
-          <a:ln/>
-          <a:extLst>
-            <a:ext uri="{909E8E84-426E-40dd-AFC4-6F175D3DCCD1}">
-              <a14:hiddenFill xmlns="" xmlns:a14="http://schemas.microsoft.com/office/drawing/2010/main">
-                <a:solidFill>
-                  <a:srgbClr val="FFFFFF"/>
-                </a:solidFill>
-              </a14:hiddenFill>
-            </a:ext>
-            <a:ext uri="{91240B29-F687-4f45-9708-019B960494DF}">
-              <a14:hiddenLine xmlns="" xmlns:a14="http://schemas.microsoft.com/office/drawing/2010/main" w="9525">
-                <a:solidFill>
-                  <a:srgbClr val="000000"/>
-                </a:solidFill>
-                <a:miter lim="800000"/>
-                <a:headEnd/>
-                <a:tailEnd/>
-              </a14:hiddenLine>
-            </a:ext>
-          </a:extLst>
-        </p:spPr>
-        <p:txBody>
-          <a:bodyPr/>
-          <a:lstStyle>
-            <a:lvl1pPr>
-              <a:defRPr sz="1200">
-                <a:solidFill>
-                  <a:schemeClr val="tx1"/>
-                </a:solidFill>
-                <a:latin typeface="Times New Roman" charset="0"/>
-                <a:ea typeface="ＭＳ Ｐゴシック" charset="0"/>
-              </a:defRPr>
-            </a:lvl1pPr>
-            <a:lvl2pPr marL="742950" indent="-285750">
-              <a:defRPr sz="1200">
-                <a:solidFill>
-                  <a:schemeClr val="tx1"/>
-                </a:solidFill>
-                <a:latin typeface="Times New Roman" charset="0"/>
-                <a:ea typeface="ＭＳ Ｐゴシック" charset="0"/>
-              </a:defRPr>
-            </a:lvl2pPr>
-            <a:lvl3pPr marL="1143000" indent="-228600">
-              <a:defRPr sz="1200">
-                <a:solidFill>
-                  <a:schemeClr val="tx1"/>
-                </a:solidFill>
-                <a:latin typeface="Times New Roman" charset="0"/>
-                <a:ea typeface="ＭＳ Ｐゴシック" charset="0"/>
-              </a:defRPr>
-            </a:lvl3pPr>
-            <a:lvl4pPr marL="1600200" indent="-228600">
-              <a:defRPr sz="1200">
-                <a:solidFill>
-                  <a:schemeClr val="tx1"/>
-                </a:solidFill>
-                <a:latin typeface="Times New Roman" charset="0"/>
-                <a:ea typeface="ＭＳ Ｐゴシック" charset="0"/>
-              </a:defRPr>
-            </a:lvl4pPr>
-            <a:lvl5pPr marL="2057400" indent="-228600">
-              <a:defRPr sz="1200">
-                <a:solidFill>
-                  <a:schemeClr val="tx1"/>
-                </a:solidFill>
-                <a:latin typeface="Times New Roman" charset="0"/>
-                <a:ea typeface="ＭＳ Ｐゴシック" charset="0"/>
-              </a:defRPr>
-            </a:lvl5pPr>
-            <a:lvl6pPr marL="2514600" indent="-228600" eaLnBrk="0" fontAlgn="base" hangingPunct="0">
-              <a:spcBef>
-                <a:spcPct val="30000"/>
-              </a:spcBef>
-              <a:spcAft>
-                <a:spcPct val="0"/>
-              </a:spcAft>
-              <a:defRPr sz="1200">
-                <a:solidFill>
-                  <a:schemeClr val="tx1"/>
-                </a:solidFill>
-                <a:latin typeface="Times New Roman" charset="0"/>
-                <a:ea typeface="ＭＳ Ｐゴシック" charset="0"/>
-              </a:defRPr>
-            </a:lvl6pPr>
-            <a:lvl7pPr marL="2971800" indent="-228600" eaLnBrk="0" fontAlgn="base" hangingPunct="0">
-              <a:spcBef>
-                <a:spcPct val="30000"/>
-              </a:spcBef>
-              <a:spcAft>
-                <a:spcPct val="0"/>
-              </a:spcAft>
-              <a:defRPr sz="1200">
-                <a:solidFill>
-                  <a:schemeClr val="tx1"/>
-                </a:solidFill>
-                <a:latin typeface="Times New Roman" charset="0"/>
-                <a:ea typeface="ＭＳ Ｐゴシック" charset="0"/>
-              </a:defRPr>
-            </a:lvl7pPr>
-            <a:lvl8pPr marL="3429000" indent="-228600" eaLnBrk="0" fontAlgn="base" hangingPunct="0">
-              <a:spcBef>
-                <a:spcPct val="30000"/>
-              </a:spcBef>
-              <a:spcAft>
-                <a:spcPct val="0"/>
-              </a:spcAft>
-              <a:defRPr sz="1200">
-                <a:solidFill>
-                  <a:schemeClr val="tx1"/>
-                </a:solidFill>
-                <a:latin typeface="Times New Roman" charset="0"/>
-                <a:ea typeface="ＭＳ Ｐゴシック" charset="0"/>
-              </a:defRPr>
-            </a:lvl8pPr>
-            <a:lvl9pPr marL="3886200" indent="-228600" eaLnBrk="0" fontAlgn="base" hangingPunct="0">
-              <a:spcBef>
-                <a:spcPct val="30000"/>
-              </a:spcBef>
-              <a:spcAft>
-                <a:spcPct val="0"/>
-              </a:spcAft>
-              <a:defRPr sz="1200">
-                <a:solidFill>
-                  <a:schemeClr val="tx1"/>
-                </a:solidFill>
-                <a:latin typeface="Times New Roman" charset="0"/>
-                <a:ea typeface="ＭＳ Ｐゴシック" charset="0"/>
-              </a:defRPr>
-            </a:lvl9pPr>
-          </a:lstStyle>
-          <a:p>
-            <a:fld id="{1AA26065-8C38-A743-9D07-D5A702D92E16}" type="slidenum">
-              <a:rPr lang="en-US"/>
-              <a:pPr/>
-              <a:t>23</a:t>
-            </a:fld>
-            <a:endParaRPr lang="en-US"/>
-          </a:p>
-        </p:txBody>
-      </p:sp>
-      <p:sp>
-        <p:nvSpPr>
-          <p:cNvPr id="62467" name="Rectangle 2"/>
-          <p:cNvSpPr>
-            <a:spLocks noGrp="1" noRot="1" noChangeAspect="1" noChangeArrowheads="1" noTextEdit="1"/>
-          </p:cNvSpPr>
-          <p:nvPr>
-            <p:ph type="sldImg"/>
-          </p:nvPr>
-        </p:nvSpPr>
-        <p:spPr>
-          <a:ln/>
-        </p:spPr>
-      </p:sp>
-      <p:sp>
-        <p:nvSpPr>
-          <p:cNvPr id="62468" name="Rectangle 3"/>
-          <p:cNvSpPr>
-            <a:spLocks noGrp="1" noChangeArrowheads="1"/>
-          </p:cNvSpPr>
-          <p:nvPr>
-            <p:ph type="body" idx="1"/>
-          </p:nvPr>
-        </p:nvSpPr>
-        <p:spPr>
-          <a:noFill/>
-          <a:ln/>
-          <a:extLst>
-            <a:ext uri="{909E8E84-426E-40dd-AFC4-6F175D3DCCD1}">
-              <a14:hiddenFill xmlns="" xmlns:a14="http://schemas.microsoft.com/office/drawing/2010/main">
-                <a:solidFill>
-                  <a:srgbClr val="FFFFFF"/>
-                </a:solidFill>
-              </a14:hiddenFill>
-            </a:ext>
-            <a:ext uri="{91240B29-F687-4f45-9708-019B960494DF}">
-              <a14:hiddenLine xmlns="" xmlns:a14="http://schemas.microsoft.com/office/drawing/2010/main" w="9525">
-                <a:solidFill>
-                  <a:srgbClr val="000000"/>
-                </a:solidFill>
-                <a:miter lim="800000"/>
-                <a:headEnd/>
-                <a:tailEnd/>
-              </a14:hiddenLine>
-            </a:ext>
-            <a:ext uri="{FAA26D3D-D897-4be2-8F04-BA451C77F1D7}">
-              <ma14:placeholderFlag xmlns="" xmlns:ma14="http://schemas.microsoft.com/office/mac/drawingml/2011/main" val="1"/>
-            </a:ext>
-          </a:extLst>
-        </p:spPr>
-        <p:txBody>
-          <a:bodyPr/>
-          <a:lstStyle/>
-          <a:p>
-            <a:pPr eaLnBrk="1" hangingPunct="1"/>
-            <a:endParaRPr lang="en-US">
-              <a:latin typeface="Times New Roman" charset="0"/>
-            </a:endParaRPr>
-          </a:p>
-        </p:txBody>
-      </p:sp>
-    </p:spTree>
-    <p:extLst>
-      <p:ext uri="{BB962C8B-B14F-4D97-AF65-F5344CB8AC3E}">
-        <p14:creationId xmlns:p14="http://schemas.microsoft.com/office/powerpoint/2010/main" val="1965320627"/>
-      </p:ext>
-    </p:extLst>
-  </p:cSld>
-  <p:clrMapOvr>
-    <a:masterClrMapping/>
-  </p:clrMapOvr>
-</p:notes>
-</file>
-
-<file path=ppt/notesSlides/notesSlide24.xml><?xml version="1.0" encoding="utf-8"?>
-<p:notes xmlns:a="http://schemas.openxmlformats.org/drawingml/2006/main" xmlns:r="http://schemas.openxmlformats.org/officeDocument/2006/relationships" xmlns:p="http://schemas.openxmlformats.org/presentationml/2006/main">
-  <p:cSld>
-    <p:spTree>
-      <p:nvGrpSpPr>
-        <p:cNvPr id="1" name=""/>
-        <p:cNvGrpSpPr/>
-        <p:nvPr/>
-      </p:nvGrpSpPr>
-      <p:grpSpPr>
-        <a:xfrm>
-          <a:off x="0" y="0"/>
-          <a:ext cx="0" cy="0"/>
-          <a:chOff x="0" y="0"/>
-          <a:chExt cx="0" cy="0"/>
-        </a:xfrm>
-      </p:grpSpPr>
-      <p:sp>
-        <p:nvSpPr>
-          <p:cNvPr id="62466" name="Rectangle 7"/>
-          <p:cNvSpPr>
-            <a:spLocks noGrp="1" noChangeArrowheads="1"/>
-          </p:cNvSpPr>
-          <p:nvPr>
-            <p:ph type="sldNum" sz="quarter" idx="5"/>
-          </p:nvPr>
-        </p:nvSpPr>
-        <p:spPr>
-          <a:noFill/>
-          <a:ln/>
-          <a:extLst>
-            <a:ext uri="{909E8E84-426E-40dd-AFC4-6F175D3DCCD1}">
-              <a14:hiddenFill xmlns="" xmlns:a14="http://schemas.microsoft.com/office/drawing/2010/main">
-                <a:solidFill>
-                  <a:srgbClr val="FFFFFF"/>
-                </a:solidFill>
-              </a14:hiddenFill>
-            </a:ext>
-            <a:ext uri="{91240B29-F687-4f45-9708-019B960494DF}">
-              <a14:hiddenLine xmlns="" xmlns:a14="http://schemas.microsoft.com/office/drawing/2010/main" w="9525">
-                <a:solidFill>
-                  <a:srgbClr val="000000"/>
-                </a:solidFill>
-                <a:miter lim="800000"/>
-                <a:headEnd/>
-                <a:tailEnd/>
-              </a14:hiddenLine>
-            </a:ext>
-          </a:extLst>
-        </p:spPr>
-        <p:txBody>
-          <a:bodyPr/>
-          <a:lstStyle>
-            <a:lvl1pPr>
-              <a:defRPr sz="1200">
-                <a:solidFill>
-                  <a:schemeClr val="tx1"/>
-                </a:solidFill>
-                <a:latin typeface="Times New Roman" charset="0"/>
-                <a:ea typeface="ＭＳ Ｐゴシック" charset="0"/>
-              </a:defRPr>
-            </a:lvl1pPr>
-            <a:lvl2pPr marL="742950" indent="-285750">
-              <a:defRPr sz="1200">
-                <a:solidFill>
-                  <a:schemeClr val="tx1"/>
-                </a:solidFill>
-                <a:latin typeface="Times New Roman" charset="0"/>
-                <a:ea typeface="ＭＳ Ｐゴシック" charset="0"/>
-              </a:defRPr>
-            </a:lvl2pPr>
-            <a:lvl3pPr marL="1143000" indent="-228600">
-              <a:defRPr sz="1200">
-                <a:solidFill>
-                  <a:schemeClr val="tx1"/>
-                </a:solidFill>
-                <a:latin typeface="Times New Roman" charset="0"/>
-                <a:ea typeface="ＭＳ Ｐゴシック" charset="0"/>
-              </a:defRPr>
-            </a:lvl3pPr>
-            <a:lvl4pPr marL="1600200" indent="-228600">
-              <a:defRPr sz="1200">
-                <a:solidFill>
-                  <a:schemeClr val="tx1"/>
-                </a:solidFill>
-                <a:latin typeface="Times New Roman" charset="0"/>
-                <a:ea typeface="ＭＳ Ｐゴシック" charset="0"/>
-              </a:defRPr>
-            </a:lvl4pPr>
-            <a:lvl5pPr marL="2057400" indent="-228600">
-              <a:defRPr sz="1200">
-                <a:solidFill>
-                  <a:schemeClr val="tx1"/>
-                </a:solidFill>
-                <a:latin typeface="Times New Roman" charset="0"/>
-                <a:ea typeface="ＭＳ Ｐゴシック" charset="0"/>
-              </a:defRPr>
-            </a:lvl5pPr>
-            <a:lvl6pPr marL="2514600" indent="-228600" eaLnBrk="0" fontAlgn="base" hangingPunct="0">
-              <a:spcBef>
-                <a:spcPct val="30000"/>
-              </a:spcBef>
-              <a:spcAft>
-                <a:spcPct val="0"/>
-              </a:spcAft>
-              <a:defRPr sz="1200">
-                <a:solidFill>
-                  <a:schemeClr val="tx1"/>
-                </a:solidFill>
-                <a:latin typeface="Times New Roman" charset="0"/>
-                <a:ea typeface="ＭＳ Ｐゴシック" charset="0"/>
-              </a:defRPr>
-            </a:lvl6pPr>
-            <a:lvl7pPr marL="2971800" indent="-228600" eaLnBrk="0" fontAlgn="base" hangingPunct="0">
-              <a:spcBef>
-                <a:spcPct val="30000"/>
-              </a:spcBef>
-              <a:spcAft>
-                <a:spcPct val="0"/>
-              </a:spcAft>
-              <a:defRPr sz="1200">
-                <a:solidFill>
-                  <a:schemeClr val="tx1"/>
-                </a:solidFill>
-                <a:latin typeface="Times New Roman" charset="0"/>
-                <a:ea typeface="ＭＳ Ｐゴシック" charset="0"/>
-              </a:defRPr>
-            </a:lvl7pPr>
-            <a:lvl8pPr marL="3429000" indent="-228600" eaLnBrk="0" fontAlgn="base" hangingPunct="0">
-              <a:spcBef>
-                <a:spcPct val="30000"/>
-              </a:spcBef>
-              <a:spcAft>
-                <a:spcPct val="0"/>
-              </a:spcAft>
-              <a:defRPr sz="1200">
-                <a:solidFill>
-                  <a:schemeClr val="tx1"/>
-                </a:solidFill>
-                <a:latin typeface="Times New Roman" charset="0"/>
-                <a:ea typeface="ＭＳ Ｐゴシック" charset="0"/>
-              </a:defRPr>
-            </a:lvl8pPr>
-            <a:lvl9pPr marL="3886200" indent="-228600" eaLnBrk="0" fontAlgn="base" hangingPunct="0">
-              <a:spcBef>
-                <a:spcPct val="30000"/>
-              </a:spcBef>
-              <a:spcAft>
-                <a:spcPct val="0"/>
-              </a:spcAft>
-              <a:defRPr sz="1200">
-                <a:solidFill>
-                  <a:schemeClr val="tx1"/>
-                </a:solidFill>
-                <a:latin typeface="Times New Roman" charset="0"/>
-                <a:ea typeface="ＭＳ Ｐゴシック" charset="0"/>
-              </a:defRPr>
-            </a:lvl9pPr>
-          </a:lstStyle>
-          <a:p>
-            <a:fld id="{1AA26065-8C38-A743-9D07-D5A702D92E16}" type="slidenum">
-              <a:rPr lang="en-US"/>
-              <a:pPr/>
-              <a:t>25</a:t>
-            </a:fld>
-            <a:endParaRPr lang="en-US"/>
-          </a:p>
-        </p:txBody>
-      </p:sp>
-      <p:sp>
-        <p:nvSpPr>
-          <p:cNvPr id="62467" name="Rectangle 2"/>
-          <p:cNvSpPr>
-            <a:spLocks noGrp="1" noRot="1" noChangeAspect="1" noChangeArrowheads="1" noTextEdit="1"/>
-          </p:cNvSpPr>
-          <p:nvPr>
-            <p:ph type="sldImg"/>
-          </p:nvPr>
-        </p:nvSpPr>
-        <p:spPr>
-          <a:ln/>
-        </p:spPr>
-      </p:sp>
-      <p:sp>
-        <p:nvSpPr>
-          <p:cNvPr id="62468" name="Rectangle 3"/>
-          <p:cNvSpPr>
-            <a:spLocks noGrp="1" noChangeArrowheads="1"/>
-          </p:cNvSpPr>
-          <p:nvPr>
-            <p:ph type="body" idx="1"/>
-          </p:nvPr>
-        </p:nvSpPr>
-        <p:spPr>
-          <a:noFill/>
-          <a:ln/>
-          <a:extLst>
-            <a:ext uri="{909E8E84-426E-40dd-AFC4-6F175D3DCCD1}">
-              <a14:hiddenFill xmlns="" xmlns:a14="http://schemas.microsoft.com/office/drawing/2010/main">
-                <a:solidFill>
-                  <a:srgbClr val="FFFFFF"/>
-                </a:solidFill>
-              </a14:hiddenFill>
-            </a:ext>
-            <a:ext uri="{91240B29-F687-4f45-9708-019B960494DF}">
-              <a14:hiddenLine xmlns="" xmlns:a14="http://schemas.microsoft.com/office/drawing/2010/main" w="9525">
-                <a:solidFill>
-                  <a:srgbClr val="000000"/>
-                </a:solidFill>
-                <a:miter lim="800000"/>
-                <a:headEnd/>
-                <a:tailEnd/>
-              </a14:hiddenLine>
-            </a:ext>
-            <a:ext uri="{FAA26D3D-D897-4be2-8F04-BA451C77F1D7}">
-              <ma14:placeholderFlag xmlns="" xmlns:ma14="http://schemas.microsoft.com/office/mac/drawingml/2011/main" val="1"/>
-            </a:ext>
-          </a:extLst>
-        </p:spPr>
-        <p:txBody>
-          <a:bodyPr/>
-          <a:lstStyle/>
-          <a:p>
-            <a:pPr eaLnBrk="1" hangingPunct="1"/>
-            <a:endParaRPr lang="en-US">
-              <a:latin typeface="Times New Roman" charset="0"/>
-            </a:endParaRPr>
-          </a:p>
-        </p:txBody>
-      </p:sp>
-    </p:spTree>
-    <p:extLst>
-      <p:ext uri="{BB962C8B-B14F-4D97-AF65-F5344CB8AC3E}">
-        <p14:creationId xmlns:p14="http://schemas.microsoft.com/office/powerpoint/2010/main" val="624436660"/>
-      </p:ext>
-    </p:extLst>
-  </p:cSld>
-  <p:clrMapOvr>
-    <a:masterClrMapping/>
-  </p:clrMapOvr>
-</p:notes>
-</file>
-
-<file path=ppt/notesSlides/notesSlide25.xml><?xml version="1.0" encoding="utf-8"?>
-<p:notes xmlns:a="http://schemas.openxmlformats.org/drawingml/2006/main" xmlns:r="http://schemas.openxmlformats.org/officeDocument/2006/relationships" xmlns:p="http://schemas.openxmlformats.org/presentationml/2006/main">
-  <p:cSld>
-    <p:spTree>
-      <p:nvGrpSpPr>
-        <p:cNvPr id="1" name=""/>
-        <p:cNvGrpSpPr/>
-        <p:nvPr/>
-      </p:nvGrpSpPr>
-      <p:grpSpPr>
-        <a:xfrm>
-          <a:off x="0" y="0"/>
-          <a:ext cx="0" cy="0"/>
-          <a:chOff x="0" y="0"/>
-          <a:chExt cx="0" cy="0"/>
-        </a:xfrm>
-      </p:grpSpPr>
-      <p:sp>
-        <p:nvSpPr>
-          <p:cNvPr id="62466" name="Rectangle 7"/>
-          <p:cNvSpPr>
-            <a:spLocks noGrp="1" noChangeArrowheads="1"/>
-          </p:cNvSpPr>
-          <p:nvPr>
-            <p:ph type="sldNum" sz="quarter" idx="5"/>
-          </p:nvPr>
-        </p:nvSpPr>
-        <p:spPr>
-          <a:noFill/>
-          <a:ln/>
-          <a:extLst>
-            <a:ext uri="{909E8E84-426E-40dd-AFC4-6F175D3DCCD1}">
-              <a14:hiddenFill xmlns="" xmlns:a14="http://schemas.microsoft.com/office/drawing/2010/main">
-                <a:solidFill>
-                  <a:srgbClr val="FFFFFF"/>
-                </a:solidFill>
-              </a14:hiddenFill>
-            </a:ext>
-            <a:ext uri="{91240B29-F687-4f45-9708-019B960494DF}">
-              <a14:hiddenLine xmlns="" xmlns:a14="http://schemas.microsoft.com/office/drawing/2010/main" w="9525">
-                <a:solidFill>
-                  <a:srgbClr val="000000"/>
-                </a:solidFill>
-                <a:miter lim="800000"/>
-                <a:headEnd/>
-                <a:tailEnd/>
-              </a14:hiddenLine>
-            </a:ext>
-          </a:extLst>
-        </p:spPr>
-        <p:txBody>
-          <a:bodyPr/>
-          <a:lstStyle>
-            <a:lvl1pPr>
-              <a:defRPr sz="1200">
-                <a:solidFill>
-                  <a:schemeClr val="tx1"/>
-                </a:solidFill>
-                <a:latin typeface="Times New Roman" charset="0"/>
-                <a:ea typeface="ＭＳ Ｐゴシック" charset="0"/>
-              </a:defRPr>
-            </a:lvl1pPr>
-            <a:lvl2pPr marL="742950" indent="-285750">
-              <a:defRPr sz="1200">
-                <a:solidFill>
-                  <a:schemeClr val="tx1"/>
-                </a:solidFill>
-                <a:latin typeface="Times New Roman" charset="0"/>
-                <a:ea typeface="ＭＳ Ｐゴシック" charset="0"/>
-              </a:defRPr>
-            </a:lvl2pPr>
-            <a:lvl3pPr marL="1143000" indent="-228600">
-              <a:defRPr sz="1200">
-                <a:solidFill>
-                  <a:schemeClr val="tx1"/>
-                </a:solidFill>
-                <a:latin typeface="Times New Roman" charset="0"/>
-                <a:ea typeface="ＭＳ Ｐゴシック" charset="0"/>
-              </a:defRPr>
-            </a:lvl3pPr>
-            <a:lvl4pPr marL="1600200" indent="-228600">
-              <a:defRPr sz="1200">
-                <a:solidFill>
-                  <a:schemeClr val="tx1"/>
-                </a:solidFill>
-                <a:latin typeface="Times New Roman" charset="0"/>
-                <a:ea typeface="ＭＳ Ｐゴシック" charset="0"/>
-              </a:defRPr>
-            </a:lvl4pPr>
-            <a:lvl5pPr marL="2057400" indent="-228600">
-              <a:defRPr sz="1200">
-                <a:solidFill>
-                  <a:schemeClr val="tx1"/>
-                </a:solidFill>
-                <a:latin typeface="Times New Roman" charset="0"/>
-                <a:ea typeface="ＭＳ Ｐゴシック" charset="0"/>
-              </a:defRPr>
-            </a:lvl5pPr>
-            <a:lvl6pPr marL="2514600" indent="-228600" eaLnBrk="0" fontAlgn="base" hangingPunct="0">
-              <a:spcBef>
-                <a:spcPct val="30000"/>
-              </a:spcBef>
-              <a:spcAft>
-                <a:spcPct val="0"/>
-              </a:spcAft>
-              <a:defRPr sz="1200">
-                <a:solidFill>
-                  <a:schemeClr val="tx1"/>
-                </a:solidFill>
-                <a:latin typeface="Times New Roman" charset="0"/>
-                <a:ea typeface="ＭＳ Ｐゴシック" charset="0"/>
-              </a:defRPr>
-            </a:lvl6pPr>
-            <a:lvl7pPr marL="2971800" indent="-228600" eaLnBrk="0" fontAlgn="base" hangingPunct="0">
-              <a:spcBef>
-                <a:spcPct val="30000"/>
-              </a:spcBef>
-              <a:spcAft>
-                <a:spcPct val="0"/>
-              </a:spcAft>
-              <a:defRPr sz="1200">
-                <a:solidFill>
-                  <a:schemeClr val="tx1"/>
-                </a:solidFill>
-                <a:latin typeface="Times New Roman" charset="0"/>
-                <a:ea typeface="ＭＳ Ｐゴシック" charset="0"/>
-              </a:defRPr>
-            </a:lvl7pPr>
-            <a:lvl8pPr marL="3429000" indent="-228600" eaLnBrk="0" fontAlgn="base" hangingPunct="0">
-              <a:spcBef>
-                <a:spcPct val="30000"/>
-              </a:spcBef>
-              <a:spcAft>
-                <a:spcPct val="0"/>
-              </a:spcAft>
-              <a:defRPr sz="1200">
-                <a:solidFill>
-                  <a:schemeClr val="tx1"/>
-                </a:solidFill>
-                <a:latin typeface="Times New Roman" charset="0"/>
-                <a:ea typeface="ＭＳ Ｐゴシック" charset="0"/>
-              </a:defRPr>
-            </a:lvl8pPr>
-            <a:lvl9pPr marL="3886200" indent="-228600" eaLnBrk="0" fontAlgn="base" hangingPunct="0">
-              <a:spcBef>
-                <a:spcPct val="30000"/>
-              </a:spcBef>
-              <a:spcAft>
-                <a:spcPct val="0"/>
-              </a:spcAft>
-              <a:defRPr sz="1200">
-                <a:solidFill>
-                  <a:schemeClr val="tx1"/>
-                </a:solidFill>
-                <a:latin typeface="Times New Roman" charset="0"/>
-                <a:ea typeface="ＭＳ Ｐゴシック" charset="0"/>
-              </a:defRPr>
-            </a:lvl9pPr>
-          </a:lstStyle>
-          <a:p>
-            <a:fld id="{1AA26065-8C38-A743-9D07-D5A702D92E16}" type="slidenum">
-              <a:rPr lang="en-US"/>
-              <a:pPr/>
-              <a:t>26</a:t>
-            </a:fld>
-            <a:endParaRPr lang="en-US"/>
-          </a:p>
-        </p:txBody>
-      </p:sp>
-      <p:sp>
-        <p:nvSpPr>
-          <p:cNvPr id="62467" name="Rectangle 2"/>
-          <p:cNvSpPr>
-            <a:spLocks noGrp="1" noRot="1" noChangeAspect="1" noChangeArrowheads="1" noTextEdit="1"/>
-          </p:cNvSpPr>
-          <p:nvPr>
-            <p:ph type="sldImg"/>
-          </p:nvPr>
-        </p:nvSpPr>
-        <p:spPr>
-          <a:ln/>
-        </p:spPr>
-      </p:sp>
-      <p:sp>
-        <p:nvSpPr>
-          <p:cNvPr id="62468" name="Rectangle 3"/>
-          <p:cNvSpPr>
-            <a:spLocks noGrp="1" noChangeArrowheads="1"/>
-          </p:cNvSpPr>
-          <p:nvPr>
-            <p:ph type="body" idx="1"/>
-          </p:nvPr>
-        </p:nvSpPr>
-        <p:spPr>
-          <a:noFill/>
-          <a:ln/>
-          <a:extLst>
-            <a:ext uri="{909E8E84-426E-40dd-AFC4-6F175D3DCCD1}">
-              <a14:hiddenFill xmlns="" xmlns:a14="http://schemas.microsoft.com/office/drawing/2010/main">
-                <a:solidFill>
-                  <a:srgbClr val="FFFFFF"/>
-                </a:solidFill>
-              </a14:hiddenFill>
-            </a:ext>
-            <a:ext uri="{91240B29-F687-4f45-9708-019B960494DF}">
-              <a14:hiddenLine xmlns="" xmlns:a14="http://schemas.microsoft.com/office/drawing/2010/main" w="9525">
-                <a:solidFill>
-                  <a:srgbClr val="000000"/>
-                </a:solidFill>
-                <a:miter lim="800000"/>
-                <a:headEnd/>
-                <a:tailEnd/>
-              </a14:hiddenLine>
-            </a:ext>
-            <a:ext uri="{FAA26D3D-D897-4be2-8F04-BA451C77F1D7}">
-              <ma14:placeholderFlag xmlns="" xmlns:ma14="http://schemas.microsoft.com/office/mac/drawingml/2011/main" val="1"/>
-            </a:ext>
-          </a:extLst>
-        </p:spPr>
-        <p:txBody>
-          <a:bodyPr/>
-          <a:lstStyle/>
-          <a:p>
-            <a:pPr eaLnBrk="1" hangingPunct="1"/>
-            <a:endParaRPr lang="en-US">
-              <a:latin typeface="Times New Roman" charset="0"/>
-            </a:endParaRPr>
-          </a:p>
-        </p:txBody>
-      </p:sp>
-    </p:spTree>
-    <p:extLst>
-      <p:ext uri="{BB962C8B-B14F-4D97-AF65-F5344CB8AC3E}">
-        <p14:creationId xmlns:p14="http://schemas.microsoft.com/office/powerpoint/2010/main" val="3200685012"/>
-      </p:ext>
-    </p:extLst>
-  </p:cSld>
-  <p:clrMapOvr>
-    <a:masterClrMapping/>
-  </p:clrMapOvr>
-</p:notes>
-</file>
-
-<file path=ppt/notesSlides/notesSlide26.xml><?xml version="1.0" encoding="utf-8"?>
-<p:notes xmlns:a="http://schemas.openxmlformats.org/drawingml/2006/main" xmlns:r="http://schemas.openxmlformats.org/officeDocument/2006/relationships" xmlns:p="http://schemas.openxmlformats.org/presentationml/2006/main">
-  <p:cSld>
-    <p:spTree>
-      <p:nvGrpSpPr>
-        <p:cNvPr id="1" name=""/>
-        <p:cNvGrpSpPr/>
-        <p:nvPr/>
-      </p:nvGrpSpPr>
-      <p:grpSpPr>
-        <a:xfrm>
-          <a:off x="0" y="0"/>
-          <a:ext cx="0" cy="0"/>
-          <a:chOff x="0" y="0"/>
-          <a:chExt cx="0" cy="0"/>
-        </a:xfrm>
-      </p:grpSpPr>
-      <p:sp>
-        <p:nvSpPr>
-          <p:cNvPr id="62466" name="Rectangle 7"/>
-          <p:cNvSpPr>
-            <a:spLocks noGrp="1" noChangeArrowheads="1"/>
-          </p:cNvSpPr>
-          <p:nvPr>
-            <p:ph type="sldNum" sz="quarter" idx="5"/>
-          </p:nvPr>
-        </p:nvSpPr>
-        <p:spPr>
-          <a:noFill/>
-          <a:ln/>
-          <a:extLst>
-            <a:ext uri="{909E8E84-426E-40dd-AFC4-6F175D3DCCD1}">
-              <a14:hiddenFill xmlns="" xmlns:a14="http://schemas.microsoft.com/office/drawing/2010/main">
-                <a:solidFill>
-                  <a:srgbClr val="FFFFFF"/>
-                </a:solidFill>
-              </a14:hiddenFill>
-            </a:ext>
-            <a:ext uri="{91240B29-F687-4f45-9708-019B960494DF}">
-              <a14:hiddenLine xmlns="" xmlns:a14="http://schemas.microsoft.com/office/drawing/2010/main" w="9525">
-                <a:solidFill>
-                  <a:srgbClr val="000000"/>
-                </a:solidFill>
-                <a:miter lim="800000"/>
-                <a:headEnd/>
-                <a:tailEnd/>
-              </a14:hiddenLine>
-            </a:ext>
-          </a:extLst>
-        </p:spPr>
-        <p:txBody>
-          <a:bodyPr/>
-          <a:lstStyle>
-            <a:lvl1pPr>
-              <a:defRPr sz="1200">
-                <a:solidFill>
-                  <a:schemeClr val="tx1"/>
-                </a:solidFill>
-                <a:latin typeface="Times New Roman" charset="0"/>
-                <a:ea typeface="ＭＳ Ｐゴシック" charset="0"/>
-              </a:defRPr>
-            </a:lvl1pPr>
-            <a:lvl2pPr marL="742950" indent="-285750">
-              <a:defRPr sz="1200">
-                <a:solidFill>
-                  <a:schemeClr val="tx1"/>
-                </a:solidFill>
-                <a:latin typeface="Times New Roman" charset="0"/>
-                <a:ea typeface="ＭＳ Ｐゴシック" charset="0"/>
-              </a:defRPr>
-            </a:lvl2pPr>
-            <a:lvl3pPr marL="1143000" indent="-228600">
-              <a:defRPr sz="1200">
-                <a:solidFill>
-                  <a:schemeClr val="tx1"/>
-                </a:solidFill>
-                <a:latin typeface="Times New Roman" charset="0"/>
-                <a:ea typeface="ＭＳ Ｐゴシック" charset="0"/>
-              </a:defRPr>
-            </a:lvl3pPr>
-            <a:lvl4pPr marL="1600200" indent="-228600">
-              <a:defRPr sz="1200">
-                <a:solidFill>
-                  <a:schemeClr val="tx1"/>
-                </a:solidFill>
-                <a:latin typeface="Times New Roman" charset="0"/>
-                <a:ea typeface="ＭＳ Ｐゴシック" charset="0"/>
-              </a:defRPr>
-            </a:lvl4pPr>
-            <a:lvl5pPr marL="2057400" indent="-228600">
-              <a:defRPr sz="1200">
-                <a:solidFill>
-                  <a:schemeClr val="tx1"/>
-                </a:solidFill>
-                <a:latin typeface="Times New Roman" charset="0"/>
-                <a:ea typeface="ＭＳ Ｐゴシック" charset="0"/>
-              </a:defRPr>
-            </a:lvl5pPr>
-            <a:lvl6pPr marL="2514600" indent="-228600" eaLnBrk="0" fontAlgn="base" hangingPunct="0">
-              <a:spcBef>
-                <a:spcPct val="30000"/>
-              </a:spcBef>
-              <a:spcAft>
-                <a:spcPct val="0"/>
-              </a:spcAft>
-              <a:defRPr sz="1200">
-                <a:solidFill>
-                  <a:schemeClr val="tx1"/>
-                </a:solidFill>
-                <a:latin typeface="Times New Roman" charset="0"/>
-                <a:ea typeface="ＭＳ Ｐゴシック" charset="0"/>
-              </a:defRPr>
-            </a:lvl6pPr>
-            <a:lvl7pPr marL="2971800" indent="-228600" eaLnBrk="0" fontAlgn="base" hangingPunct="0">
-              <a:spcBef>
-                <a:spcPct val="30000"/>
-              </a:spcBef>
-              <a:spcAft>
-                <a:spcPct val="0"/>
-              </a:spcAft>
-              <a:defRPr sz="1200">
-                <a:solidFill>
-                  <a:schemeClr val="tx1"/>
-                </a:solidFill>
-                <a:latin typeface="Times New Roman" charset="0"/>
-                <a:ea typeface="ＭＳ Ｐゴシック" charset="0"/>
-              </a:defRPr>
-            </a:lvl7pPr>
-            <a:lvl8pPr marL="3429000" indent="-228600" eaLnBrk="0" fontAlgn="base" hangingPunct="0">
-              <a:spcBef>
-                <a:spcPct val="30000"/>
-              </a:spcBef>
-              <a:spcAft>
-                <a:spcPct val="0"/>
-              </a:spcAft>
-              <a:defRPr sz="1200">
-                <a:solidFill>
-                  <a:schemeClr val="tx1"/>
-                </a:solidFill>
-                <a:latin typeface="Times New Roman" charset="0"/>
-                <a:ea typeface="ＭＳ Ｐゴシック" charset="0"/>
-              </a:defRPr>
-            </a:lvl8pPr>
-            <a:lvl9pPr marL="3886200" indent="-228600" eaLnBrk="0" fontAlgn="base" hangingPunct="0">
-              <a:spcBef>
-                <a:spcPct val="30000"/>
-              </a:spcBef>
-              <a:spcAft>
-                <a:spcPct val="0"/>
-              </a:spcAft>
-              <a:defRPr sz="1200">
-                <a:solidFill>
-                  <a:schemeClr val="tx1"/>
-                </a:solidFill>
-                <a:latin typeface="Times New Roman" charset="0"/>
-                <a:ea typeface="ＭＳ Ｐゴシック" charset="0"/>
-              </a:defRPr>
-            </a:lvl9pPr>
-          </a:lstStyle>
-          <a:p>
-            <a:fld id="{1AA26065-8C38-A743-9D07-D5A702D92E16}" type="slidenum">
-              <a:rPr lang="en-US"/>
-              <a:pPr/>
-              <a:t>27</a:t>
-            </a:fld>
-            <a:endParaRPr lang="en-US"/>
-          </a:p>
-        </p:txBody>
-      </p:sp>
-      <p:sp>
-        <p:nvSpPr>
-          <p:cNvPr id="62467" name="Rectangle 2"/>
-          <p:cNvSpPr>
-            <a:spLocks noGrp="1" noRot="1" noChangeAspect="1" noChangeArrowheads="1" noTextEdit="1"/>
-          </p:cNvSpPr>
-          <p:nvPr>
-            <p:ph type="sldImg"/>
-          </p:nvPr>
-        </p:nvSpPr>
-        <p:spPr>
-          <a:ln/>
-        </p:spPr>
-      </p:sp>
-      <p:sp>
-        <p:nvSpPr>
-          <p:cNvPr id="62468" name="Rectangle 3"/>
-          <p:cNvSpPr>
-            <a:spLocks noGrp="1" noChangeArrowheads="1"/>
-          </p:cNvSpPr>
-          <p:nvPr>
-            <p:ph type="body" idx="1"/>
-          </p:nvPr>
-        </p:nvSpPr>
-        <p:spPr>
-          <a:noFill/>
-          <a:ln/>
-          <a:extLst>
-            <a:ext uri="{909E8E84-426E-40dd-AFC4-6F175D3DCCD1}">
-              <a14:hiddenFill xmlns="" xmlns:a14="http://schemas.microsoft.com/office/drawing/2010/main">
-                <a:solidFill>
-                  <a:srgbClr val="FFFFFF"/>
-                </a:solidFill>
-              </a14:hiddenFill>
-            </a:ext>
-            <a:ext uri="{91240B29-F687-4f45-9708-019B960494DF}">
-              <a14:hiddenLine xmlns="" xmlns:a14="http://schemas.microsoft.com/office/drawing/2010/main" w="9525">
-                <a:solidFill>
-                  <a:srgbClr val="000000"/>
-                </a:solidFill>
-                <a:miter lim="800000"/>
-                <a:headEnd/>
-                <a:tailEnd/>
-              </a14:hiddenLine>
-            </a:ext>
-            <a:ext uri="{FAA26D3D-D897-4be2-8F04-BA451C77F1D7}">
-              <ma14:placeholderFlag xmlns="" xmlns:ma14="http://schemas.microsoft.com/office/mac/drawingml/2011/main" val="1"/>
-            </a:ext>
-          </a:extLst>
-        </p:spPr>
-        <p:txBody>
-          <a:bodyPr/>
-          <a:lstStyle/>
-          <a:p>
-            <a:pPr eaLnBrk="1" hangingPunct="1"/>
-            <a:endParaRPr lang="en-US">
-              <a:latin typeface="Times New Roman" charset="0"/>
-            </a:endParaRPr>
-          </a:p>
-        </p:txBody>
-      </p:sp>
-    </p:spTree>
-    <p:extLst>
-      <p:ext uri="{BB962C8B-B14F-4D97-AF65-F5344CB8AC3E}">
-        <p14:creationId xmlns:p14="http://schemas.microsoft.com/office/powerpoint/2010/main" val="845627506"/>
-      </p:ext>
-    </p:extLst>
   </p:cSld>
   <p:clrMapOvr>
     <a:masterClrMapping/>
@@ -16393,7 +14803,7 @@
             <a:pPr eaLnBrk="1" hangingPunct="1"/>
             <a:r>
               <a:rPr lang="en-US" altLang="en-US" dirty="0"/>
-              <a:t>Random-Variate Generation</a:t>
+              <a:t>Characteristics of a Good Generator</a:t>
             </a:r>
             <a:endParaRPr lang="en-US" dirty="0">
               <a:latin typeface="Arial" charset="0"/>
@@ -16416,44 +14826,211 @@
           <a:bodyPr/>
           <a:lstStyle/>
           <a:p>
-            <a:r>
-              <a:rPr lang="en-US" dirty="0"/>
-              <a:t>Purpose</a:t>
-            </a:r>
-          </a:p>
-          <a:p>
-            <a:pPr lvl="1"/>
-            <a:r>
-              <a:rPr lang="en-US" altLang="en-US" dirty="0"/>
-              <a:t>Develop understanding of generating samples from a specified distribution as input to a simulation model.</a:t>
-            </a:r>
-          </a:p>
-          <a:p>
-            <a:endParaRPr lang="en-US" altLang="en-US" dirty="0"/>
-          </a:p>
-          <a:p>
-            <a:pPr lvl="1"/>
-            <a:r>
-              <a:rPr lang="en-US" altLang="en-US" dirty="0"/>
-              <a:t>Illustrate some widely-used techniques for generating random variates.</a:t>
-            </a:r>
-          </a:p>
-          <a:p>
-            <a:pPr lvl="2"/>
-            <a:r>
-              <a:rPr lang="en-US" altLang="en-US" dirty="0"/>
-              <a:t>Inverse-transform technique</a:t>
-            </a:r>
-          </a:p>
-          <a:p>
-            <a:pPr lvl="2"/>
-            <a:r>
-              <a:rPr lang="en-US" altLang="en-US" dirty="0"/>
-              <a:t>Acceptance-rejection technique</a:t>
-            </a:r>
-          </a:p>
-          <a:p>
-            <a:pPr eaLnBrk="1" hangingPunct="1"/>
+            <a:pPr defTabSz="914400">
+              <a:lnSpc>
+                <a:spcPct val="90000"/>
+              </a:lnSpc>
+            </a:pPr>
+            <a:r>
+              <a:rPr lang="en-US" altLang="en-US" sz="2200" dirty="0"/>
+              <a:t>Maximum Density</a:t>
+            </a:r>
+          </a:p>
+          <a:p>
+            <a:pPr lvl="1" defTabSz="914400">
+              <a:lnSpc>
+                <a:spcPct val="90000"/>
+              </a:lnSpc>
+            </a:pPr>
+            <a:r>
+              <a:rPr lang="en-US" altLang="en-US" sz="2000" dirty="0"/>
+              <a:t>Such that he values assumed by </a:t>
+            </a:r>
+            <a:r>
+              <a:rPr lang="en-US" altLang="en-US" sz="2000" i="1" dirty="0"/>
+              <a:t>R</a:t>
+            </a:r>
+            <a:r>
+              <a:rPr lang="en-US" altLang="en-US" sz="2000" i="1" baseline="-25000" dirty="0"/>
+              <a:t>i</a:t>
+            </a:r>
+            <a:r>
+              <a:rPr lang="en-US" altLang="en-US" sz="2000" i="1" dirty="0"/>
+              <a:t>, </a:t>
+            </a:r>
+            <a:r>
+              <a:rPr lang="en-US" altLang="en-US" sz="2000" i="1" dirty="0" err="1"/>
+              <a:t>i</a:t>
+            </a:r>
+            <a:r>
+              <a:rPr lang="en-US" altLang="en-US" sz="2000" i="1" dirty="0"/>
+              <a:t> = 1,2,…</a:t>
+            </a:r>
+            <a:r>
+              <a:rPr lang="en-US" altLang="en-US" sz="2000" dirty="0"/>
+              <a:t>, leave no large gaps on </a:t>
+            </a:r>
+            <a:r>
+              <a:rPr lang="en-US" altLang="en-US" sz="2000" i="1" dirty="0"/>
+              <a:t>[0,1]</a:t>
+            </a:r>
+          </a:p>
+          <a:p>
+            <a:pPr lvl="1" defTabSz="914400">
+              <a:lnSpc>
+                <a:spcPct val="90000"/>
+              </a:lnSpc>
+            </a:pPr>
+            <a:r>
+              <a:rPr lang="en-US" altLang="en-US" sz="2000" dirty="0"/>
+              <a:t>Question: </a:t>
+            </a:r>
+            <a:r>
+              <a:rPr lang="en-US" altLang="en-US" sz="2000" i="1" dirty="0"/>
+              <a:t>R</a:t>
+            </a:r>
+            <a:r>
+              <a:rPr lang="en-US" altLang="en-US" sz="2000" i="1" baseline="-25000" dirty="0"/>
+              <a:t>i</a:t>
+            </a:r>
+            <a:r>
+              <a:rPr lang="en-US" altLang="en-US" sz="2000" dirty="0"/>
+              <a:t> values are discrete, how can we increase the density?</a:t>
+            </a:r>
+            <a:endParaRPr lang="en-US" altLang="en-US" sz="2000" i="1" dirty="0"/>
+          </a:p>
+          <a:p>
+            <a:pPr lvl="1" defTabSz="914400">
+              <a:lnSpc>
+                <a:spcPct val="90000"/>
+              </a:lnSpc>
+            </a:pPr>
+            <a:r>
+              <a:rPr lang="en-US" altLang="en-US" sz="2000" dirty="0"/>
+              <a:t>Solution: a very large integer for modulus m</a:t>
+            </a:r>
+          </a:p>
+          <a:p>
+            <a:pPr lvl="2" defTabSz="914400">
+              <a:lnSpc>
+                <a:spcPct val="90000"/>
+              </a:lnSpc>
+            </a:pPr>
+            <a:r>
+              <a:rPr lang="en-US" altLang="en-US" sz="1800" dirty="0"/>
+              <a:t>Approximation appears to be of little consequence</a:t>
+            </a:r>
+          </a:p>
+          <a:p>
+            <a:pPr defTabSz="914400">
+              <a:lnSpc>
+                <a:spcPct val="90000"/>
+              </a:lnSpc>
+            </a:pPr>
+            <a:r>
+              <a:rPr lang="en-US" altLang="en-US" sz="2200" dirty="0"/>
+              <a:t>Maximum Period</a:t>
+            </a:r>
+          </a:p>
+          <a:p>
+            <a:pPr lvl="1" defTabSz="914400">
+              <a:lnSpc>
+                <a:spcPct val="90000"/>
+              </a:lnSpc>
+            </a:pPr>
+            <a:r>
+              <a:rPr lang="en-US" altLang="en-US" sz="2000" dirty="0"/>
+              <a:t>To achieve maximum density and avoid cycling.</a:t>
+            </a:r>
+          </a:p>
+          <a:p>
+            <a:pPr lvl="1" defTabSz="914400">
+              <a:lnSpc>
+                <a:spcPct val="90000"/>
+              </a:lnSpc>
+            </a:pPr>
+            <a:r>
+              <a:rPr lang="en-US" altLang="en-US" sz="2000" dirty="0"/>
+              <a:t>Achieve by: proper choice of </a:t>
+            </a:r>
+            <a:r>
+              <a:rPr lang="en-US" altLang="en-US" sz="2000" i="1" dirty="0"/>
+              <a:t>a</a:t>
+            </a:r>
+            <a:r>
+              <a:rPr lang="en-US" altLang="en-US" sz="2000" dirty="0"/>
+              <a:t>, </a:t>
+            </a:r>
+            <a:r>
+              <a:rPr lang="en-US" altLang="en-US" sz="2000" i="1" dirty="0"/>
+              <a:t>c</a:t>
+            </a:r>
+            <a:r>
+              <a:rPr lang="en-US" altLang="en-US" sz="2000" dirty="0"/>
+              <a:t>, </a:t>
+            </a:r>
+            <a:r>
+              <a:rPr lang="en-US" altLang="en-US" sz="2000" i="1" dirty="0"/>
+              <a:t>m</a:t>
+            </a:r>
+            <a:r>
+              <a:rPr lang="en-US" altLang="en-US" sz="2000" dirty="0"/>
+              <a:t>, and </a:t>
+            </a:r>
+            <a:r>
+              <a:rPr lang="en-US" altLang="en-US" sz="2000" i="1" dirty="0"/>
+              <a:t>X</a:t>
+            </a:r>
+            <a:r>
+              <a:rPr lang="en-US" altLang="en-US" sz="2000" i="1" baseline="-25000" dirty="0"/>
+              <a:t>0</a:t>
+            </a:r>
+            <a:r>
+              <a:rPr lang="en-US" altLang="en-US" sz="2000" i="1" dirty="0"/>
+              <a:t>.</a:t>
+            </a:r>
+          </a:p>
+          <a:p>
+            <a:pPr defTabSz="914400">
+              <a:lnSpc>
+                <a:spcPct val="90000"/>
+              </a:lnSpc>
+            </a:pPr>
+            <a:r>
+              <a:rPr lang="en-US" altLang="en-US" sz="2200" dirty="0"/>
+              <a:t>Most digital computers use a binary representation of numbers</a:t>
+            </a:r>
+          </a:p>
+          <a:p>
+            <a:pPr lvl="1" defTabSz="914400">
+              <a:lnSpc>
+                <a:spcPct val="90000"/>
+              </a:lnSpc>
+            </a:pPr>
+            <a:r>
+              <a:rPr lang="en-US" altLang="en-US" sz="2000" dirty="0"/>
+              <a:t>Speed and efficiency are aided by a modulus, </a:t>
+            </a:r>
+            <a:r>
+              <a:rPr lang="en-US" altLang="en-US" sz="2000" i="1" dirty="0"/>
+              <a:t>m</a:t>
+            </a:r>
+            <a:r>
+              <a:rPr lang="en-US" altLang="en-US" sz="2000" dirty="0"/>
+              <a:t>, to be (or close to) a power of </a:t>
+            </a:r>
+            <a:r>
+              <a:rPr lang="en-US" altLang="en-US" sz="2000" i="1" dirty="0"/>
+              <a:t>2</a:t>
+            </a:r>
+            <a:r>
+              <a:rPr lang="en-US" altLang="en-US" sz="2000" dirty="0"/>
+              <a:t>.</a:t>
+            </a:r>
+            <a:endParaRPr lang="en-US" altLang="en-US" sz="1200" dirty="0"/>
+          </a:p>
+          <a:p>
+            <a:pPr lvl="2" eaLnBrk="1" hangingPunct="1"/>
             <a:endParaRPr lang="en-US" dirty="0">
               <a:latin typeface="Arial" charset="0"/>
             </a:endParaRPr>
@@ -16463,13 +15040,123 @@
     </p:spTree>
     <p:extLst>
       <p:ext uri="{BB962C8B-B14F-4D97-AF65-F5344CB8AC3E}">
-        <p14:creationId xmlns:p14="http://schemas.microsoft.com/office/powerpoint/2010/main" val="3402820855"/>
+        <p14:creationId xmlns:p14="http://schemas.microsoft.com/office/powerpoint/2010/main" val="413849474"/>
       </p:ext>
     </p:extLst>
   </p:cSld>
   <p:clrMapOvr>
     <a:masterClrMapping/>
   </p:clrMapOvr>
+  <p:timing>
+    <p:tnLst>
+      <p:par>
+        <p:cTn id="1" dur="indefinite" restart="never" nodeType="tmRoot">
+          <p:childTnLst>
+            <p:seq concurrent="1" nextAc="seek">
+              <p:cTn id="2" dur="indefinite" nodeType="mainSeq">
+                <p:childTnLst>
+                  <p:par>
+                    <p:cTn id="3" fill="hold">
+                      <p:stCondLst>
+                        <p:cond delay="indefinite"/>
+                      </p:stCondLst>
+                      <p:childTnLst>
+                        <p:par>
+                          <p:cTn id="4" fill="hold">
+                            <p:stCondLst>
+                              <p:cond delay="0"/>
+                            </p:stCondLst>
+                            <p:childTnLst>
+                              <p:par>
+                                <p:cTn id="5" presetID="1" presetClass="entr" presetSubtype="0" fill="hold" nodeType="clickEffect">
+                                  <p:stCondLst>
+                                    <p:cond delay="0"/>
+                                  </p:stCondLst>
+                                  <p:childTnLst>
+                                    <p:set>
+                                      <p:cBhvr>
+                                        <p:cTn id="6" dur="1" fill="hold">
+                                          <p:stCondLst>
+                                            <p:cond delay="0"/>
+                                          </p:stCondLst>
+                                        </p:cTn>
+                                        <p:tgtEl>
+                                          <p:spTgt spid="3078">
+                                            <p:txEl>
+                                              <p:pRg st="3" end="3"/>
+                                            </p:txEl>
+                                          </p:spTgt>
+                                        </p:tgtEl>
+                                        <p:attrNameLst>
+                                          <p:attrName>style.visibility</p:attrName>
+                                        </p:attrNameLst>
+                                      </p:cBhvr>
+                                      <p:to>
+                                        <p:strVal val="visible"/>
+                                      </p:to>
+                                    </p:set>
+                                  </p:childTnLst>
+                                </p:cTn>
+                              </p:par>
+                              <p:par>
+                                <p:cTn id="7" presetID="1" presetClass="entr" presetSubtype="0" fill="hold" nodeType="withEffect">
+                                  <p:stCondLst>
+                                    <p:cond delay="0"/>
+                                  </p:stCondLst>
+                                  <p:childTnLst>
+                                    <p:set>
+                                      <p:cBhvr>
+                                        <p:cTn id="8" dur="1" fill="hold">
+                                          <p:stCondLst>
+                                            <p:cond delay="0"/>
+                                          </p:stCondLst>
+                                        </p:cTn>
+                                        <p:tgtEl>
+                                          <p:spTgt spid="3078">
+                                            <p:txEl>
+                                              <p:pRg st="4" end="4"/>
+                                            </p:txEl>
+                                          </p:spTgt>
+                                        </p:tgtEl>
+                                        <p:attrNameLst>
+                                          <p:attrName>style.visibility</p:attrName>
+                                        </p:attrNameLst>
+                                      </p:cBhvr>
+                                      <p:to>
+                                        <p:strVal val="visible"/>
+                                      </p:to>
+                                    </p:set>
+                                  </p:childTnLst>
+                                </p:cTn>
+                              </p:par>
+                            </p:childTnLst>
+                          </p:cTn>
+                        </p:par>
+                      </p:childTnLst>
+                    </p:cTn>
+                  </p:par>
+                </p:childTnLst>
+              </p:cTn>
+              <p:prevCondLst>
+                <p:cond evt="onPrev" delay="0">
+                  <p:tgtEl>
+                    <p:sldTgt/>
+                  </p:tgtEl>
+                </p:cond>
+              </p:prevCondLst>
+              <p:nextCondLst>
+                <p:cond evt="onNext" delay="0">
+                  <p:tgtEl>
+                    <p:sldTgt/>
+                  </p:tgtEl>
+                </p:cond>
+              </p:nextCondLst>
+            </p:seq>
+          </p:childTnLst>
+        </p:cTn>
+      </p:par>
+    </p:tnLst>
+  </p:timing>
 </p:sld>
 </file>
 
@@ -16764,6 +15451,439 @@
               </a:rPr>
               <a:pPr eaLnBrk="1" hangingPunct="1"/>
               <a:t>16</a:t>
+            </a:fld>
+            <a:endParaRPr lang="en-US" sz="1400" dirty="0">
+              <a:solidFill>
+                <a:srgbClr val="00009B"/>
+              </a:solidFill>
+              <a:latin typeface="Arial" charset="0"/>
+            </a:endParaRPr>
+          </a:p>
+        </p:txBody>
+      </p:sp>
+      <p:sp>
+        <p:nvSpPr>
+          <p:cNvPr id="6" name="Date Placeholder 5"/>
+          <p:cNvSpPr>
+            <a:spLocks noGrp="1"/>
+          </p:cNvSpPr>
+          <p:nvPr>
+            <p:ph type="dt" sz="quarter" idx="4294967295"/>
+          </p:nvPr>
+        </p:nvSpPr>
+        <p:spPr>
+          <a:xfrm>
+            <a:off x="228600" y="6553200"/>
+            <a:ext cx="2743200" cy="304800"/>
+          </a:xfrm>
+          <a:prstGeom prst="rect">
+            <a:avLst/>
+          </a:prstGeom>
+        </p:spPr>
+        <p:txBody>
+          <a:bodyPr/>
+          <a:lstStyle/>
+          <a:p>
+            <a:pPr>
+              <a:defRPr/>
+            </a:pPr>
+            <a:r>
+              <a:rPr lang="en-US"/>
+              <a:t> </a:t>
+            </a:r>
+            <a:endParaRPr lang="en-US" dirty="0"/>
+          </a:p>
+        </p:txBody>
+      </p:sp>
+      <p:sp>
+        <p:nvSpPr>
+          <p:cNvPr id="3077" name="Rectangle 2"/>
+          <p:cNvSpPr>
+            <a:spLocks noGrp="1" noChangeArrowheads="1"/>
+          </p:cNvSpPr>
+          <p:nvPr>
+            <p:ph type="title"/>
+          </p:nvPr>
+        </p:nvSpPr>
+        <p:spPr/>
+        <p:txBody>
+          <a:bodyPr/>
+          <a:lstStyle/>
+          <a:p>
+            <a:pPr eaLnBrk="1" hangingPunct="1"/>
+            <a:r>
+              <a:rPr lang="en-US" altLang="en-US" dirty="0"/>
+              <a:t>Random-Variate Generation</a:t>
+            </a:r>
+            <a:endParaRPr lang="en-US" dirty="0">
+              <a:latin typeface="Arial" charset="0"/>
+            </a:endParaRPr>
+          </a:p>
+        </p:txBody>
+      </p:sp>
+      <p:sp>
+        <p:nvSpPr>
+          <p:cNvPr id="3078" name="Rectangle 3"/>
+          <p:cNvSpPr>
+            <a:spLocks noGrp="1" noChangeArrowheads="1"/>
+          </p:cNvSpPr>
+          <p:nvPr>
+            <p:ph type="body" idx="1"/>
+          </p:nvPr>
+        </p:nvSpPr>
+        <p:spPr/>
+        <p:txBody>
+          <a:bodyPr/>
+          <a:lstStyle/>
+          <a:p>
+            <a:r>
+              <a:rPr lang="en-US" dirty="0"/>
+              <a:t>Purpose</a:t>
+            </a:r>
+          </a:p>
+          <a:p>
+            <a:pPr lvl="1"/>
+            <a:r>
+              <a:rPr lang="en-US" altLang="en-US" dirty="0"/>
+              <a:t>Develop understanding of generating samples from a specific distribution as input to a simulation model.</a:t>
+            </a:r>
+          </a:p>
+          <a:p>
+            <a:endParaRPr lang="en-US" altLang="en-US" dirty="0"/>
+          </a:p>
+          <a:p>
+            <a:pPr lvl="1"/>
+            <a:r>
+              <a:rPr lang="en-US" altLang="en-US" dirty="0"/>
+              <a:t>Illustrate some widely-used techniques for generating random variates.</a:t>
+            </a:r>
+          </a:p>
+          <a:p>
+            <a:pPr lvl="2"/>
+            <a:r>
+              <a:rPr lang="en-US" altLang="en-US" dirty="0"/>
+              <a:t>Inverse-transform technique</a:t>
+            </a:r>
+          </a:p>
+          <a:p>
+            <a:pPr lvl="2"/>
+            <a:r>
+              <a:rPr lang="en-US" altLang="en-US" dirty="0"/>
+              <a:t>Acceptance-rejection technique</a:t>
+            </a:r>
+          </a:p>
+          <a:p>
+            <a:pPr eaLnBrk="1" hangingPunct="1"/>
+            <a:endParaRPr lang="en-US" dirty="0">
+              <a:latin typeface="Arial" charset="0"/>
+            </a:endParaRPr>
+          </a:p>
+        </p:txBody>
+      </p:sp>
+    </p:spTree>
+    <p:extLst>
+      <p:ext uri="{BB962C8B-B14F-4D97-AF65-F5344CB8AC3E}">
+        <p14:creationId xmlns:p14="http://schemas.microsoft.com/office/powerpoint/2010/main" val="3402820855"/>
+      </p:ext>
+    </p:extLst>
+  </p:cSld>
+  <p:clrMapOvr>
+    <a:masterClrMapping/>
+  </p:clrMapOvr>
+</p:sld>
+</file>
+
+<file path=ppt/slides/slide17.xml><?xml version="1.0" encoding="utf-8"?>
+<p:sld xmlns:a="http://schemas.openxmlformats.org/drawingml/2006/main" xmlns:r="http://schemas.openxmlformats.org/officeDocument/2006/relationships" xmlns:p="http://schemas.openxmlformats.org/presentationml/2006/main">
+  <p:cSld>
+    <p:spTree>
+      <p:nvGrpSpPr>
+        <p:cNvPr id="1" name=""/>
+        <p:cNvGrpSpPr/>
+        <p:nvPr/>
+      </p:nvGrpSpPr>
+      <p:grpSpPr>
+        <a:xfrm>
+          <a:off x="0" y="0"/>
+          <a:ext cx="0" cy="0"/>
+          <a:chOff x="0" y="0"/>
+          <a:chExt cx="0" cy="0"/>
+        </a:xfrm>
+      </p:grpSpPr>
+      <p:sp>
+        <p:nvSpPr>
+          <p:cNvPr id="4" name="Footer Placeholder 3"/>
+          <p:cNvSpPr>
+            <a:spLocks noGrp="1"/>
+          </p:cNvSpPr>
+          <p:nvPr>
+            <p:ph type="ftr" sz="quarter" idx="10"/>
+          </p:nvPr>
+        </p:nvSpPr>
+        <p:spPr/>
+        <p:txBody>
+          <a:bodyPr/>
+          <a:lstStyle>
+            <a:lvl1pPr eaLnBrk="0" hangingPunct="0">
+              <a:defRPr sz="2400">
+                <a:solidFill>
+                  <a:schemeClr val="tx1"/>
+                </a:solidFill>
+                <a:latin typeface="Times New Roman" charset="0"/>
+                <a:ea typeface="ＭＳ Ｐゴシック" charset="0"/>
+              </a:defRPr>
+            </a:lvl1pPr>
+            <a:lvl2pPr marL="742950" indent="-285750" eaLnBrk="0" hangingPunct="0">
+              <a:defRPr sz="2400">
+                <a:solidFill>
+                  <a:schemeClr val="tx1"/>
+                </a:solidFill>
+                <a:latin typeface="Times New Roman" charset="0"/>
+                <a:ea typeface="ＭＳ Ｐゴシック" charset="0"/>
+              </a:defRPr>
+            </a:lvl2pPr>
+            <a:lvl3pPr marL="1143000" indent="-228600" eaLnBrk="0" hangingPunct="0">
+              <a:defRPr sz="2400">
+                <a:solidFill>
+                  <a:schemeClr val="tx1"/>
+                </a:solidFill>
+                <a:latin typeface="Times New Roman" charset="0"/>
+                <a:ea typeface="ＭＳ Ｐゴシック" charset="0"/>
+              </a:defRPr>
+            </a:lvl3pPr>
+            <a:lvl4pPr marL="1600200" indent="-228600" eaLnBrk="0" hangingPunct="0">
+              <a:defRPr sz="2400">
+                <a:solidFill>
+                  <a:schemeClr val="tx1"/>
+                </a:solidFill>
+                <a:latin typeface="Times New Roman" charset="0"/>
+                <a:ea typeface="ＭＳ Ｐゴシック" charset="0"/>
+              </a:defRPr>
+            </a:lvl4pPr>
+            <a:lvl5pPr marL="2057400" indent="-228600" eaLnBrk="0" hangingPunct="0">
+              <a:defRPr sz="2400">
+                <a:solidFill>
+                  <a:schemeClr val="tx1"/>
+                </a:solidFill>
+                <a:latin typeface="Times New Roman" charset="0"/>
+                <a:ea typeface="ＭＳ Ｐゴシック" charset="0"/>
+              </a:defRPr>
+            </a:lvl5pPr>
+            <a:lvl6pPr marL="2514600" indent="-228600" eaLnBrk="0" fontAlgn="base" hangingPunct="0">
+              <a:spcBef>
+                <a:spcPct val="0"/>
+              </a:spcBef>
+              <a:spcAft>
+                <a:spcPct val="0"/>
+              </a:spcAft>
+              <a:defRPr sz="2400">
+                <a:solidFill>
+                  <a:schemeClr val="tx1"/>
+                </a:solidFill>
+                <a:latin typeface="Times New Roman" charset="0"/>
+                <a:ea typeface="ＭＳ Ｐゴシック" charset="0"/>
+              </a:defRPr>
+            </a:lvl6pPr>
+            <a:lvl7pPr marL="2971800" indent="-228600" eaLnBrk="0" fontAlgn="base" hangingPunct="0">
+              <a:spcBef>
+                <a:spcPct val="0"/>
+              </a:spcBef>
+              <a:spcAft>
+                <a:spcPct val="0"/>
+              </a:spcAft>
+              <a:defRPr sz="2400">
+                <a:solidFill>
+                  <a:schemeClr val="tx1"/>
+                </a:solidFill>
+                <a:latin typeface="Times New Roman" charset="0"/>
+                <a:ea typeface="ＭＳ Ｐゴシック" charset="0"/>
+              </a:defRPr>
+            </a:lvl7pPr>
+            <a:lvl8pPr marL="3429000" indent="-228600" eaLnBrk="0" fontAlgn="base" hangingPunct="0">
+              <a:spcBef>
+                <a:spcPct val="0"/>
+              </a:spcBef>
+              <a:spcAft>
+                <a:spcPct val="0"/>
+              </a:spcAft>
+              <a:defRPr sz="2400">
+                <a:solidFill>
+                  <a:schemeClr val="tx1"/>
+                </a:solidFill>
+                <a:latin typeface="Times New Roman" charset="0"/>
+                <a:ea typeface="ＭＳ Ｐゴシック" charset="0"/>
+              </a:defRPr>
+            </a:lvl8pPr>
+            <a:lvl9pPr marL="3886200" indent="-228600" eaLnBrk="0" fontAlgn="base" hangingPunct="0">
+              <a:spcBef>
+                <a:spcPct val="0"/>
+              </a:spcBef>
+              <a:spcAft>
+                <a:spcPct val="0"/>
+              </a:spcAft>
+              <a:defRPr sz="2400">
+                <a:solidFill>
+                  <a:schemeClr val="tx1"/>
+                </a:solidFill>
+                <a:latin typeface="Times New Roman" charset="0"/>
+                <a:ea typeface="ＭＳ Ｐゴシック" charset="0"/>
+              </a:defRPr>
+            </a:lvl9pPr>
+          </a:lstStyle>
+          <a:p>
+            <a:pPr eaLnBrk="1" hangingPunct="1"/>
+            <a:r>
+              <a:rPr lang="en-US" sz="1400" dirty="0">
+                <a:solidFill>
+                  <a:srgbClr val="00009B"/>
+                </a:solidFill>
+                <a:latin typeface="Arial" charset="0"/>
+              </a:rPr>
+              <a:t> Simulation 101  – Fundamental Simulation Concepts</a:t>
+            </a:r>
+          </a:p>
+        </p:txBody>
+      </p:sp>
+      <p:sp>
+        <p:nvSpPr>
+          <p:cNvPr id="5" name="Slide Number Placeholder 4"/>
+          <p:cNvSpPr>
+            <a:spLocks noGrp="1"/>
+          </p:cNvSpPr>
+          <p:nvPr>
+            <p:ph type="sldNum" sz="quarter" idx="11"/>
+          </p:nvPr>
+        </p:nvSpPr>
+        <p:spPr/>
+        <p:txBody>
+          <a:bodyPr/>
+          <a:lstStyle>
+            <a:lvl1pPr eaLnBrk="0" hangingPunct="0">
+              <a:defRPr sz="2400">
+                <a:solidFill>
+                  <a:schemeClr val="tx1"/>
+                </a:solidFill>
+                <a:latin typeface="Times New Roman" charset="0"/>
+                <a:ea typeface="ＭＳ Ｐゴシック" charset="0"/>
+              </a:defRPr>
+            </a:lvl1pPr>
+            <a:lvl2pPr marL="742950" indent="-285750" eaLnBrk="0" hangingPunct="0">
+              <a:defRPr sz="2400">
+                <a:solidFill>
+                  <a:schemeClr val="tx1"/>
+                </a:solidFill>
+                <a:latin typeface="Times New Roman" charset="0"/>
+                <a:ea typeface="ＭＳ Ｐゴシック" charset="0"/>
+              </a:defRPr>
+            </a:lvl2pPr>
+            <a:lvl3pPr marL="1143000" indent="-228600" eaLnBrk="0" hangingPunct="0">
+              <a:defRPr sz="2400">
+                <a:solidFill>
+                  <a:schemeClr val="tx1"/>
+                </a:solidFill>
+                <a:latin typeface="Times New Roman" charset="0"/>
+                <a:ea typeface="ＭＳ Ｐゴシック" charset="0"/>
+              </a:defRPr>
+            </a:lvl3pPr>
+            <a:lvl4pPr marL="1600200" indent="-228600" eaLnBrk="0" hangingPunct="0">
+              <a:defRPr sz="2400">
+                <a:solidFill>
+                  <a:schemeClr val="tx1"/>
+                </a:solidFill>
+                <a:latin typeface="Times New Roman" charset="0"/>
+                <a:ea typeface="ＭＳ Ｐゴシック" charset="0"/>
+              </a:defRPr>
+            </a:lvl4pPr>
+            <a:lvl5pPr marL="2057400" indent="-228600" eaLnBrk="0" hangingPunct="0">
+              <a:defRPr sz="2400">
+                <a:solidFill>
+                  <a:schemeClr val="tx1"/>
+                </a:solidFill>
+                <a:latin typeface="Times New Roman" charset="0"/>
+                <a:ea typeface="ＭＳ Ｐゴシック" charset="0"/>
+              </a:defRPr>
+            </a:lvl5pPr>
+            <a:lvl6pPr marL="2514600" indent="-228600" eaLnBrk="0" fontAlgn="base" hangingPunct="0">
+              <a:spcBef>
+                <a:spcPct val="0"/>
+              </a:spcBef>
+              <a:spcAft>
+                <a:spcPct val="0"/>
+              </a:spcAft>
+              <a:defRPr sz="2400">
+                <a:solidFill>
+                  <a:schemeClr val="tx1"/>
+                </a:solidFill>
+                <a:latin typeface="Times New Roman" charset="0"/>
+                <a:ea typeface="ＭＳ Ｐゴシック" charset="0"/>
+              </a:defRPr>
+            </a:lvl6pPr>
+            <a:lvl7pPr marL="2971800" indent="-228600" eaLnBrk="0" fontAlgn="base" hangingPunct="0">
+              <a:spcBef>
+                <a:spcPct val="0"/>
+              </a:spcBef>
+              <a:spcAft>
+                <a:spcPct val="0"/>
+              </a:spcAft>
+              <a:defRPr sz="2400">
+                <a:solidFill>
+                  <a:schemeClr val="tx1"/>
+                </a:solidFill>
+                <a:latin typeface="Times New Roman" charset="0"/>
+                <a:ea typeface="ＭＳ Ｐゴシック" charset="0"/>
+              </a:defRPr>
+            </a:lvl7pPr>
+            <a:lvl8pPr marL="3429000" indent="-228600" eaLnBrk="0" fontAlgn="base" hangingPunct="0">
+              <a:spcBef>
+                <a:spcPct val="0"/>
+              </a:spcBef>
+              <a:spcAft>
+                <a:spcPct val="0"/>
+              </a:spcAft>
+              <a:defRPr sz="2400">
+                <a:solidFill>
+                  <a:schemeClr val="tx1"/>
+                </a:solidFill>
+                <a:latin typeface="Times New Roman" charset="0"/>
+                <a:ea typeface="ＭＳ Ｐゴシック" charset="0"/>
+              </a:defRPr>
+            </a:lvl8pPr>
+            <a:lvl9pPr marL="3886200" indent="-228600" eaLnBrk="0" fontAlgn="base" hangingPunct="0">
+              <a:spcBef>
+                <a:spcPct val="0"/>
+              </a:spcBef>
+              <a:spcAft>
+                <a:spcPct val="0"/>
+              </a:spcAft>
+              <a:defRPr sz="2400">
+                <a:solidFill>
+                  <a:schemeClr val="tx1"/>
+                </a:solidFill>
+                <a:latin typeface="Times New Roman" charset="0"/>
+                <a:ea typeface="ＭＳ Ｐゴシック" charset="0"/>
+              </a:defRPr>
+            </a:lvl9pPr>
+          </a:lstStyle>
+          <a:p>
+            <a:pPr eaLnBrk="1" hangingPunct="1"/>
+            <a:r>
+              <a:rPr lang="en-US" sz="1400" dirty="0">
+                <a:solidFill>
+                  <a:srgbClr val="00009B"/>
+                </a:solidFill>
+                <a:latin typeface="Arial" charset="0"/>
+              </a:rPr>
+              <a:t>Slide </a:t>
+            </a:r>
+            <a:fld id="{6DD19F91-013E-4742-AA30-ECE0A1DD60DC}" type="slidenum">
+              <a:rPr lang="en-US" sz="1400" smtClean="0">
+                <a:solidFill>
+                  <a:srgbClr val="00009B"/>
+                </a:solidFill>
+                <a:latin typeface="Arial" charset="0"/>
+              </a:rPr>
+              <a:pPr eaLnBrk="1" hangingPunct="1"/>
+              <a:t>17</a:t>
             </a:fld>
             <a:endParaRPr lang="en-US" sz="1400" dirty="0">
               <a:solidFill>
@@ -17584,7 +16704,7 @@
 </p:sld>
 </file>
 
-<file path=ppt/slides/slide17.xml><?xml version="1.0" encoding="utf-8"?>
+<file path=ppt/slides/slide18.xml><?xml version="1.0" encoding="utf-8"?>
 <p:sld xmlns:a="http://schemas.openxmlformats.org/drawingml/2006/main" xmlns:r="http://schemas.openxmlformats.org/officeDocument/2006/relationships" xmlns:p="http://schemas.openxmlformats.org/presentationml/2006/main">
   <p:cSld>
     <p:spTree>
@@ -17874,7 +16994,7 @@
                 <a:latin typeface="Arial" charset="0"/>
               </a:rPr>
               <a:pPr eaLnBrk="1" hangingPunct="1"/>
-              <a:t>17</a:t>
+              <a:t>18</a:t>
             </a:fld>
             <a:endParaRPr lang="en-US" sz="1400" dirty="0">
               <a:solidFill>
@@ -18465,7 +17585,7 @@
 </p:sld>
 </file>
 
-<file path=ppt/slides/slide18.xml><?xml version="1.0" encoding="utf-8"?>
+<file path=ppt/slides/slide19.xml><?xml version="1.0" encoding="utf-8"?>
 <p:sld xmlns:a="http://schemas.openxmlformats.org/drawingml/2006/main" xmlns:r="http://schemas.openxmlformats.org/officeDocument/2006/relationships" xmlns:p="http://schemas.openxmlformats.org/presentationml/2006/main">
   <p:cSld>
     <p:spTree>
@@ -18755,7 +17875,7 @@
                 <a:latin typeface="Arial" charset="0"/>
               </a:rPr>
               <a:pPr eaLnBrk="1" hangingPunct="1"/>
-              <a:t>18</a:t>
+              <a:t>19</a:t>
             </a:fld>
             <a:endParaRPr lang="en-US" sz="1400" dirty="0">
               <a:solidFill>
@@ -18829,8 +17949,8 @@
           </a:p>
         </p:txBody>
       </p:sp>
-      <mc:AlternateContent xmlns:mc="http://schemas.openxmlformats.org/markup-compatibility/2006">
-        <mc:Choice xmlns:a14="http://schemas.microsoft.com/office/drawing/2010/main" Requires="a14">
+      <mc:AlternateContent xmlns:mc="http://schemas.openxmlformats.org/markup-compatibility/2006" xmlns:a14="http://schemas.microsoft.com/office/drawing/2010/main">
+        <mc:Choice Requires="a14">
           <p:sp>
             <p:nvSpPr>
               <p:cNvPr id="3078" name="Rectangle 3"/>
@@ -18977,7 +18097,7 @@
             </p:txBody>
           </p:sp>
         </mc:Choice>
-        <mc:Fallback>
+        <mc:Fallback xmlns="">
           <p:sp>
             <p:nvSpPr>
               <p:cNvPr id="3078" name="Rectangle 3"/>
@@ -19024,398 +18144,6 @@
 </p:sld>
 </file>
 
-<file path=ppt/slides/slide19.xml><?xml version="1.0" encoding="utf-8"?>
-<p:sld xmlns:a="http://schemas.openxmlformats.org/drawingml/2006/main" xmlns:r="http://schemas.openxmlformats.org/officeDocument/2006/relationships" xmlns:p="http://schemas.openxmlformats.org/presentationml/2006/main">
-  <p:cSld>
-    <p:spTree>
-      <p:nvGrpSpPr>
-        <p:cNvPr id="1" name=""/>
-        <p:cNvGrpSpPr/>
-        <p:nvPr/>
-      </p:nvGrpSpPr>
-      <p:grpSpPr>
-        <a:xfrm>
-          <a:off x="0" y="0"/>
-          <a:ext cx="0" cy="0"/>
-          <a:chOff x="0" y="0"/>
-          <a:chExt cx="0" cy="0"/>
-        </a:xfrm>
-      </p:grpSpPr>
-      <p:sp>
-        <p:nvSpPr>
-          <p:cNvPr id="4" name="Footer Placeholder 3"/>
-          <p:cNvSpPr>
-            <a:spLocks noGrp="1"/>
-          </p:cNvSpPr>
-          <p:nvPr>
-            <p:ph type="ftr" sz="quarter" idx="10"/>
-          </p:nvPr>
-        </p:nvSpPr>
-        <p:spPr/>
-        <p:txBody>
-          <a:bodyPr/>
-          <a:lstStyle>
-            <a:lvl1pPr eaLnBrk="0" hangingPunct="0">
-              <a:defRPr sz="2400">
-                <a:solidFill>
-                  <a:schemeClr val="tx1"/>
-                </a:solidFill>
-                <a:latin typeface="Times New Roman" charset="0"/>
-                <a:ea typeface="ＭＳ Ｐゴシック" charset="0"/>
-              </a:defRPr>
-            </a:lvl1pPr>
-            <a:lvl2pPr marL="742950" indent="-285750" eaLnBrk="0" hangingPunct="0">
-              <a:defRPr sz="2400">
-                <a:solidFill>
-                  <a:schemeClr val="tx1"/>
-                </a:solidFill>
-                <a:latin typeface="Times New Roman" charset="0"/>
-                <a:ea typeface="ＭＳ Ｐゴシック" charset="0"/>
-              </a:defRPr>
-            </a:lvl2pPr>
-            <a:lvl3pPr marL="1143000" indent="-228600" eaLnBrk="0" hangingPunct="0">
-              <a:defRPr sz="2400">
-                <a:solidFill>
-                  <a:schemeClr val="tx1"/>
-                </a:solidFill>
-                <a:latin typeface="Times New Roman" charset="0"/>
-                <a:ea typeface="ＭＳ Ｐゴシック" charset="0"/>
-              </a:defRPr>
-            </a:lvl3pPr>
-            <a:lvl4pPr marL="1600200" indent="-228600" eaLnBrk="0" hangingPunct="0">
-              <a:defRPr sz="2400">
-                <a:solidFill>
-                  <a:schemeClr val="tx1"/>
-                </a:solidFill>
-                <a:latin typeface="Times New Roman" charset="0"/>
-                <a:ea typeface="ＭＳ Ｐゴシック" charset="0"/>
-              </a:defRPr>
-            </a:lvl4pPr>
-            <a:lvl5pPr marL="2057400" indent="-228600" eaLnBrk="0" hangingPunct="0">
-              <a:defRPr sz="2400">
-                <a:solidFill>
-                  <a:schemeClr val="tx1"/>
-                </a:solidFill>
-                <a:latin typeface="Times New Roman" charset="0"/>
-                <a:ea typeface="ＭＳ Ｐゴシック" charset="0"/>
-              </a:defRPr>
-            </a:lvl5pPr>
-            <a:lvl6pPr marL="2514600" indent="-228600" eaLnBrk="0" fontAlgn="base" hangingPunct="0">
-              <a:spcBef>
-                <a:spcPct val="0"/>
-              </a:spcBef>
-              <a:spcAft>
-                <a:spcPct val="0"/>
-              </a:spcAft>
-              <a:defRPr sz="2400">
-                <a:solidFill>
-                  <a:schemeClr val="tx1"/>
-                </a:solidFill>
-                <a:latin typeface="Times New Roman" charset="0"/>
-                <a:ea typeface="ＭＳ Ｐゴシック" charset="0"/>
-              </a:defRPr>
-            </a:lvl6pPr>
-            <a:lvl7pPr marL="2971800" indent="-228600" eaLnBrk="0" fontAlgn="base" hangingPunct="0">
-              <a:spcBef>
-                <a:spcPct val="0"/>
-              </a:spcBef>
-              <a:spcAft>
-                <a:spcPct val="0"/>
-              </a:spcAft>
-              <a:defRPr sz="2400">
-                <a:solidFill>
-                  <a:schemeClr val="tx1"/>
-                </a:solidFill>
-                <a:latin typeface="Times New Roman" charset="0"/>
-                <a:ea typeface="ＭＳ Ｐゴシック" charset="0"/>
-              </a:defRPr>
-            </a:lvl7pPr>
-            <a:lvl8pPr marL="3429000" indent="-228600" eaLnBrk="0" fontAlgn="base" hangingPunct="0">
-              <a:spcBef>
-                <a:spcPct val="0"/>
-              </a:spcBef>
-              <a:spcAft>
-                <a:spcPct val="0"/>
-              </a:spcAft>
-              <a:defRPr sz="2400">
-                <a:solidFill>
-                  <a:schemeClr val="tx1"/>
-                </a:solidFill>
-                <a:latin typeface="Times New Roman" charset="0"/>
-                <a:ea typeface="ＭＳ Ｐゴシック" charset="0"/>
-              </a:defRPr>
-            </a:lvl8pPr>
-            <a:lvl9pPr marL="3886200" indent="-228600" eaLnBrk="0" fontAlgn="base" hangingPunct="0">
-              <a:spcBef>
-                <a:spcPct val="0"/>
-              </a:spcBef>
-              <a:spcAft>
-                <a:spcPct val="0"/>
-              </a:spcAft>
-              <a:defRPr sz="2400">
-                <a:solidFill>
-                  <a:schemeClr val="tx1"/>
-                </a:solidFill>
-                <a:latin typeface="Times New Roman" charset="0"/>
-                <a:ea typeface="ＭＳ Ｐゴシック" charset="0"/>
-              </a:defRPr>
-            </a:lvl9pPr>
-          </a:lstStyle>
-          <a:p>
-            <a:pPr eaLnBrk="1" hangingPunct="1"/>
-            <a:r>
-              <a:rPr lang="en-US" sz="1400" dirty="0">
-                <a:solidFill>
-                  <a:srgbClr val="00009B"/>
-                </a:solidFill>
-                <a:latin typeface="Arial" charset="0"/>
-              </a:rPr>
-              <a:t> Simulation 101  – Fundamental Simulation Concepts</a:t>
-            </a:r>
-          </a:p>
-        </p:txBody>
-      </p:sp>
-      <p:sp>
-        <p:nvSpPr>
-          <p:cNvPr id="5" name="Slide Number Placeholder 4"/>
-          <p:cNvSpPr>
-            <a:spLocks noGrp="1"/>
-          </p:cNvSpPr>
-          <p:nvPr>
-            <p:ph type="sldNum" sz="quarter" idx="11"/>
-          </p:nvPr>
-        </p:nvSpPr>
-        <p:spPr/>
-        <p:txBody>
-          <a:bodyPr/>
-          <a:lstStyle>
-            <a:lvl1pPr eaLnBrk="0" hangingPunct="0">
-              <a:defRPr sz="2400">
-                <a:solidFill>
-                  <a:schemeClr val="tx1"/>
-                </a:solidFill>
-                <a:latin typeface="Times New Roman" charset="0"/>
-                <a:ea typeface="ＭＳ Ｐゴシック" charset="0"/>
-              </a:defRPr>
-            </a:lvl1pPr>
-            <a:lvl2pPr marL="742950" indent="-285750" eaLnBrk="0" hangingPunct="0">
-              <a:defRPr sz="2400">
-                <a:solidFill>
-                  <a:schemeClr val="tx1"/>
-                </a:solidFill>
-                <a:latin typeface="Times New Roman" charset="0"/>
-                <a:ea typeface="ＭＳ Ｐゴシック" charset="0"/>
-              </a:defRPr>
-            </a:lvl2pPr>
-            <a:lvl3pPr marL="1143000" indent="-228600" eaLnBrk="0" hangingPunct="0">
-              <a:defRPr sz="2400">
-                <a:solidFill>
-                  <a:schemeClr val="tx1"/>
-                </a:solidFill>
-                <a:latin typeface="Times New Roman" charset="0"/>
-                <a:ea typeface="ＭＳ Ｐゴシック" charset="0"/>
-              </a:defRPr>
-            </a:lvl3pPr>
-            <a:lvl4pPr marL="1600200" indent="-228600" eaLnBrk="0" hangingPunct="0">
-              <a:defRPr sz="2400">
-                <a:solidFill>
-                  <a:schemeClr val="tx1"/>
-                </a:solidFill>
-                <a:latin typeface="Times New Roman" charset="0"/>
-                <a:ea typeface="ＭＳ Ｐゴシック" charset="0"/>
-              </a:defRPr>
-            </a:lvl4pPr>
-            <a:lvl5pPr marL="2057400" indent="-228600" eaLnBrk="0" hangingPunct="0">
-              <a:defRPr sz="2400">
-                <a:solidFill>
-                  <a:schemeClr val="tx1"/>
-                </a:solidFill>
-                <a:latin typeface="Times New Roman" charset="0"/>
-                <a:ea typeface="ＭＳ Ｐゴシック" charset="0"/>
-              </a:defRPr>
-            </a:lvl5pPr>
-            <a:lvl6pPr marL="2514600" indent="-228600" eaLnBrk="0" fontAlgn="base" hangingPunct="0">
-              <a:spcBef>
-                <a:spcPct val="0"/>
-              </a:spcBef>
-              <a:spcAft>
-                <a:spcPct val="0"/>
-              </a:spcAft>
-              <a:defRPr sz="2400">
-                <a:solidFill>
-                  <a:schemeClr val="tx1"/>
-                </a:solidFill>
-                <a:latin typeface="Times New Roman" charset="0"/>
-                <a:ea typeface="ＭＳ Ｐゴシック" charset="0"/>
-              </a:defRPr>
-            </a:lvl6pPr>
-            <a:lvl7pPr marL="2971800" indent="-228600" eaLnBrk="0" fontAlgn="base" hangingPunct="0">
-              <a:spcBef>
-                <a:spcPct val="0"/>
-              </a:spcBef>
-              <a:spcAft>
-                <a:spcPct val="0"/>
-              </a:spcAft>
-              <a:defRPr sz="2400">
-                <a:solidFill>
-                  <a:schemeClr val="tx1"/>
-                </a:solidFill>
-                <a:latin typeface="Times New Roman" charset="0"/>
-                <a:ea typeface="ＭＳ Ｐゴシック" charset="0"/>
-              </a:defRPr>
-            </a:lvl7pPr>
-            <a:lvl8pPr marL="3429000" indent="-228600" eaLnBrk="0" fontAlgn="base" hangingPunct="0">
-              <a:spcBef>
-                <a:spcPct val="0"/>
-              </a:spcBef>
-              <a:spcAft>
-                <a:spcPct val="0"/>
-              </a:spcAft>
-              <a:defRPr sz="2400">
-                <a:solidFill>
-                  <a:schemeClr val="tx1"/>
-                </a:solidFill>
-                <a:latin typeface="Times New Roman" charset="0"/>
-                <a:ea typeface="ＭＳ Ｐゴシック" charset="0"/>
-              </a:defRPr>
-            </a:lvl8pPr>
-            <a:lvl9pPr marL="3886200" indent="-228600" eaLnBrk="0" fontAlgn="base" hangingPunct="0">
-              <a:spcBef>
-                <a:spcPct val="0"/>
-              </a:spcBef>
-              <a:spcAft>
-                <a:spcPct val="0"/>
-              </a:spcAft>
-              <a:defRPr sz="2400">
-                <a:solidFill>
-                  <a:schemeClr val="tx1"/>
-                </a:solidFill>
-                <a:latin typeface="Times New Roman" charset="0"/>
-                <a:ea typeface="ＭＳ Ｐゴシック" charset="0"/>
-              </a:defRPr>
-            </a:lvl9pPr>
-          </a:lstStyle>
-          <a:p>
-            <a:pPr eaLnBrk="1" hangingPunct="1"/>
-            <a:r>
-              <a:rPr lang="en-US" sz="1400" dirty="0">
-                <a:solidFill>
-                  <a:srgbClr val="00009B"/>
-                </a:solidFill>
-                <a:latin typeface="Arial" charset="0"/>
-              </a:rPr>
-              <a:t>Slide </a:t>
-            </a:r>
-            <a:fld id="{6DD19F91-013E-4742-AA30-ECE0A1DD60DC}" type="slidenum">
-              <a:rPr lang="en-US" sz="1400" smtClean="0">
-                <a:solidFill>
-                  <a:srgbClr val="00009B"/>
-                </a:solidFill>
-                <a:latin typeface="Arial" charset="0"/>
-              </a:rPr>
-              <a:pPr eaLnBrk="1" hangingPunct="1"/>
-              <a:t>19</a:t>
-            </a:fld>
-            <a:endParaRPr lang="en-US" sz="1400" dirty="0">
-              <a:solidFill>
-                <a:srgbClr val="00009B"/>
-              </a:solidFill>
-              <a:latin typeface="Arial" charset="0"/>
-            </a:endParaRPr>
-          </a:p>
-        </p:txBody>
-      </p:sp>
-      <p:sp>
-        <p:nvSpPr>
-          <p:cNvPr id="6" name="Date Placeholder 5"/>
-          <p:cNvSpPr>
-            <a:spLocks noGrp="1"/>
-          </p:cNvSpPr>
-          <p:nvPr>
-            <p:ph type="dt" sz="quarter" idx="4294967295"/>
-          </p:nvPr>
-        </p:nvSpPr>
-        <p:spPr>
-          <a:xfrm>
-            <a:off x="228600" y="6553200"/>
-            <a:ext cx="2743200" cy="304800"/>
-          </a:xfrm>
-          <a:prstGeom prst="rect">
-            <a:avLst/>
-          </a:prstGeom>
-        </p:spPr>
-        <p:txBody>
-          <a:bodyPr/>
-          <a:lstStyle/>
-          <a:p>
-            <a:pPr>
-              <a:defRPr/>
-            </a:pPr>
-            <a:r>
-              <a:rPr lang="en-US"/>
-              <a:t> </a:t>
-            </a:r>
-            <a:endParaRPr lang="en-US" dirty="0"/>
-          </a:p>
-        </p:txBody>
-      </p:sp>
-      <p:sp>
-        <p:nvSpPr>
-          <p:cNvPr id="3077" name="Rectangle 2"/>
-          <p:cNvSpPr>
-            <a:spLocks noGrp="1" noChangeArrowheads="1"/>
-          </p:cNvSpPr>
-          <p:nvPr>
-            <p:ph type="title"/>
-          </p:nvPr>
-        </p:nvSpPr>
-        <p:spPr/>
-        <p:txBody>
-          <a:bodyPr/>
-          <a:lstStyle/>
-          <a:p>
-            <a:pPr eaLnBrk="1" hangingPunct="1"/>
-            <a:endParaRPr lang="en-US" dirty="0">
-              <a:latin typeface="Arial" charset="0"/>
-            </a:endParaRPr>
-          </a:p>
-        </p:txBody>
-      </p:sp>
-      <p:sp>
-        <p:nvSpPr>
-          <p:cNvPr id="3078" name="Rectangle 3"/>
-          <p:cNvSpPr>
-            <a:spLocks noGrp="1" noChangeArrowheads="1"/>
-          </p:cNvSpPr>
-          <p:nvPr>
-            <p:ph type="body" idx="1"/>
-          </p:nvPr>
-        </p:nvSpPr>
-        <p:spPr/>
-        <p:txBody>
-          <a:bodyPr/>
-          <a:lstStyle/>
-          <a:p>
-            <a:pPr lvl="2" eaLnBrk="1" hangingPunct="1"/>
-            <a:endParaRPr lang="en-US" dirty="0">
-              <a:latin typeface="Arial" charset="0"/>
-            </a:endParaRPr>
-          </a:p>
-        </p:txBody>
-      </p:sp>
-    </p:spTree>
-    <p:extLst>
-      <p:ext uri="{BB962C8B-B14F-4D97-AF65-F5344CB8AC3E}">
-        <p14:creationId xmlns:p14="http://schemas.microsoft.com/office/powerpoint/2010/main" val="413849474"/>
-      </p:ext>
-    </p:extLst>
-  </p:cSld>
-  <p:clrMapOvr>
-    <a:masterClrMapping/>
-  </p:clrMapOvr>
-</p:sld>
-</file>
-
 <file path=ppt/slides/slide2.xml><?xml version="1.0" encoding="utf-8"?>
 <p:sld xmlns:a="http://schemas.openxmlformats.org/drawingml/2006/main" xmlns:r="http://schemas.openxmlformats.org/officeDocument/2006/relationships" xmlns:p="http://schemas.openxmlformats.org/presentationml/2006/main">
   <p:cSld>
@@ -19863,3057 +18591,6 @@
         </p:spPr>
       </p:pic>
     </p:spTree>
-  </p:cSld>
-  <p:clrMapOvr>
-    <a:masterClrMapping/>
-  </p:clrMapOvr>
-</p:sld>
-</file>
-
-<file path=ppt/slides/slide20.xml><?xml version="1.0" encoding="utf-8"?>
-<p:sld xmlns:a="http://schemas.openxmlformats.org/drawingml/2006/main" xmlns:r="http://schemas.openxmlformats.org/officeDocument/2006/relationships" xmlns:p="http://schemas.openxmlformats.org/presentationml/2006/main">
-  <p:cSld>
-    <p:spTree>
-      <p:nvGrpSpPr>
-        <p:cNvPr id="1" name=""/>
-        <p:cNvGrpSpPr/>
-        <p:nvPr/>
-      </p:nvGrpSpPr>
-      <p:grpSpPr>
-        <a:xfrm>
-          <a:off x="0" y="0"/>
-          <a:ext cx="0" cy="0"/>
-          <a:chOff x="0" y="0"/>
-          <a:chExt cx="0" cy="0"/>
-        </a:xfrm>
-      </p:grpSpPr>
-      <p:sp>
-        <p:nvSpPr>
-          <p:cNvPr id="4" name="Footer Placeholder 3"/>
-          <p:cNvSpPr>
-            <a:spLocks noGrp="1"/>
-          </p:cNvSpPr>
-          <p:nvPr>
-            <p:ph type="ftr" sz="quarter" idx="10"/>
-          </p:nvPr>
-        </p:nvSpPr>
-        <p:spPr/>
-        <p:txBody>
-          <a:bodyPr/>
-          <a:lstStyle>
-            <a:lvl1pPr eaLnBrk="0" hangingPunct="0">
-              <a:defRPr sz="2400">
-                <a:solidFill>
-                  <a:schemeClr val="tx1"/>
-                </a:solidFill>
-                <a:latin typeface="Times New Roman" charset="0"/>
-                <a:ea typeface="ＭＳ Ｐゴシック" charset="0"/>
-              </a:defRPr>
-            </a:lvl1pPr>
-            <a:lvl2pPr marL="742950" indent="-285750" eaLnBrk="0" hangingPunct="0">
-              <a:defRPr sz="2400">
-                <a:solidFill>
-                  <a:schemeClr val="tx1"/>
-                </a:solidFill>
-                <a:latin typeface="Times New Roman" charset="0"/>
-                <a:ea typeface="ＭＳ Ｐゴシック" charset="0"/>
-              </a:defRPr>
-            </a:lvl2pPr>
-            <a:lvl3pPr marL="1143000" indent="-228600" eaLnBrk="0" hangingPunct="0">
-              <a:defRPr sz="2400">
-                <a:solidFill>
-                  <a:schemeClr val="tx1"/>
-                </a:solidFill>
-                <a:latin typeface="Times New Roman" charset="0"/>
-                <a:ea typeface="ＭＳ Ｐゴシック" charset="0"/>
-              </a:defRPr>
-            </a:lvl3pPr>
-            <a:lvl4pPr marL="1600200" indent="-228600" eaLnBrk="0" hangingPunct="0">
-              <a:defRPr sz="2400">
-                <a:solidFill>
-                  <a:schemeClr val="tx1"/>
-                </a:solidFill>
-                <a:latin typeface="Times New Roman" charset="0"/>
-                <a:ea typeface="ＭＳ Ｐゴシック" charset="0"/>
-              </a:defRPr>
-            </a:lvl4pPr>
-            <a:lvl5pPr marL="2057400" indent="-228600" eaLnBrk="0" hangingPunct="0">
-              <a:defRPr sz="2400">
-                <a:solidFill>
-                  <a:schemeClr val="tx1"/>
-                </a:solidFill>
-                <a:latin typeface="Times New Roman" charset="0"/>
-                <a:ea typeface="ＭＳ Ｐゴシック" charset="0"/>
-              </a:defRPr>
-            </a:lvl5pPr>
-            <a:lvl6pPr marL="2514600" indent="-228600" eaLnBrk="0" fontAlgn="base" hangingPunct="0">
-              <a:spcBef>
-                <a:spcPct val="0"/>
-              </a:spcBef>
-              <a:spcAft>
-                <a:spcPct val="0"/>
-              </a:spcAft>
-              <a:defRPr sz="2400">
-                <a:solidFill>
-                  <a:schemeClr val="tx1"/>
-                </a:solidFill>
-                <a:latin typeface="Times New Roman" charset="0"/>
-                <a:ea typeface="ＭＳ Ｐゴシック" charset="0"/>
-              </a:defRPr>
-            </a:lvl6pPr>
-            <a:lvl7pPr marL="2971800" indent="-228600" eaLnBrk="0" fontAlgn="base" hangingPunct="0">
-              <a:spcBef>
-                <a:spcPct val="0"/>
-              </a:spcBef>
-              <a:spcAft>
-                <a:spcPct val="0"/>
-              </a:spcAft>
-              <a:defRPr sz="2400">
-                <a:solidFill>
-                  <a:schemeClr val="tx1"/>
-                </a:solidFill>
-                <a:latin typeface="Times New Roman" charset="0"/>
-                <a:ea typeface="ＭＳ Ｐゴシック" charset="0"/>
-              </a:defRPr>
-            </a:lvl7pPr>
-            <a:lvl8pPr marL="3429000" indent="-228600" eaLnBrk="0" fontAlgn="base" hangingPunct="0">
-              <a:spcBef>
-                <a:spcPct val="0"/>
-              </a:spcBef>
-              <a:spcAft>
-                <a:spcPct val="0"/>
-              </a:spcAft>
-              <a:defRPr sz="2400">
-                <a:solidFill>
-                  <a:schemeClr val="tx1"/>
-                </a:solidFill>
-                <a:latin typeface="Times New Roman" charset="0"/>
-                <a:ea typeface="ＭＳ Ｐゴシック" charset="0"/>
-              </a:defRPr>
-            </a:lvl8pPr>
-            <a:lvl9pPr marL="3886200" indent="-228600" eaLnBrk="0" fontAlgn="base" hangingPunct="0">
-              <a:spcBef>
-                <a:spcPct val="0"/>
-              </a:spcBef>
-              <a:spcAft>
-                <a:spcPct val="0"/>
-              </a:spcAft>
-              <a:defRPr sz="2400">
-                <a:solidFill>
-                  <a:schemeClr val="tx1"/>
-                </a:solidFill>
-                <a:latin typeface="Times New Roman" charset="0"/>
-                <a:ea typeface="ＭＳ Ｐゴシック" charset="0"/>
-              </a:defRPr>
-            </a:lvl9pPr>
-          </a:lstStyle>
-          <a:p>
-            <a:pPr eaLnBrk="1" hangingPunct="1"/>
-            <a:r>
-              <a:rPr lang="en-US" sz="1400" dirty="0">
-                <a:solidFill>
-                  <a:srgbClr val="00009B"/>
-                </a:solidFill>
-                <a:latin typeface="Arial" charset="0"/>
-              </a:rPr>
-              <a:t> Simulation 101  – Fundamental Simulation Concepts</a:t>
-            </a:r>
-          </a:p>
-        </p:txBody>
-      </p:sp>
-      <p:sp>
-        <p:nvSpPr>
-          <p:cNvPr id="5" name="Slide Number Placeholder 4"/>
-          <p:cNvSpPr>
-            <a:spLocks noGrp="1"/>
-          </p:cNvSpPr>
-          <p:nvPr>
-            <p:ph type="sldNum" sz="quarter" idx="11"/>
-          </p:nvPr>
-        </p:nvSpPr>
-        <p:spPr/>
-        <p:txBody>
-          <a:bodyPr/>
-          <a:lstStyle>
-            <a:lvl1pPr eaLnBrk="0" hangingPunct="0">
-              <a:defRPr sz="2400">
-                <a:solidFill>
-                  <a:schemeClr val="tx1"/>
-                </a:solidFill>
-                <a:latin typeface="Times New Roman" charset="0"/>
-                <a:ea typeface="ＭＳ Ｐゴシック" charset="0"/>
-              </a:defRPr>
-            </a:lvl1pPr>
-            <a:lvl2pPr marL="742950" indent="-285750" eaLnBrk="0" hangingPunct="0">
-              <a:defRPr sz="2400">
-                <a:solidFill>
-                  <a:schemeClr val="tx1"/>
-                </a:solidFill>
-                <a:latin typeface="Times New Roman" charset="0"/>
-                <a:ea typeface="ＭＳ Ｐゴシック" charset="0"/>
-              </a:defRPr>
-            </a:lvl2pPr>
-            <a:lvl3pPr marL="1143000" indent="-228600" eaLnBrk="0" hangingPunct="0">
-              <a:defRPr sz="2400">
-                <a:solidFill>
-                  <a:schemeClr val="tx1"/>
-                </a:solidFill>
-                <a:latin typeface="Times New Roman" charset="0"/>
-                <a:ea typeface="ＭＳ Ｐゴシック" charset="0"/>
-              </a:defRPr>
-            </a:lvl3pPr>
-            <a:lvl4pPr marL="1600200" indent="-228600" eaLnBrk="0" hangingPunct="0">
-              <a:defRPr sz="2400">
-                <a:solidFill>
-                  <a:schemeClr val="tx1"/>
-                </a:solidFill>
-                <a:latin typeface="Times New Roman" charset="0"/>
-                <a:ea typeface="ＭＳ Ｐゴシック" charset="0"/>
-              </a:defRPr>
-            </a:lvl4pPr>
-            <a:lvl5pPr marL="2057400" indent="-228600" eaLnBrk="0" hangingPunct="0">
-              <a:defRPr sz="2400">
-                <a:solidFill>
-                  <a:schemeClr val="tx1"/>
-                </a:solidFill>
-                <a:latin typeface="Times New Roman" charset="0"/>
-                <a:ea typeface="ＭＳ Ｐゴシック" charset="0"/>
-              </a:defRPr>
-            </a:lvl5pPr>
-            <a:lvl6pPr marL="2514600" indent="-228600" eaLnBrk="0" fontAlgn="base" hangingPunct="0">
-              <a:spcBef>
-                <a:spcPct val="0"/>
-              </a:spcBef>
-              <a:spcAft>
-                <a:spcPct val="0"/>
-              </a:spcAft>
-              <a:defRPr sz="2400">
-                <a:solidFill>
-                  <a:schemeClr val="tx1"/>
-                </a:solidFill>
-                <a:latin typeface="Times New Roman" charset="0"/>
-                <a:ea typeface="ＭＳ Ｐゴシック" charset="0"/>
-              </a:defRPr>
-            </a:lvl6pPr>
-            <a:lvl7pPr marL="2971800" indent="-228600" eaLnBrk="0" fontAlgn="base" hangingPunct="0">
-              <a:spcBef>
-                <a:spcPct val="0"/>
-              </a:spcBef>
-              <a:spcAft>
-                <a:spcPct val="0"/>
-              </a:spcAft>
-              <a:defRPr sz="2400">
-                <a:solidFill>
-                  <a:schemeClr val="tx1"/>
-                </a:solidFill>
-                <a:latin typeface="Times New Roman" charset="0"/>
-                <a:ea typeface="ＭＳ Ｐゴシック" charset="0"/>
-              </a:defRPr>
-            </a:lvl7pPr>
-            <a:lvl8pPr marL="3429000" indent="-228600" eaLnBrk="0" fontAlgn="base" hangingPunct="0">
-              <a:spcBef>
-                <a:spcPct val="0"/>
-              </a:spcBef>
-              <a:spcAft>
-                <a:spcPct val="0"/>
-              </a:spcAft>
-              <a:defRPr sz="2400">
-                <a:solidFill>
-                  <a:schemeClr val="tx1"/>
-                </a:solidFill>
-                <a:latin typeface="Times New Roman" charset="0"/>
-                <a:ea typeface="ＭＳ Ｐゴシック" charset="0"/>
-              </a:defRPr>
-            </a:lvl8pPr>
-            <a:lvl9pPr marL="3886200" indent="-228600" eaLnBrk="0" fontAlgn="base" hangingPunct="0">
-              <a:spcBef>
-                <a:spcPct val="0"/>
-              </a:spcBef>
-              <a:spcAft>
-                <a:spcPct val="0"/>
-              </a:spcAft>
-              <a:defRPr sz="2400">
-                <a:solidFill>
-                  <a:schemeClr val="tx1"/>
-                </a:solidFill>
-                <a:latin typeface="Times New Roman" charset="0"/>
-                <a:ea typeface="ＭＳ Ｐゴシック" charset="0"/>
-              </a:defRPr>
-            </a:lvl9pPr>
-          </a:lstStyle>
-          <a:p>
-            <a:pPr eaLnBrk="1" hangingPunct="1"/>
-            <a:r>
-              <a:rPr lang="en-US" sz="1400" dirty="0">
-                <a:solidFill>
-                  <a:srgbClr val="00009B"/>
-                </a:solidFill>
-                <a:latin typeface="Arial" charset="0"/>
-              </a:rPr>
-              <a:t>Slide </a:t>
-            </a:r>
-            <a:fld id="{6DD19F91-013E-4742-AA30-ECE0A1DD60DC}" type="slidenum">
-              <a:rPr lang="en-US" sz="1400" smtClean="0">
-                <a:solidFill>
-                  <a:srgbClr val="00009B"/>
-                </a:solidFill>
-                <a:latin typeface="Arial" charset="0"/>
-              </a:rPr>
-              <a:pPr eaLnBrk="1" hangingPunct="1"/>
-              <a:t>20</a:t>
-            </a:fld>
-            <a:endParaRPr lang="en-US" sz="1400" dirty="0">
-              <a:solidFill>
-                <a:srgbClr val="00009B"/>
-              </a:solidFill>
-              <a:latin typeface="Arial" charset="0"/>
-            </a:endParaRPr>
-          </a:p>
-        </p:txBody>
-      </p:sp>
-      <p:sp>
-        <p:nvSpPr>
-          <p:cNvPr id="6" name="Date Placeholder 5"/>
-          <p:cNvSpPr>
-            <a:spLocks noGrp="1"/>
-          </p:cNvSpPr>
-          <p:nvPr>
-            <p:ph type="dt" sz="quarter" idx="4294967295"/>
-          </p:nvPr>
-        </p:nvSpPr>
-        <p:spPr>
-          <a:xfrm>
-            <a:off x="228600" y="6553200"/>
-            <a:ext cx="2743200" cy="304800"/>
-          </a:xfrm>
-          <a:prstGeom prst="rect">
-            <a:avLst/>
-          </a:prstGeom>
-        </p:spPr>
-        <p:txBody>
-          <a:bodyPr/>
-          <a:lstStyle/>
-          <a:p>
-            <a:pPr>
-              <a:defRPr/>
-            </a:pPr>
-            <a:r>
-              <a:rPr lang="en-US"/>
-              <a:t> </a:t>
-            </a:r>
-            <a:endParaRPr lang="en-US" dirty="0"/>
-          </a:p>
-        </p:txBody>
-      </p:sp>
-      <p:sp>
-        <p:nvSpPr>
-          <p:cNvPr id="3077" name="Rectangle 2"/>
-          <p:cNvSpPr>
-            <a:spLocks noGrp="1" noChangeArrowheads="1"/>
-          </p:cNvSpPr>
-          <p:nvPr>
-            <p:ph type="title"/>
-          </p:nvPr>
-        </p:nvSpPr>
-        <p:spPr/>
-        <p:txBody>
-          <a:bodyPr/>
-          <a:lstStyle/>
-          <a:p>
-            <a:pPr eaLnBrk="1" hangingPunct="1"/>
-            <a:endParaRPr lang="en-US" dirty="0">
-              <a:latin typeface="Arial" charset="0"/>
-            </a:endParaRPr>
-          </a:p>
-        </p:txBody>
-      </p:sp>
-      <p:sp>
-        <p:nvSpPr>
-          <p:cNvPr id="3078" name="Rectangle 3"/>
-          <p:cNvSpPr>
-            <a:spLocks noGrp="1" noChangeArrowheads="1"/>
-          </p:cNvSpPr>
-          <p:nvPr>
-            <p:ph type="body" idx="1"/>
-          </p:nvPr>
-        </p:nvSpPr>
-        <p:spPr/>
-        <p:txBody>
-          <a:bodyPr/>
-          <a:lstStyle/>
-          <a:p>
-            <a:pPr lvl="2" eaLnBrk="1" hangingPunct="1"/>
-            <a:endParaRPr lang="en-US" dirty="0">
-              <a:latin typeface="Arial" charset="0"/>
-            </a:endParaRPr>
-          </a:p>
-        </p:txBody>
-      </p:sp>
-    </p:spTree>
-    <p:extLst>
-      <p:ext uri="{BB962C8B-B14F-4D97-AF65-F5344CB8AC3E}">
-        <p14:creationId xmlns:p14="http://schemas.microsoft.com/office/powerpoint/2010/main" val="1211616726"/>
-      </p:ext>
-    </p:extLst>
-  </p:cSld>
-  <p:clrMapOvr>
-    <a:masterClrMapping/>
-  </p:clrMapOvr>
-</p:sld>
-</file>
-
-<file path=ppt/slides/slide21.xml><?xml version="1.0" encoding="utf-8"?>
-<p:sld xmlns:a="http://schemas.openxmlformats.org/drawingml/2006/main" xmlns:r="http://schemas.openxmlformats.org/officeDocument/2006/relationships" xmlns:p="http://schemas.openxmlformats.org/presentationml/2006/main">
-  <p:cSld>
-    <p:spTree>
-      <p:nvGrpSpPr>
-        <p:cNvPr id="1" name=""/>
-        <p:cNvGrpSpPr/>
-        <p:nvPr/>
-      </p:nvGrpSpPr>
-      <p:grpSpPr>
-        <a:xfrm>
-          <a:off x="0" y="0"/>
-          <a:ext cx="0" cy="0"/>
-          <a:chOff x="0" y="0"/>
-          <a:chExt cx="0" cy="0"/>
-        </a:xfrm>
-      </p:grpSpPr>
-      <p:sp>
-        <p:nvSpPr>
-          <p:cNvPr id="4" name="Footer Placeholder 3"/>
-          <p:cNvSpPr>
-            <a:spLocks noGrp="1"/>
-          </p:cNvSpPr>
-          <p:nvPr>
-            <p:ph type="ftr" sz="quarter" idx="10"/>
-          </p:nvPr>
-        </p:nvSpPr>
-        <p:spPr/>
-        <p:txBody>
-          <a:bodyPr/>
-          <a:lstStyle>
-            <a:lvl1pPr eaLnBrk="0" hangingPunct="0">
-              <a:defRPr sz="2400">
-                <a:solidFill>
-                  <a:schemeClr val="tx1"/>
-                </a:solidFill>
-                <a:latin typeface="Times New Roman" charset="0"/>
-                <a:ea typeface="ＭＳ Ｐゴシック" charset="0"/>
-              </a:defRPr>
-            </a:lvl1pPr>
-            <a:lvl2pPr marL="742950" indent="-285750" eaLnBrk="0" hangingPunct="0">
-              <a:defRPr sz="2400">
-                <a:solidFill>
-                  <a:schemeClr val="tx1"/>
-                </a:solidFill>
-                <a:latin typeface="Times New Roman" charset="0"/>
-                <a:ea typeface="ＭＳ Ｐゴシック" charset="0"/>
-              </a:defRPr>
-            </a:lvl2pPr>
-            <a:lvl3pPr marL="1143000" indent="-228600" eaLnBrk="0" hangingPunct="0">
-              <a:defRPr sz="2400">
-                <a:solidFill>
-                  <a:schemeClr val="tx1"/>
-                </a:solidFill>
-                <a:latin typeface="Times New Roman" charset="0"/>
-                <a:ea typeface="ＭＳ Ｐゴシック" charset="0"/>
-              </a:defRPr>
-            </a:lvl3pPr>
-            <a:lvl4pPr marL="1600200" indent="-228600" eaLnBrk="0" hangingPunct="0">
-              <a:defRPr sz="2400">
-                <a:solidFill>
-                  <a:schemeClr val="tx1"/>
-                </a:solidFill>
-                <a:latin typeface="Times New Roman" charset="0"/>
-                <a:ea typeface="ＭＳ Ｐゴシック" charset="0"/>
-              </a:defRPr>
-            </a:lvl4pPr>
-            <a:lvl5pPr marL="2057400" indent="-228600" eaLnBrk="0" hangingPunct="0">
-              <a:defRPr sz="2400">
-                <a:solidFill>
-                  <a:schemeClr val="tx1"/>
-                </a:solidFill>
-                <a:latin typeface="Times New Roman" charset="0"/>
-                <a:ea typeface="ＭＳ Ｐゴシック" charset="0"/>
-              </a:defRPr>
-            </a:lvl5pPr>
-            <a:lvl6pPr marL="2514600" indent="-228600" eaLnBrk="0" fontAlgn="base" hangingPunct="0">
-              <a:spcBef>
-                <a:spcPct val="0"/>
-              </a:spcBef>
-              <a:spcAft>
-                <a:spcPct val="0"/>
-              </a:spcAft>
-              <a:defRPr sz="2400">
-                <a:solidFill>
-                  <a:schemeClr val="tx1"/>
-                </a:solidFill>
-                <a:latin typeface="Times New Roman" charset="0"/>
-                <a:ea typeface="ＭＳ Ｐゴシック" charset="0"/>
-              </a:defRPr>
-            </a:lvl6pPr>
-            <a:lvl7pPr marL="2971800" indent="-228600" eaLnBrk="0" fontAlgn="base" hangingPunct="0">
-              <a:spcBef>
-                <a:spcPct val="0"/>
-              </a:spcBef>
-              <a:spcAft>
-                <a:spcPct val="0"/>
-              </a:spcAft>
-              <a:defRPr sz="2400">
-                <a:solidFill>
-                  <a:schemeClr val="tx1"/>
-                </a:solidFill>
-                <a:latin typeface="Times New Roman" charset="0"/>
-                <a:ea typeface="ＭＳ Ｐゴシック" charset="0"/>
-              </a:defRPr>
-            </a:lvl7pPr>
-            <a:lvl8pPr marL="3429000" indent="-228600" eaLnBrk="0" fontAlgn="base" hangingPunct="0">
-              <a:spcBef>
-                <a:spcPct val="0"/>
-              </a:spcBef>
-              <a:spcAft>
-                <a:spcPct val="0"/>
-              </a:spcAft>
-              <a:defRPr sz="2400">
-                <a:solidFill>
-                  <a:schemeClr val="tx1"/>
-                </a:solidFill>
-                <a:latin typeface="Times New Roman" charset="0"/>
-                <a:ea typeface="ＭＳ Ｐゴシック" charset="0"/>
-              </a:defRPr>
-            </a:lvl8pPr>
-            <a:lvl9pPr marL="3886200" indent="-228600" eaLnBrk="0" fontAlgn="base" hangingPunct="0">
-              <a:spcBef>
-                <a:spcPct val="0"/>
-              </a:spcBef>
-              <a:spcAft>
-                <a:spcPct val="0"/>
-              </a:spcAft>
-              <a:defRPr sz="2400">
-                <a:solidFill>
-                  <a:schemeClr val="tx1"/>
-                </a:solidFill>
-                <a:latin typeface="Times New Roman" charset="0"/>
-                <a:ea typeface="ＭＳ Ｐゴシック" charset="0"/>
-              </a:defRPr>
-            </a:lvl9pPr>
-          </a:lstStyle>
-          <a:p>
-            <a:pPr eaLnBrk="1" hangingPunct="1"/>
-            <a:r>
-              <a:rPr lang="en-US" sz="1400" dirty="0">
-                <a:solidFill>
-                  <a:srgbClr val="00009B"/>
-                </a:solidFill>
-                <a:latin typeface="Arial" charset="0"/>
-              </a:rPr>
-              <a:t> Simulation 101  – Fundamental Simulation Concepts</a:t>
-            </a:r>
-          </a:p>
-        </p:txBody>
-      </p:sp>
-      <p:sp>
-        <p:nvSpPr>
-          <p:cNvPr id="5" name="Slide Number Placeholder 4"/>
-          <p:cNvSpPr>
-            <a:spLocks noGrp="1"/>
-          </p:cNvSpPr>
-          <p:nvPr>
-            <p:ph type="sldNum" sz="quarter" idx="11"/>
-          </p:nvPr>
-        </p:nvSpPr>
-        <p:spPr/>
-        <p:txBody>
-          <a:bodyPr/>
-          <a:lstStyle>
-            <a:lvl1pPr eaLnBrk="0" hangingPunct="0">
-              <a:defRPr sz="2400">
-                <a:solidFill>
-                  <a:schemeClr val="tx1"/>
-                </a:solidFill>
-                <a:latin typeface="Times New Roman" charset="0"/>
-                <a:ea typeface="ＭＳ Ｐゴシック" charset="0"/>
-              </a:defRPr>
-            </a:lvl1pPr>
-            <a:lvl2pPr marL="742950" indent="-285750" eaLnBrk="0" hangingPunct="0">
-              <a:defRPr sz="2400">
-                <a:solidFill>
-                  <a:schemeClr val="tx1"/>
-                </a:solidFill>
-                <a:latin typeface="Times New Roman" charset="0"/>
-                <a:ea typeface="ＭＳ Ｐゴシック" charset="0"/>
-              </a:defRPr>
-            </a:lvl2pPr>
-            <a:lvl3pPr marL="1143000" indent="-228600" eaLnBrk="0" hangingPunct="0">
-              <a:defRPr sz="2400">
-                <a:solidFill>
-                  <a:schemeClr val="tx1"/>
-                </a:solidFill>
-                <a:latin typeface="Times New Roman" charset="0"/>
-                <a:ea typeface="ＭＳ Ｐゴシック" charset="0"/>
-              </a:defRPr>
-            </a:lvl3pPr>
-            <a:lvl4pPr marL="1600200" indent="-228600" eaLnBrk="0" hangingPunct="0">
-              <a:defRPr sz="2400">
-                <a:solidFill>
-                  <a:schemeClr val="tx1"/>
-                </a:solidFill>
-                <a:latin typeface="Times New Roman" charset="0"/>
-                <a:ea typeface="ＭＳ Ｐゴシック" charset="0"/>
-              </a:defRPr>
-            </a:lvl4pPr>
-            <a:lvl5pPr marL="2057400" indent="-228600" eaLnBrk="0" hangingPunct="0">
-              <a:defRPr sz="2400">
-                <a:solidFill>
-                  <a:schemeClr val="tx1"/>
-                </a:solidFill>
-                <a:latin typeface="Times New Roman" charset="0"/>
-                <a:ea typeface="ＭＳ Ｐゴシック" charset="0"/>
-              </a:defRPr>
-            </a:lvl5pPr>
-            <a:lvl6pPr marL="2514600" indent="-228600" eaLnBrk="0" fontAlgn="base" hangingPunct="0">
-              <a:spcBef>
-                <a:spcPct val="0"/>
-              </a:spcBef>
-              <a:spcAft>
-                <a:spcPct val="0"/>
-              </a:spcAft>
-              <a:defRPr sz="2400">
-                <a:solidFill>
-                  <a:schemeClr val="tx1"/>
-                </a:solidFill>
-                <a:latin typeface="Times New Roman" charset="0"/>
-                <a:ea typeface="ＭＳ Ｐゴシック" charset="0"/>
-              </a:defRPr>
-            </a:lvl6pPr>
-            <a:lvl7pPr marL="2971800" indent="-228600" eaLnBrk="0" fontAlgn="base" hangingPunct="0">
-              <a:spcBef>
-                <a:spcPct val="0"/>
-              </a:spcBef>
-              <a:spcAft>
-                <a:spcPct val="0"/>
-              </a:spcAft>
-              <a:defRPr sz="2400">
-                <a:solidFill>
-                  <a:schemeClr val="tx1"/>
-                </a:solidFill>
-                <a:latin typeface="Times New Roman" charset="0"/>
-                <a:ea typeface="ＭＳ Ｐゴシック" charset="0"/>
-              </a:defRPr>
-            </a:lvl7pPr>
-            <a:lvl8pPr marL="3429000" indent="-228600" eaLnBrk="0" fontAlgn="base" hangingPunct="0">
-              <a:spcBef>
-                <a:spcPct val="0"/>
-              </a:spcBef>
-              <a:spcAft>
-                <a:spcPct val="0"/>
-              </a:spcAft>
-              <a:defRPr sz="2400">
-                <a:solidFill>
-                  <a:schemeClr val="tx1"/>
-                </a:solidFill>
-                <a:latin typeface="Times New Roman" charset="0"/>
-                <a:ea typeface="ＭＳ Ｐゴシック" charset="0"/>
-              </a:defRPr>
-            </a:lvl8pPr>
-            <a:lvl9pPr marL="3886200" indent="-228600" eaLnBrk="0" fontAlgn="base" hangingPunct="0">
-              <a:spcBef>
-                <a:spcPct val="0"/>
-              </a:spcBef>
-              <a:spcAft>
-                <a:spcPct val="0"/>
-              </a:spcAft>
-              <a:defRPr sz="2400">
-                <a:solidFill>
-                  <a:schemeClr val="tx1"/>
-                </a:solidFill>
-                <a:latin typeface="Times New Roman" charset="0"/>
-                <a:ea typeface="ＭＳ Ｐゴシック" charset="0"/>
-              </a:defRPr>
-            </a:lvl9pPr>
-          </a:lstStyle>
-          <a:p>
-            <a:pPr eaLnBrk="1" hangingPunct="1"/>
-            <a:r>
-              <a:rPr lang="en-US" sz="1400" dirty="0">
-                <a:solidFill>
-                  <a:srgbClr val="00009B"/>
-                </a:solidFill>
-                <a:latin typeface="Arial" charset="0"/>
-              </a:rPr>
-              <a:t>Slide </a:t>
-            </a:r>
-            <a:fld id="{6DD19F91-013E-4742-AA30-ECE0A1DD60DC}" type="slidenum">
-              <a:rPr lang="en-US" sz="1400" smtClean="0">
-                <a:solidFill>
-                  <a:srgbClr val="00009B"/>
-                </a:solidFill>
-                <a:latin typeface="Arial" charset="0"/>
-              </a:rPr>
-              <a:pPr eaLnBrk="1" hangingPunct="1"/>
-              <a:t>21</a:t>
-            </a:fld>
-            <a:endParaRPr lang="en-US" sz="1400" dirty="0">
-              <a:solidFill>
-                <a:srgbClr val="00009B"/>
-              </a:solidFill>
-              <a:latin typeface="Arial" charset="0"/>
-            </a:endParaRPr>
-          </a:p>
-        </p:txBody>
-      </p:sp>
-      <p:sp>
-        <p:nvSpPr>
-          <p:cNvPr id="6" name="Date Placeholder 5"/>
-          <p:cNvSpPr>
-            <a:spLocks noGrp="1"/>
-          </p:cNvSpPr>
-          <p:nvPr>
-            <p:ph type="dt" sz="quarter" idx="4294967295"/>
-          </p:nvPr>
-        </p:nvSpPr>
-        <p:spPr>
-          <a:xfrm>
-            <a:off x="228600" y="6553200"/>
-            <a:ext cx="2743200" cy="304800"/>
-          </a:xfrm>
-          <a:prstGeom prst="rect">
-            <a:avLst/>
-          </a:prstGeom>
-        </p:spPr>
-        <p:txBody>
-          <a:bodyPr/>
-          <a:lstStyle/>
-          <a:p>
-            <a:pPr>
-              <a:defRPr/>
-            </a:pPr>
-            <a:r>
-              <a:rPr lang="en-US"/>
-              <a:t> </a:t>
-            </a:r>
-            <a:endParaRPr lang="en-US" dirty="0"/>
-          </a:p>
-        </p:txBody>
-      </p:sp>
-      <p:sp>
-        <p:nvSpPr>
-          <p:cNvPr id="3077" name="Rectangle 2"/>
-          <p:cNvSpPr>
-            <a:spLocks noGrp="1" noChangeArrowheads="1"/>
-          </p:cNvSpPr>
-          <p:nvPr>
-            <p:ph type="title"/>
-          </p:nvPr>
-        </p:nvSpPr>
-        <p:spPr/>
-        <p:txBody>
-          <a:bodyPr/>
-          <a:lstStyle/>
-          <a:p>
-            <a:pPr eaLnBrk="1" hangingPunct="1"/>
-            <a:endParaRPr lang="en-US" dirty="0">
-              <a:latin typeface="Arial" charset="0"/>
-            </a:endParaRPr>
-          </a:p>
-        </p:txBody>
-      </p:sp>
-      <p:sp>
-        <p:nvSpPr>
-          <p:cNvPr id="3078" name="Rectangle 3"/>
-          <p:cNvSpPr>
-            <a:spLocks noGrp="1" noChangeArrowheads="1"/>
-          </p:cNvSpPr>
-          <p:nvPr>
-            <p:ph type="body" idx="1"/>
-          </p:nvPr>
-        </p:nvSpPr>
-        <p:spPr/>
-        <p:txBody>
-          <a:bodyPr/>
-          <a:lstStyle/>
-          <a:p>
-            <a:pPr lvl="2" eaLnBrk="1" hangingPunct="1"/>
-            <a:endParaRPr lang="en-US" dirty="0">
-              <a:latin typeface="Arial" charset="0"/>
-            </a:endParaRPr>
-          </a:p>
-        </p:txBody>
-      </p:sp>
-    </p:spTree>
-    <p:extLst>
-      <p:ext uri="{BB962C8B-B14F-4D97-AF65-F5344CB8AC3E}">
-        <p14:creationId xmlns:p14="http://schemas.microsoft.com/office/powerpoint/2010/main" val="442477597"/>
-      </p:ext>
-    </p:extLst>
-  </p:cSld>
-  <p:clrMapOvr>
-    <a:masterClrMapping/>
-  </p:clrMapOvr>
-</p:sld>
-</file>
-
-<file path=ppt/slides/slide22.xml><?xml version="1.0" encoding="utf-8"?>
-<p:sld xmlns:a="http://schemas.openxmlformats.org/drawingml/2006/main" xmlns:r="http://schemas.openxmlformats.org/officeDocument/2006/relationships" xmlns:p="http://schemas.openxmlformats.org/presentationml/2006/main" show="0">
-  <p:cSld>
-    <p:spTree>
-      <p:nvGrpSpPr>
-        <p:cNvPr id="1" name=""/>
-        <p:cNvGrpSpPr/>
-        <p:nvPr/>
-      </p:nvGrpSpPr>
-      <p:grpSpPr>
-        <a:xfrm>
-          <a:off x="0" y="0"/>
-          <a:ext cx="0" cy="0"/>
-          <a:chOff x="0" y="0"/>
-          <a:chExt cx="0" cy="0"/>
-        </a:xfrm>
-      </p:grpSpPr>
-      <p:sp>
-        <p:nvSpPr>
-          <p:cNvPr id="4" name="Footer Placeholder 3"/>
-          <p:cNvSpPr>
-            <a:spLocks noGrp="1"/>
-          </p:cNvSpPr>
-          <p:nvPr>
-            <p:ph type="ftr" sz="quarter" idx="10"/>
-          </p:nvPr>
-        </p:nvSpPr>
-        <p:spPr/>
-        <p:txBody>
-          <a:bodyPr/>
-          <a:lstStyle>
-            <a:lvl1pPr eaLnBrk="0" hangingPunct="0">
-              <a:defRPr sz="2400">
-                <a:solidFill>
-                  <a:schemeClr val="tx1"/>
-                </a:solidFill>
-                <a:latin typeface="Times New Roman" charset="0"/>
-                <a:ea typeface="ＭＳ Ｐゴシック" charset="0"/>
-              </a:defRPr>
-            </a:lvl1pPr>
-            <a:lvl2pPr marL="742950" indent="-285750" eaLnBrk="0" hangingPunct="0">
-              <a:defRPr sz="2400">
-                <a:solidFill>
-                  <a:schemeClr val="tx1"/>
-                </a:solidFill>
-                <a:latin typeface="Times New Roman" charset="0"/>
-                <a:ea typeface="ＭＳ Ｐゴシック" charset="0"/>
-              </a:defRPr>
-            </a:lvl2pPr>
-            <a:lvl3pPr marL="1143000" indent="-228600" eaLnBrk="0" hangingPunct="0">
-              <a:defRPr sz="2400">
-                <a:solidFill>
-                  <a:schemeClr val="tx1"/>
-                </a:solidFill>
-                <a:latin typeface="Times New Roman" charset="0"/>
-                <a:ea typeface="ＭＳ Ｐゴシック" charset="0"/>
-              </a:defRPr>
-            </a:lvl3pPr>
-            <a:lvl4pPr marL="1600200" indent="-228600" eaLnBrk="0" hangingPunct="0">
-              <a:defRPr sz="2400">
-                <a:solidFill>
-                  <a:schemeClr val="tx1"/>
-                </a:solidFill>
-                <a:latin typeface="Times New Roman" charset="0"/>
-                <a:ea typeface="ＭＳ Ｐゴシック" charset="0"/>
-              </a:defRPr>
-            </a:lvl4pPr>
-            <a:lvl5pPr marL="2057400" indent="-228600" eaLnBrk="0" hangingPunct="0">
-              <a:defRPr sz="2400">
-                <a:solidFill>
-                  <a:schemeClr val="tx1"/>
-                </a:solidFill>
-                <a:latin typeface="Times New Roman" charset="0"/>
-                <a:ea typeface="ＭＳ Ｐゴシック" charset="0"/>
-              </a:defRPr>
-            </a:lvl5pPr>
-            <a:lvl6pPr marL="2514600" indent="-228600" eaLnBrk="0" fontAlgn="base" hangingPunct="0">
-              <a:spcBef>
-                <a:spcPct val="0"/>
-              </a:spcBef>
-              <a:spcAft>
-                <a:spcPct val="0"/>
-              </a:spcAft>
-              <a:defRPr sz="2400">
-                <a:solidFill>
-                  <a:schemeClr val="tx1"/>
-                </a:solidFill>
-                <a:latin typeface="Times New Roman" charset="0"/>
-                <a:ea typeface="ＭＳ Ｐゴシック" charset="0"/>
-              </a:defRPr>
-            </a:lvl6pPr>
-            <a:lvl7pPr marL="2971800" indent="-228600" eaLnBrk="0" fontAlgn="base" hangingPunct="0">
-              <a:spcBef>
-                <a:spcPct val="0"/>
-              </a:spcBef>
-              <a:spcAft>
-                <a:spcPct val="0"/>
-              </a:spcAft>
-              <a:defRPr sz="2400">
-                <a:solidFill>
-                  <a:schemeClr val="tx1"/>
-                </a:solidFill>
-                <a:latin typeface="Times New Roman" charset="0"/>
-                <a:ea typeface="ＭＳ Ｐゴシック" charset="0"/>
-              </a:defRPr>
-            </a:lvl7pPr>
-            <a:lvl8pPr marL="3429000" indent="-228600" eaLnBrk="0" fontAlgn="base" hangingPunct="0">
-              <a:spcBef>
-                <a:spcPct val="0"/>
-              </a:spcBef>
-              <a:spcAft>
-                <a:spcPct val="0"/>
-              </a:spcAft>
-              <a:defRPr sz="2400">
-                <a:solidFill>
-                  <a:schemeClr val="tx1"/>
-                </a:solidFill>
-                <a:latin typeface="Times New Roman" charset="0"/>
-                <a:ea typeface="ＭＳ Ｐゴシック" charset="0"/>
-              </a:defRPr>
-            </a:lvl8pPr>
-            <a:lvl9pPr marL="3886200" indent="-228600" eaLnBrk="0" fontAlgn="base" hangingPunct="0">
-              <a:spcBef>
-                <a:spcPct val="0"/>
-              </a:spcBef>
-              <a:spcAft>
-                <a:spcPct val="0"/>
-              </a:spcAft>
-              <a:defRPr sz="2400">
-                <a:solidFill>
-                  <a:schemeClr val="tx1"/>
-                </a:solidFill>
-                <a:latin typeface="Times New Roman" charset="0"/>
-                <a:ea typeface="ＭＳ Ｐゴシック" charset="0"/>
-              </a:defRPr>
-            </a:lvl9pPr>
-          </a:lstStyle>
-          <a:p>
-            <a:pPr eaLnBrk="1" hangingPunct="1"/>
-            <a:r>
-              <a:rPr lang="en-US" sz="1400" dirty="0">
-                <a:solidFill>
-                  <a:srgbClr val="00009B"/>
-                </a:solidFill>
-                <a:latin typeface="Arial" charset="0"/>
-              </a:rPr>
-              <a:t> Simulation 101  – Fundamental Simulation Concepts</a:t>
-            </a:r>
-          </a:p>
-        </p:txBody>
-      </p:sp>
-      <p:sp>
-        <p:nvSpPr>
-          <p:cNvPr id="5" name="Slide Number Placeholder 4"/>
-          <p:cNvSpPr>
-            <a:spLocks noGrp="1"/>
-          </p:cNvSpPr>
-          <p:nvPr>
-            <p:ph type="sldNum" sz="quarter" idx="11"/>
-          </p:nvPr>
-        </p:nvSpPr>
-        <p:spPr/>
-        <p:txBody>
-          <a:bodyPr/>
-          <a:lstStyle>
-            <a:lvl1pPr eaLnBrk="0" hangingPunct="0">
-              <a:defRPr sz="2400">
-                <a:solidFill>
-                  <a:schemeClr val="tx1"/>
-                </a:solidFill>
-                <a:latin typeface="Times New Roman" charset="0"/>
-                <a:ea typeface="ＭＳ Ｐゴシック" charset="0"/>
-              </a:defRPr>
-            </a:lvl1pPr>
-            <a:lvl2pPr marL="742950" indent="-285750" eaLnBrk="0" hangingPunct="0">
-              <a:defRPr sz="2400">
-                <a:solidFill>
-                  <a:schemeClr val="tx1"/>
-                </a:solidFill>
-                <a:latin typeface="Times New Roman" charset="0"/>
-                <a:ea typeface="ＭＳ Ｐゴシック" charset="0"/>
-              </a:defRPr>
-            </a:lvl2pPr>
-            <a:lvl3pPr marL="1143000" indent="-228600" eaLnBrk="0" hangingPunct="0">
-              <a:defRPr sz="2400">
-                <a:solidFill>
-                  <a:schemeClr val="tx1"/>
-                </a:solidFill>
-                <a:latin typeface="Times New Roman" charset="0"/>
-                <a:ea typeface="ＭＳ Ｐゴシック" charset="0"/>
-              </a:defRPr>
-            </a:lvl3pPr>
-            <a:lvl4pPr marL="1600200" indent="-228600" eaLnBrk="0" hangingPunct="0">
-              <a:defRPr sz="2400">
-                <a:solidFill>
-                  <a:schemeClr val="tx1"/>
-                </a:solidFill>
-                <a:latin typeface="Times New Roman" charset="0"/>
-                <a:ea typeface="ＭＳ Ｐゴシック" charset="0"/>
-              </a:defRPr>
-            </a:lvl4pPr>
-            <a:lvl5pPr marL="2057400" indent="-228600" eaLnBrk="0" hangingPunct="0">
-              <a:defRPr sz="2400">
-                <a:solidFill>
-                  <a:schemeClr val="tx1"/>
-                </a:solidFill>
-                <a:latin typeface="Times New Roman" charset="0"/>
-                <a:ea typeface="ＭＳ Ｐゴシック" charset="0"/>
-              </a:defRPr>
-            </a:lvl5pPr>
-            <a:lvl6pPr marL="2514600" indent="-228600" eaLnBrk="0" fontAlgn="base" hangingPunct="0">
-              <a:spcBef>
-                <a:spcPct val="0"/>
-              </a:spcBef>
-              <a:spcAft>
-                <a:spcPct val="0"/>
-              </a:spcAft>
-              <a:defRPr sz="2400">
-                <a:solidFill>
-                  <a:schemeClr val="tx1"/>
-                </a:solidFill>
-                <a:latin typeface="Times New Roman" charset="0"/>
-                <a:ea typeface="ＭＳ Ｐゴシック" charset="0"/>
-              </a:defRPr>
-            </a:lvl6pPr>
-            <a:lvl7pPr marL="2971800" indent="-228600" eaLnBrk="0" fontAlgn="base" hangingPunct="0">
-              <a:spcBef>
-                <a:spcPct val="0"/>
-              </a:spcBef>
-              <a:spcAft>
-                <a:spcPct val="0"/>
-              </a:spcAft>
-              <a:defRPr sz="2400">
-                <a:solidFill>
-                  <a:schemeClr val="tx1"/>
-                </a:solidFill>
-                <a:latin typeface="Times New Roman" charset="0"/>
-                <a:ea typeface="ＭＳ Ｐゴシック" charset="0"/>
-              </a:defRPr>
-            </a:lvl7pPr>
-            <a:lvl8pPr marL="3429000" indent="-228600" eaLnBrk="0" fontAlgn="base" hangingPunct="0">
-              <a:spcBef>
-                <a:spcPct val="0"/>
-              </a:spcBef>
-              <a:spcAft>
-                <a:spcPct val="0"/>
-              </a:spcAft>
-              <a:defRPr sz="2400">
-                <a:solidFill>
-                  <a:schemeClr val="tx1"/>
-                </a:solidFill>
-                <a:latin typeface="Times New Roman" charset="0"/>
-                <a:ea typeface="ＭＳ Ｐゴシック" charset="0"/>
-              </a:defRPr>
-            </a:lvl8pPr>
-            <a:lvl9pPr marL="3886200" indent="-228600" eaLnBrk="0" fontAlgn="base" hangingPunct="0">
-              <a:spcBef>
-                <a:spcPct val="0"/>
-              </a:spcBef>
-              <a:spcAft>
-                <a:spcPct val="0"/>
-              </a:spcAft>
-              <a:defRPr sz="2400">
-                <a:solidFill>
-                  <a:schemeClr val="tx1"/>
-                </a:solidFill>
-                <a:latin typeface="Times New Roman" charset="0"/>
-                <a:ea typeface="ＭＳ Ｐゴシック" charset="0"/>
-              </a:defRPr>
-            </a:lvl9pPr>
-          </a:lstStyle>
-          <a:p>
-            <a:pPr eaLnBrk="1" hangingPunct="1"/>
-            <a:r>
-              <a:rPr lang="en-US" sz="1400" dirty="0">
-                <a:solidFill>
-                  <a:srgbClr val="00009B"/>
-                </a:solidFill>
-                <a:latin typeface="Arial" charset="0"/>
-              </a:rPr>
-              <a:t>Slide </a:t>
-            </a:r>
-            <a:fld id="{6DD19F91-013E-4742-AA30-ECE0A1DD60DC}" type="slidenum">
-              <a:rPr lang="en-US" sz="1400" smtClean="0">
-                <a:solidFill>
-                  <a:srgbClr val="00009B"/>
-                </a:solidFill>
-                <a:latin typeface="Arial" charset="0"/>
-              </a:rPr>
-              <a:pPr eaLnBrk="1" hangingPunct="1"/>
-              <a:t>22</a:t>
-            </a:fld>
-            <a:endParaRPr lang="en-US" sz="1400" dirty="0">
-              <a:solidFill>
-                <a:srgbClr val="00009B"/>
-              </a:solidFill>
-              <a:latin typeface="Arial" charset="0"/>
-            </a:endParaRPr>
-          </a:p>
-        </p:txBody>
-      </p:sp>
-      <p:sp>
-        <p:nvSpPr>
-          <p:cNvPr id="6" name="Date Placeholder 5"/>
-          <p:cNvSpPr>
-            <a:spLocks noGrp="1"/>
-          </p:cNvSpPr>
-          <p:nvPr>
-            <p:ph type="dt" sz="quarter" idx="4294967295"/>
-          </p:nvPr>
-        </p:nvSpPr>
-        <p:spPr>
-          <a:xfrm>
-            <a:off x="228600" y="6553200"/>
-            <a:ext cx="2743200" cy="304800"/>
-          </a:xfrm>
-          <a:prstGeom prst="rect">
-            <a:avLst/>
-          </a:prstGeom>
-        </p:spPr>
-        <p:txBody>
-          <a:bodyPr/>
-          <a:lstStyle/>
-          <a:p>
-            <a:pPr>
-              <a:defRPr/>
-            </a:pPr>
-            <a:r>
-              <a:rPr lang="en-US"/>
-              <a:t> </a:t>
-            </a:r>
-            <a:endParaRPr lang="en-US" dirty="0"/>
-          </a:p>
-        </p:txBody>
-      </p:sp>
-      <p:sp>
-        <p:nvSpPr>
-          <p:cNvPr id="3077" name="Rectangle 2"/>
-          <p:cNvSpPr>
-            <a:spLocks noGrp="1" noChangeArrowheads="1"/>
-          </p:cNvSpPr>
-          <p:nvPr>
-            <p:ph type="title"/>
-          </p:nvPr>
-        </p:nvSpPr>
-        <p:spPr/>
-        <p:txBody>
-          <a:bodyPr/>
-          <a:lstStyle/>
-          <a:p>
-            <a:pPr eaLnBrk="1" hangingPunct="1"/>
-            <a:r>
-              <a:rPr lang="en-US" dirty="0"/>
-              <a:t>Monte Carlo Methods</a:t>
-            </a:r>
-            <a:endParaRPr lang="en-US" dirty="0">
-              <a:latin typeface="Arial" charset="0"/>
-            </a:endParaRPr>
-          </a:p>
-        </p:txBody>
-      </p:sp>
-      <p:sp>
-        <p:nvSpPr>
-          <p:cNvPr id="3078" name="Rectangle 3"/>
-          <p:cNvSpPr>
-            <a:spLocks noGrp="1" noChangeArrowheads="1"/>
-          </p:cNvSpPr>
-          <p:nvPr>
-            <p:ph type="body" idx="1"/>
-          </p:nvPr>
-        </p:nvSpPr>
-        <p:spPr/>
-        <p:txBody>
-          <a:bodyPr/>
-          <a:lstStyle/>
-          <a:p>
-            <a:r>
-              <a:rPr lang="en-US" dirty="0"/>
-              <a:t>“Monte Carlo methods (or Monte Carlo experiments) </a:t>
-            </a:r>
-          </a:p>
-          <a:p>
-            <a:pPr lvl="1"/>
-            <a:r>
-              <a:rPr lang="en-US" dirty="0"/>
-              <a:t>Computational algorithms  </a:t>
-            </a:r>
-          </a:p>
-          <a:p>
-            <a:pPr lvl="1"/>
-            <a:r>
-              <a:rPr lang="en-US" dirty="0"/>
-              <a:t>Rely on repeated random sampling to obtain numerical results. </a:t>
-            </a:r>
-          </a:p>
-          <a:p>
-            <a:pPr lvl="1"/>
-            <a:r>
-              <a:rPr lang="en-US" dirty="0"/>
-              <a:t>Often used in physical and mathematical problems (specially when it is difficult or impossible to use other mathematical methods) </a:t>
-            </a:r>
-          </a:p>
-          <a:p>
-            <a:pPr lvl="1"/>
-            <a:r>
-              <a:rPr lang="en-US" dirty="0"/>
-              <a:t>Monte Carlo methods are mainly used in three distinct problem classes: </a:t>
-            </a:r>
-            <a:r>
-              <a:rPr lang="en-US" dirty="0">
-                <a:solidFill>
-                  <a:srgbClr val="FF0000"/>
-                </a:solidFill>
-              </a:rPr>
-              <a:t>optimization</a:t>
-            </a:r>
-            <a:r>
-              <a:rPr lang="en-US" dirty="0"/>
-              <a:t>, </a:t>
-            </a:r>
-            <a:r>
-              <a:rPr lang="en-US" dirty="0">
-                <a:solidFill>
-                  <a:srgbClr val="0000FF"/>
-                </a:solidFill>
-              </a:rPr>
-              <a:t>numerical integration</a:t>
-            </a:r>
-            <a:r>
-              <a:rPr lang="en-US" dirty="0"/>
-              <a:t>, and </a:t>
-            </a:r>
-            <a:r>
-              <a:rPr lang="en-US" dirty="0">
-                <a:solidFill>
-                  <a:schemeClr val="accent2">
-                    <a:lumMod val="75000"/>
-                  </a:schemeClr>
-                </a:solidFill>
-              </a:rPr>
-              <a:t>generating draws from a probability distribution</a:t>
-            </a:r>
-            <a:r>
-              <a:rPr lang="en-US" dirty="0"/>
-              <a:t>.”</a:t>
-            </a:r>
-          </a:p>
-          <a:p>
-            <a:pPr lvl="2" eaLnBrk="1" hangingPunct="1"/>
-            <a:endParaRPr lang="en-US" dirty="0">
-              <a:latin typeface="Arial" charset="0"/>
-            </a:endParaRPr>
-          </a:p>
-        </p:txBody>
-      </p:sp>
-      <p:sp>
-        <p:nvSpPr>
-          <p:cNvPr id="2" name="Rectangle 1">
-            <a:extLst>
-              <a:ext uri="{FF2B5EF4-FFF2-40B4-BE49-F238E27FC236}">
-                <a16:creationId xmlns:a16="http://schemas.microsoft.com/office/drawing/2014/main" id="{246B0381-D8E2-0140-AC88-BFB4660D524B}"/>
-              </a:ext>
-            </a:extLst>
-          </p:cNvPr>
-          <p:cNvSpPr/>
-          <p:nvPr/>
-        </p:nvSpPr>
-        <p:spPr>
-          <a:xfrm>
-            <a:off x="6227176" y="6053435"/>
-            <a:ext cx="2916824" cy="461665"/>
-          </a:xfrm>
-          <a:prstGeom prst="rect">
-            <a:avLst/>
-          </a:prstGeom>
-        </p:spPr>
-        <p:txBody>
-          <a:bodyPr wrap="none">
-            <a:spAutoFit/>
-          </a:bodyPr>
-          <a:lstStyle/>
-          <a:p>
-            <a:r>
-              <a:rPr lang="en-US" i="1" dirty="0"/>
-              <a:t>Courtesy of Wikipedia</a:t>
-            </a:r>
-          </a:p>
-        </p:txBody>
-      </p:sp>
-    </p:spTree>
-    <p:extLst>
-      <p:ext uri="{BB962C8B-B14F-4D97-AF65-F5344CB8AC3E}">
-        <p14:creationId xmlns:p14="http://schemas.microsoft.com/office/powerpoint/2010/main" val="3081495163"/>
-      </p:ext>
-    </p:extLst>
-  </p:cSld>
-  <p:clrMapOvr>
-    <a:masterClrMapping/>
-  </p:clrMapOvr>
-</p:sld>
-</file>
-
-<file path=ppt/slides/slide23.xml><?xml version="1.0" encoding="utf-8"?>
-<p:sld xmlns:a="http://schemas.openxmlformats.org/drawingml/2006/main" xmlns:r="http://schemas.openxmlformats.org/officeDocument/2006/relationships" xmlns:p="http://schemas.openxmlformats.org/presentationml/2006/main" show="0">
-  <p:cSld>
-    <p:spTree>
-      <p:nvGrpSpPr>
-        <p:cNvPr id="1" name=""/>
-        <p:cNvGrpSpPr/>
-        <p:nvPr/>
-      </p:nvGrpSpPr>
-      <p:grpSpPr>
-        <a:xfrm>
-          <a:off x="0" y="0"/>
-          <a:ext cx="0" cy="0"/>
-          <a:chOff x="0" y="0"/>
-          <a:chExt cx="0" cy="0"/>
-        </a:xfrm>
-      </p:grpSpPr>
-      <p:sp>
-        <p:nvSpPr>
-          <p:cNvPr id="4" name="Footer Placeholder 3"/>
-          <p:cNvSpPr>
-            <a:spLocks noGrp="1"/>
-          </p:cNvSpPr>
-          <p:nvPr>
-            <p:ph type="ftr" sz="quarter" idx="10"/>
-          </p:nvPr>
-        </p:nvSpPr>
-        <p:spPr/>
-        <p:txBody>
-          <a:bodyPr/>
-          <a:lstStyle>
-            <a:lvl1pPr eaLnBrk="0" hangingPunct="0">
-              <a:defRPr sz="2400">
-                <a:solidFill>
-                  <a:schemeClr val="tx1"/>
-                </a:solidFill>
-                <a:latin typeface="Times New Roman" charset="0"/>
-                <a:ea typeface="ＭＳ Ｐゴシック" charset="0"/>
-              </a:defRPr>
-            </a:lvl1pPr>
-            <a:lvl2pPr marL="742950" indent="-285750" eaLnBrk="0" hangingPunct="0">
-              <a:defRPr sz="2400">
-                <a:solidFill>
-                  <a:schemeClr val="tx1"/>
-                </a:solidFill>
-                <a:latin typeface="Times New Roman" charset="0"/>
-                <a:ea typeface="ＭＳ Ｐゴシック" charset="0"/>
-              </a:defRPr>
-            </a:lvl2pPr>
-            <a:lvl3pPr marL="1143000" indent="-228600" eaLnBrk="0" hangingPunct="0">
-              <a:defRPr sz="2400">
-                <a:solidFill>
-                  <a:schemeClr val="tx1"/>
-                </a:solidFill>
-                <a:latin typeface="Times New Roman" charset="0"/>
-                <a:ea typeface="ＭＳ Ｐゴシック" charset="0"/>
-              </a:defRPr>
-            </a:lvl3pPr>
-            <a:lvl4pPr marL="1600200" indent="-228600" eaLnBrk="0" hangingPunct="0">
-              <a:defRPr sz="2400">
-                <a:solidFill>
-                  <a:schemeClr val="tx1"/>
-                </a:solidFill>
-                <a:latin typeface="Times New Roman" charset="0"/>
-                <a:ea typeface="ＭＳ Ｐゴシック" charset="0"/>
-              </a:defRPr>
-            </a:lvl4pPr>
-            <a:lvl5pPr marL="2057400" indent="-228600" eaLnBrk="0" hangingPunct="0">
-              <a:defRPr sz="2400">
-                <a:solidFill>
-                  <a:schemeClr val="tx1"/>
-                </a:solidFill>
-                <a:latin typeface="Times New Roman" charset="0"/>
-                <a:ea typeface="ＭＳ Ｐゴシック" charset="0"/>
-              </a:defRPr>
-            </a:lvl5pPr>
-            <a:lvl6pPr marL="2514600" indent="-228600" eaLnBrk="0" fontAlgn="base" hangingPunct="0">
-              <a:spcBef>
-                <a:spcPct val="0"/>
-              </a:spcBef>
-              <a:spcAft>
-                <a:spcPct val="0"/>
-              </a:spcAft>
-              <a:defRPr sz="2400">
-                <a:solidFill>
-                  <a:schemeClr val="tx1"/>
-                </a:solidFill>
-                <a:latin typeface="Times New Roman" charset="0"/>
-                <a:ea typeface="ＭＳ Ｐゴシック" charset="0"/>
-              </a:defRPr>
-            </a:lvl6pPr>
-            <a:lvl7pPr marL="2971800" indent="-228600" eaLnBrk="0" fontAlgn="base" hangingPunct="0">
-              <a:spcBef>
-                <a:spcPct val="0"/>
-              </a:spcBef>
-              <a:spcAft>
-                <a:spcPct val="0"/>
-              </a:spcAft>
-              <a:defRPr sz="2400">
-                <a:solidFill>
-                  <a:schemeClr val="tx1"/>
-                </a:solidFill>
-                <a:latin typeface="Times New Roman" charset="0"/>
-                <a:ea typeface="ＭＳ Ｐゴシック" charset="0"/>
-              </a:defRPr>
-            </a:lvl7pPr>
-            <a:lvl8pPr marL="3429000" indent="-228600" eaLnBrk="0" fontAlgn="base" hangingPunct="0">
-              <a:spcBef>
-                <a:spcPct val="0"/>
-              </a:spcBef>
-              <a:spcAft>
-                <a:spcPct val="0"/>
-              </a:spcAft>
-              <a:defRPr sz="2400">
-                <a:solidFill>
-                  <a:schemeClr val="tx1"/>
-                </a:solidFill>
-                <a:latin typeface="Times New Roman" charset="0"/>
-                <a:ea typeface="ＭＳ Ｐゴシック" charset="0"/>
-              </a:defRPr>
-            </a:lvl8pPr>
-            <a:lvl9pPr marL="3886200" indent="-228600" eaLnBrk="0" fontAlgn="base" hangingPunct="0">
-              <a:spcBef>
-                <a:spcPct val="0"/>
-              </a:spcBef>
-              <a:spcAft>
-                <a:spcPct val="0"/>
-              </a:spcAft>
-              <a:defRPr sz="2400">
-                <a:solidFill>
-                  <a:schemeClr val="tx1"/>
-                </a:solidFill>
-                <a:latin typeface="Times New Roman" charset="0"/>
-                <a:ea typeface="ＭＳ Ｐゴシック" charset="0"/>
-              </a:defRPr>
-            </a:lvl9pPr>
-          </a:lstStyle>
-          <a:p>
-            <a:pPr eaLnBrk="1" hangingPunct="1"/>
-            <a:r>
-              <a:rPr lang="en-US" sz="1400" dirty="0">
-                <a:solidFill>
-                  <a:srgbClr val="00009B"/>
-                </a:solidFill>
-                <a:latin typeface="Arial" charset="0"/>
-              </a:rPr>
-              <a:t> Simulation 101  – Fundamental Simulation Concepts</a:t>
-            </a:r>
-          </a:p>
-        </p:txBody>
-      </p:sp>
-      <p:sp>
-        <p:nvSpPr>
-          <p:cNvPr id="5" name="Slide Number Placeholder 4"/>
-          <p:cNvSpPr>
-            <a:spLocks noGrp="1"/>
-          </p:cNvSpPr>
-          <p:nvPr>
-            <p:ph type="sldNum" sz="quarter" idx="11"/>
-          </p:nvPr>
-        </p:nvSpPr>
-        <p:spPr/>
-        <p:txBody>
-          <a:bodyPr/>
-          <a:lstStyle>
-            <a:lvl1pPr eaLnBrk="0" hangingPunct="0">
-              <a:defRPr sz="2400">
-                <a:solidFill>
-                  <a:schemeClr val="tx1"/>
-                </a:solidFill>
-                <a:latin typeface="Times New Roman" charset="0"/>
-                <a:ea typeface="ＭＳ Ｐゴシック" charset="0"/>
-              </a:defRPr>
-            </a:lvl1pPr>
-            <a:lvl2pPr marL="742950" indent="-285750" eaLnBrk="0" hangingPunct="0">
-              <a:defRPr sz="2400">
-                <a:solidFill>
-                  <a:schemeClr val="tx1"/>
-                </a:solidFill>
-                <a:latin typeface="Times New Roman" charset="0"/>
-                <a:ea typeface="ＭＳ Ｐゴシック" charset="0"/>
-              </a:defRPr>
-            </a:lvl2pPr>
-            <a:lvl3pPr marL="1143000" indent="-228600" eaLnBrk="0" hangingPunct="0">
-              <a:defRPr sz="2400">
-                <a:solidFill>
-                  <a:schemeClr val="tx1"/>
-                </a:solidFill>
-                <a:latin typeface="Times New Roman" charset="0"/>
-                <a:ea typeface="ＭＳ Ｐゴシック" charset="0"/>
-              </a:defRPr>
-            </a:lvl3pPr>
-            <a:lvl4pPr marL="1600200" indent="-228600" eaLnBrk="0" hangingPunct="0">
-              <a:defRPr sz="2400">
-                <a:solidFill>
-                  <a:schemeClr val="tx1"/>
-                </a:solidFill>
-                <a:latin typeface="Times New Roman" charset="0"/>
-                <a:ea typeface="ＭＳ Ｐゴシック" charset="0"/>
-              </a:defRPr>
-            </a:lvl4pPr>
-            <a:lvl5pPr marL="2057400" indent="-228600" eaLnBrk="0" hangingPunct="0">
-              <a:defRPr sz="2400">
-                <a:solidFill>
-                  <a:schemeClr val="tx1"/>
-                </a:solidFill>
-                <a:latin typeface="Times New Roman" charset="0"/>
-                <a:ea typeface="ＭＳ Ｐゴシック" charset="0"/>
-              </a:defRPr>
-            </a:lvl5pPr>
-            <a:lvl6pPr marL="2514600" indent="-228600" eaLnBrk="0" fontAlgn="base" hangingPunct="0">
-              <a:spcBef>
-                <a:spcPct val="0"/>
-              </a:spcBef>
-              <a:spcAft>
-                <a:spcPct val="0"/>
-              </a:spcAft>
-              <a:defRPr sz="2400">
-                <a:solidFill>
-                  <a:schemeClr val="tx1"/>
-                </a:solidFill>
-                <a:latin typeface="Times New Roman" charset="0"/>
-                <a:ea typeface="ＭＳ Ｐゴシック" charset="0"/>
-              </a:defRPr>
-            </a:lvl6pPr>
-            <a:lvl7pPr marL="2971800" indent="-228600" eaLnBrk="0" fontAlgn="base" hangingPunct="0">
-              <a:spcBef>
-                <a:spcPct val="0"/>
-              </a:spcBef>
-              <a:spcAft>
-                <a:spcPct val="0"/>
-              </a:spcAft>
-              <a:defRPr sz="2400">
-                <a:solidFill>
-                  <a:schemeClr val="tx1"/>
-                </a:solidFill>
-                <a:latin typeface="Times New Roman" charset="0"/>
-                <a:ea typeface="ＭＳ Ｐゴシック" charset="0"/>
-              </a:defRPr>
-            </a:lvl7pPr>
-            <a:lvl8pPr marL="3429000" indent="-228600" eaLnBrk="0" fontAlgn="base" hangingPunct="0">
-              <a:spcBef>
-                <a:spcPct val="0"/>
-              </a:spcBef>
-              <a:spcAft>
-                <a:spcPct val="0"/>
-              </a:spcAft>
-              <a:defRPr sz="2400">
-                <a:solidFill>
-                  <a:schemeClr val="tx1"/>
-                </a:solidFill>
-                <a:latin typeface="Times New Roman" charset="0"/>
-                <a:ea typeface="ＭＳ Ｐゴシック" charset="0"/>
-              </a:defRPr>
-            </a:lvl8pPr>
-            <a:lvl9pPr marL="3886200" indent="-228600" eaLnBrk="0" fontAlgn="base" hangingPunct="0">
-              <a:spcBef>
-                <a:spcPct val="0"/>
-              </a:spcBef>
-              <a:spcAft>
-                <a:spcPct val="0"/>
-              </a:spcAft>
-              <a:defRPr sz="2400">
-                <a:solidFill>
-                  <a:schemeClr val="tx1"/>
-                </a:solidFill>
-                <a:latin typeface="Times New Roman" charset="0"/>
-                <a:ea typeface="ＭＳ Ｐゴシック" charset="0"/>
-              </a:defRPr>
-            </a:lvl9pPr>
-          </a:lstStyle>
-          <a:p>
-            <a:pPr eaLnBrk="1" hangingPunct="1"/>
-            <a:r>
-              <a:rPr lang="en-US" sz="1400" dirty="0">
-                <a:solidFill>
-                  <a:srgbClr val="00009B"/>
-                </a:solidFill>
-                <a:latin typeface="Arial" charset="0"/>
-              </a:rPr>
-              <a:t>Slide </a:t>
-            </a:r>
-            <a:fld id="{6DD19F91-013E-4742-AA30-ECE0A1DD60DC}" type="slidenum">
-              <a:rPr lang="en-US" sz="1400" smtClean="0">
-                <a:solidFill>
-                  <a:srgbClr val="00009B"/>
-                </a:solidFill>
-                <a:latin typeface="Arial" charset="0"/>
-              </a:rPr>
-              <a:pPr eaLnBrk="1" hangingPunct="1"/>
-              <a:t>23</a:t>
-            </a:fld>
-            <a:endParaRPr lang="en-US" sz="1400" dirty="0">
-              <a:solidFill>
-                <a:srgbClr val="00009B"/>
-              </a:solidFill>
-              <a:latin typeface="Arial" charset="0"/>
-            </a:endParaRPr>
-          </a:p>
-        </p:txBody>
-      </p:sp>
-      <p:sp>
-        <p:nvSpPr>
-          <p:cNvPr id="6" name="Date Placeholder 5"/>
-          <p:cNvSpPr>
-            <a:spLocks noGrp="1"/>
-          </p:cNvSpPr>
-          <p:nvPr>
-            <p:ph type="dt" sz="quarter" idx="4294967295"/>
-          </p:nvPr>
-        </p:nvSpPr>
-        <p:spPr>
-          <a:xfrm>
-            <a:off x="228600" y="6553200"/>
-            <a:ext cx="2743200" cy="304800"/>
-          </a:xfrm>
-          <a:prstGeom prst="rect">
-            <a:avLst/>
-          </a:prstGeom>
-        </p:spPr>
-        <p:txBody>
-          <a:bodyPr/>
-          <a:lstStyle/>
-          <a:p>
-            <a:pPr>
-              <a:defRPr/>
-            </a:pPr>
-            <a:r>
-              <a:rPr lang="en-US"/>
-              <a:t> </a:t>
-            </a:r>
-            <a:endParaRPr lang="en-US" dirty="0"/>
-          </a:p>
-        </p:txBody>
-      </p:sp>
-      <p:sp>
-        <p:nvSpPr>
-          <p:cNvPr id="3077" name="Rectangle 2"/>
-          <p:cNvSpPr>
-            <a:spLocks noGrp="1" noChangeArrowheads="1"/>
-          </p:cNvSpPr>
-          <p:nvPr>
-            <p:ph type="title"/>
-          </p:nvPr>
-        </p:nvSpPr>
-        <p:spPr/>
-        <p:txBody>
-          <a:bodyPr/>
-          <a:lstStyle/>
-          <a:p>
-            <a:pPr eaLnBrk="1" hangingPunct="1"/>
-            <a:r>
-              <a:rPr lang="en-US" dirty="0"/>
-              <a:t>Monte Carlo Methods</a:t>
-            </a:r>
-            <a:endParaRPr lang="en-US" dirty="0">
-              <a:latin typeface="Arial" charset="0"/>
-            </a:endParaRPr>
-          </a:p>
-        </p:txBody>
-      </p:sp>
-      <p:sp>
-        <p:nvSpPr>
-          <p:cNvPr id="3078" name="Rectangle 3"/>
-          <p:cNvSpPr>
-            <a:spLocks noGrp="1" noChangeArrowheads="1"/>
-          </p:cNvSpPr>
-          <p:nvPr>
-            <p:ph type="body" idx="1"/>
-          </p:nvPr>
-        </p:nvSpPr>
-        <p:spPr/>
-        <p:txBody>
-          <a:bodyPr/>
-          <a:lstStyle/>
-          <a:p>
-            <a:pPr eaLnBrk="1" hangingPunct="1"/>
-            <a:r>
-              <a:rPr lang="en-US" dirty="0">
-                <a:latin typeface="Arial" charset="0"/>
-              </a:rPr>
-              <a:t>These methods</a:t>
-            </a:r>
-          </a:p>
-          <a:p>
-            <a:pPr lvl="1" eaLnBrk="1" hangingPunct="1"/>
-            <a:r>
-              <a:rPr lang="en-US" dirty="0">
-                <a:latin typeface="Arial" charset="0"/>
-              </a:rPr>
-              <a:t>Rely on the possibility of producing an endless flow of random variables (for well-known or new distributions)</a:t>
-            </a:r>
-          </a:p>
-          <a:p>
-            <a:pPr lvl="1" eaLnBrk="1" hangingPunct="1"/>
-            <a:r>
-              <a:rPr lang="en-US" dirty="0">
-                <a:latin typeface="Arial" charset="0"/>
-              </a:rPr>
-              <a:t>Utilized for using and generating random numbers uniformly distributed over the unit interval ([0,1])</a:t>
-            </a:r>
-          </a:p>
-          <a:p>
-            <a:pPr lvl="1" eaLnBrk="1" hangingPunct="1"/>
-            <a:endParaRPr lang="en-US" dirty="0">
-              <a:latin typeface="Arial" charset="0"/>
-            </a:endParaRPr>
-          </a:p>
-          <a:p>
-            <a:pPr lvl="1" eaLnBrk="1" hangingPunct="1"/>
-            <a:endParaRPr lang="en-US" dirty="0">
-              <a:latin typeface="Arial" charset="0"/>
-            </a:endParaRPr>
-          </a:p>
-          <a:p>
-            <a:pPr marL="457200" lvl="1" indent="0" eaLnBrk="1" hangingPunct="1">
-              <a:buNone/>
-            </a:pPr>
-            <a:endParaRPr lang="en-US" dirty="0">
-              <a:latin typeface="Arial" charset="0"/>
-            </a:endParaRPr>
-          </a:p>
-          <a:p>
-            <a:pPr lvl="2" eaLnBrk="1" hangingPunct="1"/>
-            <a:endParaRPr lang="en-US" dirty="0">
-              <a:latin typeface="Arial" charset="0"/>
-            </a:endParaRPr>
-          </a:p>
-        </p:txBody>
-      </p:sp>
-    </p:spTree>
-    <p:extLst>
-      <p:ext uri="{BB962C8B-B14F-4D97-AF65-F5344CB8AC3E}">
-        <p14:creationId xmlns:p14="http://schemas.microsoft.com/office/powerpoint/2010/main" val="1553292403"/>
-      </p:ext>
-    </p:extLst>
-  </p:cSld>
-  <p:clrMapOvr>
-    <a:masterClrMapping/>
-  </p:clrMapOvr>
-</p:sld>
-</file>
-
-<file path=ppt/slides/slide24.xml><?xml version="1.0" encoding="utf-8"?>
-<p:sld xmlns:a="http://schemas.openxmlformats.org/drawingml/2006/main" xmlns:r="http://schemas.openxmlformats.org/officeDocument/2006/relationships" xmlns:p="http://schemas.openxmlformats.org/presentationml/2006/main" show="0">
-  <p:cSld>
-    <p:spTree>
-      <p:nvGrpSpPr>
-        <p:cNvPr id="1" name=""/>
-        <p:cNvGrpSpPr/>
-        <p:nvPr/>
-      </p:nvGrpSpPr>
-      <p:grpSpPr>
-        <a:xfrm>
-          <a:off x="0" y="0"/>
-          <a:ext cx="0" cy="0"/>
-          <a:chOff x="0" y="0"/>
-          <a:chExt cx="0" cy="0"/>
-        </a:xfrm>
-      </p:grpSpPr>
-      <p:sp>
-        <p:nvSpPr>
-          <p:cNvPr id="2" name="Title 1">
-            <a:extLst>
-              <a:ext uri="{FF2B5EF4-FFF2-40B4-BE49-F238E27FC236}">
-                <a16:creationId xmlns:a16="http://schemas.microsoft.com/office/drawing/2014/main" id="{B5D1A2C6-42DB-B343-B538-8DC55616A226}"/>
-              </a:ext>
-            </a:extLst>
-          </p:cNvPr>
-          <p:cNvSpPr>
-            <a:spLocks noGrp="1"/>
-          </p:cNvSpPr>
-          <p:nvPr>
-            <p:ph type="title"/>
-          </p:nvPr>
-        </p:nvSpPr>
-        <p:spPr/>
-        <p:txBody>
-          <a:bodyPr/>
-          <a:lstStyle/>
-          <a:p>
-            <a:endParaRPr lang="en-US"/>
-          </a:p>
-        </p:txBody>
-      </p:sp>
-      <p:sp>
-        <p:nvSpPr>
-          <p:cNvPr id="3" name="Content Placeholder 2">
-            <a:extLst>
-              <a:ext uri="{FF2B5EF4-FFF2-40B4-BE49-F238E27FC236}">
-                <a16:creationId xmlns:a16="http://schemas.microsoft.com/office/drawing/2014/main" id="{D2E11DE2-0D79-9740-A7B8-5C26BCEFF3F7}"/>
-              </a:ext>
-            </a:extLst>
-          </p:cNvPr>
-          <p:cNvSpPr>
-            <a:spLocks noGrp="1"/>
-          </p:cNvSpPr>
-          <p:nvPr>
-            <p:ph idx="1"/>
-          </p:nvPr>
-        </p:nvSpPr>
-        <p:spPr/>
-        <p:txBody>
-          <a:bodyPr/>
-          <a:lstStyle/>
-          <a:p>
-            <a:endParaRPr lang="en-US"/>
-          </a:p>
-        </p:txBody>
-      </p:sp>
-      <p:sp>
-        <p:nvSpPr>
-          <p:cNvPr id="4" name="Footer Placeholder 3">
-            <a:extLst>
-              <a:ext uri="{FF2B5EF4-FFF2-40B4-BE49-F238E27FC236}">
-                <a16:creationId xmlns:a16="http://schemas.microsoft.com/office/drawing/2014/main" id="{B061B2D1-3E9E-974F-ACF5-3DE0FD87420D}"/>
-              </a:ext>
-            </a:extLst>
-          </p:cNvPr>
-          <p:cNvSpPr>
-            <a:spLocks noGrp="1"/>
-          </p:cNvSpPr>
-          <p:nvPr>
-            <p:ph type="ftr" sz="quarter" idx="10"/>
-          </p:nvPr>
-        </p:nvSpPr>
-        <p:spPr/>
-        <p:txBody>
-          <a:bodyPr/>
-          <a:lstStyle/>
-          <a:p>
-            <a:r>
-              <a:rPr lang="en-US"/>
-              <a:t> Simulation 101  – Fundamental Simulation Concepts</a:t>
-            </a:r>
-            <a:endParaRPr lang="en-US" dirty="0"/>
-          </a:p>
-        </p:txBody>
-      </p:sp>
-      <p:sp>
-        <p:nvSpPr>
-          <p:cNvPr id="5" name="Slide Number Placeholder 4">
-            <a:extLst>
-              <a:ext uri="{FF2B5EF4-FFF2-40B4-BE49-F238E27FC236}">
-                <a16:creationId xmlns:a16="http://schemas.microsoft.com/office/drawing/2014/main" id="{B6CA1EC5-ABCE-FD42-9358-1D0194B84080}"/>
-              </a:ext>
-            </a:extLst>
-          </p:cNvPr>
-          <p:cNvSpPr>
-            <a:spLocks noGrp="1"/>
-          </p:cNvSpPr>
-          <p:nvPr>
-            <p:ph type="sldNum" sz="quarter" idx="11"/>
-          </p:nvPr>
-        </p:nvSpPr>
-        <p:spPr/>
-        <p:txBody>
-          <a:bodyPr/>
-          <a:lstStyle/>
-          <a:p>
-            <a:r>
-              <a:rPr lang="en-US"/>
-              <a:t>Slide </a:t>
-            </a:r>
-            <a:fld id="{FE5B3AB4-71B9-F745-B327-525C5261C872}" type="slidenum">
-              <a:rPr lang="en-US" smtClean="0"/>
-              <a:pPr/>
-              <a:t>24</a:t>
-            </a:fld>
-            <a:r>
-              <a:rPr lang="en-US"/>
-              <a:t> of 57</a:t>
-            </a:r>
-          </a:p>
-        </p:txBody>
-      </p:sp>
-    </p:spTree>
-    <p:extLst>
-      <p:ext uri="{BB962C8B-B14F-4D97-AF65-F5344CB8AC3E}">
-        <p14:creationId xmlns:p14="http://schemas.microsoft.com/office/powerpoint/2010/main" val="2760073766"/>
-      </p:ext>
-    </p:extLst>
-  </p:cSld>
-  <p:clrMapOvr>
-    <a:masterClrMapping/>
-  </p:clrMapOvr>
-</p:sld>
-</file>
-
-<file path=ppt/slides/slide25.xml><?xml version="1.0" encoding="utf-8"?>
-<p:sld xmlns:a="http://schemas.openxmlformats.org/drawingml/2006/main" xmlns:r="http://schemas.openxmlformats.org/officeDocument/2006/relationships" xmlns:p="http://schemas.openxmlformats.org/presentationml/2006/main">
-  <p:cSld>
-    <p:spTree>
-      <p:nvGrpSpPr>
-        <p:cNvPr id="1" name=""/>
-        <p:cNvGrpSpPr/>
-        <p:nvPr/>
-      </p:nvGrpSpPr>
-      <p:grpSpPr>
-        <a:xfrm>
-          <a:off x="0" y="0"/>
-          <a:ext cx="0" cy="0"/>
-          <a:chOff x="0" y="0"/>
-          <a:chExt cx="0" cy="0"/>
-        </a:xfrm>
-      </p:grpSpPr>
-      <p:sp>
-        <p:nvSpPr>
-          <p:cNvPr id="4" name="Footer Placeholder 3"/>
-          <p:cNvSpPr>
-            <a:spLocks noGrp="1"/>
-          </p:cNvSpPr>
-          <p:nvPr>
-            <p:ph type="ftr" sz="quarter" idx="10"/>
-          </p:nvPr>
-        </p:nvSpPr>
-        <p:spPr/>
-        <p:txBody>
-          <a:bodyPr/>
-          <a:lstStyle>
-            <a:lvl1pPr eaLnBrk="0" hangingPunct="0">
-              <a:defRPr sz="2400">
-                <a:solidFill>
-                  <a:schemeClr val="tx1"/>
-                </a:solidFill>
-                <a:latin typeface="Times New Roman" charset="0"/>
-                <a:ea typeface="ＭＳ Ｐゴシック" charset="0"/>
-              </a:defRPr>
-            </a:lvl1pPr>
-            <a:lvl2pPr marL="742950" indent="-285750" eaLnBrk="0" hangingPunct="0">
-              <a:defRPr sz="2400">
-                <a:solidFill>
-                  <a:schemeClr val="tx1"/>
-                </a:solidFill>
-                <a:latin typeface="Times New Roman" charset="0"/>
-                <a:ea typeface="ＭＳ Ｐゴシック" charset="0"/>
-              </a:defRPr>
-            </a:lvl2pPr>
-            <a:lvl3pPr marL="1143000" indent="-228600" eaLnBrk="0" hangingPunct="0">
-              <a:defRPr sz="2400">
-                <a:solidFill>
-                  <a:schemeClr val="tx1"/>
-                </a:solidFill>
-                <a:latin typeface="Times New Roman" charset="0"/>
-                <a:ea typeface="ＭＳ Ｐゴシック" charset="0"/>
-              </a:defRPr>
-            </a:lvl3pPr>
-            <a:lvl4pPr marL="1600200" indent="-228600" eaLnBrk="0" hangingPunct="0">
-              <a:defRPr sz="2400">
-                <a:solidFill>
-                  <a:schemeClr val="tx1"/>
-                </a:solidFill>
-                <a:latin typeface="Times New Roman" charset="0"/>
-                <a:ea typeface="ＭＳ Ｐゴシック" charset="0"/>
-              </a:defRPr>
-            </a:lvl4pPr>
-            <a:lvl5pPr marL="2057400" indent="-228600" eaLnBrk="0" hangingPunct="0">
-              <a:defRPr sz="2400">
-                <a:solidFill>
-                  <a:schemeClr val="tx1"/>
-                </a:solidFill>
-                <a:latin typeface="Times New Roman" charset="0"/>
-                <a:ea typeface="ＭＳ Ｐゴシック" charset="0"/>
-              </a:defRPr>
-            </a:lvl5pPr>
-            <a:lvl6pPr marL="2514600" indent="-228600" eaLnBrk="0" fontAlgn="base" hangingPunct="0">
-              <a:spcBef>
-                <a:spcPct val="0"/>
-              </a:spcBef>
-              <a:spcAft>
-                <a:spcPct val="0"/>
-              </a:spcAft>
-              <a:defRPr sz="2400">
-                <a:solidFill>
-                  <a:schemeClr val="tx1"/>
-                </a:solidFill>
-                <a:latin typeface="Times New Roman" charset="0"/>
-                <a:ea typeface="ＭＳ Ｐゴシック" charset="0"/>
-              </a:defRPr>
-            </a:lvl6pPr>
-            <a:lvl7pPr marL="2971800" indent="-228600" eaLnBrk="0" fontAlgn="base" hangingPunct="0">
-              <a:spcBef>
-                <a:spcPct val="0"/>
-              </a:spcBef>
-              <a:spcAft>
-                <a:spcPct val="0"/>
-              </a:spcAft>
-              <a:defRPr sz="2400">
-                <a:solidFill>
-                  <a:schemeClr val="tx1"/>
-                </a:solidFill>
-                <a:latin typeface="Times New Roman" charset="0"/>
-                <a:ea typeface="ＭＳ Ｐゴシック" charset="0"/>
-              </a:defRPr>
-            </a:lvl7pPr>
-            <a:lvl8pPr marL="3429000" indent="-228600" eaLnBrk="0" fontAlgn="base" hangingPunct="0">
-              <a:spcBef>
-                <a:spcPct val="0"/>
-              </a:spcBef>
-              <a:spcAft>
-                <a:spcPct val="0"/>
-              </a:spcAft>
-              <a:defRPr sz="2400">
-                <a:solidFill>
-                  <a:schemeClr val="tx1"/>
-                </a:solidFill>
-                <a:latin typeface="Times New Roman" charset="0"/>
-                <a:ea typeface="ＭＳ Ｐゴシック" charset="0"/>
-              </a:defRPr>
-            </a:lvl8pPr>
-            <a:lvl9pPr marL="3886200" indent="-228600" eaLnBrk="0" fontAlgn="base" hangingPunct="0">
-              <a:spcBef>
-                <a:spcPct val="0"/>
-              </a:spcBef>
-              <a:spcAft>
-                <a:spcPct val="0"/>
-              </a:spcAft>
-              <a:defRPr sz="2400">
-                <a:solidFill>
-                  <a:schemeClr val="tx1"/>
-                </a:solidFill>
-                <a:latin typeface="Times New Roman" charset="0"/>
-                <a:ea typeface="ＭＳ Ｐゴシック" charset="0"/>
-              </a:defRPr>
-            </a:lvl9pPr>
-          </a:lstStyle>
-          <a:p>
-            <a:pPr eaLnBrk="1" hangingPunct="1"/>
-            <a:r>
-              <a:rPr lang="en-US" sz="1400" dirty="0">
-                <a:solidFill>
-                  <a:srgbClr val="00009B"/>
-                </a:solidFill>
-                <a:latin typeface="Arial" charset="0"/>
-              </a:rPr>
-              <a:t> Simulation 101  – Fundamental Simulation Concepts</a:t>
-            </a:r>
-          </a:p>
-        </p:txBody>
-      </p:sp>
-      <p:sp>
-        <p:nvSpPr>
-          <p:cNvPr id="5" name="Slide Number Placeholder 4"/>
-          <p:cNvSpPr>
-            <a:spLocks noGrp="1"/>
-          </p:cNvSpPr>
-          <p:nvPr>
-            <p:ph type="sldNum" sz="quarter" idx="11"/>
-          </p:nvPr>
-        </p:nvSpPr>
-        <p:spPr/>
-        <p:txBody>
-          <a:bodyPr/>
-          <a:lstStyle>
-            <a:lvl1pPr eaLnBrk="0" hangingPunct="0">
-              <a:defRPr sz="2400">
-                <a:solidFill>
-                  <a:schemeClr val="tx1"/>
-                </a:solidFill>
-                <a:latin typeface="Times New Roman" charset="0"/>
-                <a:ea typeface="ＭＳ Ｐゴシック" charset="0"/>
-              </a:defRPr>
-            </a:lvl1pPr>
-            <a:lvl2pPr marL="742950" indent="-285750" eaLnBrk="0" hangingPunct="0">
-              <a:defRPr sz="2400">
-                <a:solidFill>
-                  <a:schemeClr val="tx1"/>
-                </a:solidFill>
-                <a:latin typeface="Times New Roman" charset="0"/>
-                <a:ea typeface="ＭＳ Ｐゴシック" charset="0"/>
-              </a:defRPr>
-            </a:lvl2pPr>
-            <a:lvl3pPr marL="1143000" indent="-228600" eaLnBrk="0" hangingPunct="0">
-              <a:defRPr sz="2400">
-                <a:solidFill>
-                  <a:schemeClr val="tx1"/>
-                </a:solidFill>
-                <a:latin typeface="Times New Roman" charset="0"/>
-                <a:ea typeface="ＭＳ Ｐゴシック" charset="0"/>
-              </a:defRPr>
-            </a:lvl3pPr>
-            <a:lvl4pPr marL="1600200" indent="-228600" eaLnBrk="0" hangingPunct="0">
-              <a:defRPr sz="2400">
-                <a:solidFill>
-                  <a:schemeClr val="tx1"/>
-                </a:solidFill>
-                <a:latin typeface="Times New Roman" charset="0"/>
-                <a:ea typeface="ＭＳ Ｐゴシック" charset="0"/>
-              </a:defRPr>
-            </a:lvl4pPr>
-            <a:lvl5pPr marL="2057400" indent="-228600" eaLnBrk="0" hangingPunct="0">
-              <a:defRPr sz="2400">
-                <a:solidFill>
-                  <a:schemeClr val="tx1"/>
-                </a:solidFill>
-                <a:latin typeface="Times New Roman" charset="0"/>
-                <a:ea typeface="ＭＳ Ｐゴシック" charset="0"/>
-              </a:defRPr>
-            </a:lvl5pPr>
-            <a:lvl6pPr marL="2514600" indent="-228600" eaLnBrk="0" fontAlgn="base" hangingPunct="0">
-              <a:spcBef>
-                <a:spcPct val="0"/>
-              </a:spcBef>
-              <a:spcAft>
-                <a:spcPct val="0"/>
-              </a:spcAft>
-              <a:defRPr sz="2400">
-                <a:solidFill>
-                  <a:schemeClr val="tx1"/>
-                </a:solidFill>
-                <a:latin typeface="Times New Roman" charset="0"/>
-                <a:ea typeface="ＭＳ Ｐゴシック" charset="0"/>
-              </a:defRPr>
-            </a:lvl6pPr>
-            <a:lvl7pPr marL="2971800" indent="-228600" eaLnBrk="0" fontAlgn="base" hangingPunct="0">
-              <a:spcBef>
-                <a:spcPct val="0"/>
-              </a:spcBef>
-              <a:spcAft>
-                <a:spcPct val="0"/>
-              </a:spcAft>
-              <a:defRPr sz="2400">
-                <a:solidFill>
-                  <a:schemeClr val="tx1"/>
-                </a:solidFill>
-                <a:latin typeface="Times New Roman" charset="0"/>
-                <a:ea typeface="ＭＳ Ｐゴシック" charset="0"/>
-              </a:defRPr>
-            </a:lvl7pPr>
-            <a:lvl8pPr marL="3429000" indent="-228600" eaLnBrk="0" fontAlgn="base" hangingPunct="0">
-              <a:spcBef>
-                <a:spcPct val="0"/>
-              </a:spcBef>
-              <a:spcAft>
-                <a:spcPct val="0"/>
-              </a:spcAft>
-              <a:defRPr sz="2400">
-                <a:solidFill>
-                  <a:schemeClr val="tx1"/>
-                </a:solidFill>
-                <a:latin typeface="Times New Roman" charset="0"/>
-                <a:ea typeface="ＭＳ Ｐゴシック" charset="0"/>
-              </a:defRPr>
-            </a:lvl8pPr>
-            <a:lvl9pPr marL="3886200" indent="-228600" eaLnBrk="0" fontAlgn="base" hangingPunct="0">
-              <a:spcBef>
-                <a:spcPct val="0"/>
-              </a:spcBef>
-              <a:spcAft>
-                <a:spcPct val="0"/>
-              </a:spcAft>
-              <a:defRPr sz="2400">
-                <a:solidFill>
-                  <a:schemeClr val="tx1"/>
-                </a:solidFill>
-                <a:latin typeface="Times New Roman" charset="0"/>
-                <a:ea typeface="ＭＳ Ｐゴシック" charset="0"/>
-              </a:defRPr>
-            </a:lvl9pPr>
-          </a:lstStyle>
-          <a:p>
-            <a:pPr eaLnBrk="1" hangingPunct="1"/>
-            <a:r>
-              <a:rPr lang="en-US" sz="1400" dirty="0">
-                <a:solidFill>
-                  <a:srgbClr val="00009B"/>
-                </a:solidFill>
-                <a:latin typeface="Arial" charset="0"/>
-              </a:rPr>
-              <a:t>Slide </a:t>
-            </a:r>
-            <a:fld id="{6DD19F91-013E-4742-AA30-ECE0A1DD60DC}" type="slidenum">
-              <a:rPr lang="en-US" sz="1400" smtClean="0">
-                <a:solidFill>
-                  <a:srgbClr val="00009B"/>
-                </a:solidFill>
-                <a:latin typeface="Arial" charset="0"/>
-              </a:rPr>
-              <a:pPr eaLnBrk="1" hangingPunct="1"/>
-              <a:t>25</a:t>
-            </a:fld>
-            <a:endParaRPr lang="en-US" sz="1400" dirty="0">
-              <a:solidFill>
-                <a:srgbClr val="00009B"/>
-              </a:solidFill>
-              <a:latin typeface="Arial" charset="0"/>
-            </a:endParaRPr>
-          </a:p>
-        </p:txBody>
-      </p:sp>
-      <p:sp>
-        <p:nvSpPr>
-          <p:cNvPr id="6" name="Date Placeholder 5"/>
-          <p:cNvSpPr>
-            <a:spLocks noGrp="1"/>
-          </p:cNvSpPr>
-          <p:nvPr>
-            <p:ph type="dt" sz="quarter" idx="4294967295"/>
-          </p:nvPr>
-        </p:nvSpPr>
-        <p:spPr>
-          <a:xfrm>
-            <a:off x="228600" y="6553200"/>
-            <a:ext cx="2743200" cy="304800"/>
-          </a:xfrm>
-          <a:prstGeom prst="rect">
-            <a:avLst/>
-          </a:prstGeom>
-        </p:spPr>
-        <p:txBody>
-          <a:bodyPr/>
-          <a:lstStyle/>
-          <a:p>
-            <a:pPr>
-              <a:defRPr/>
-            </a:pPr>
-            <a:r>
-              <a:rPr lang="en-US"/>
-              <a:t> </a:t>
-            </a:r>
-            <a:endParaRPr lang="en-US" dirty="0"/>
-          </a:p>
-        </p:txBody>
-      </p:sp>
-      <p:sp>
-        <p:nvSpPr>
-          <p:cNvPr id="3077" name="Rectangle 2"/>
-          <p:cNvSpPr>
-            <a:spLocks noGrp="1" noChangeArrowheads="1"/>
-          </p:cNvSpPr>
-          <p:nvPr>
-            <p:ph type="title"/>
-          </p:nvPr>
-        </p:nvSpPr>
-        <p:spPr/>
-        <p:txBody>
-          <a:bodyPr/>
-          <a:lstStyle/>
-          <a:p>
-            <a:pPr eaLnBrk="1" hangingPunct="1"/>
-            <a:endParaRPr lang="en-US" dirty="0">
-              <a:latin typeface="Arial" charset="0"/>
-            </a:endParaRPr>
-          </a:p>
-        </p:txBody>
-      </p:sp>
-      <p:sp>
-        <p:nvSpPr>
-          <p:cNvPr id="3078" name="Rectangle 3"/>
-          <p:cNvSpPr>
-            <a:spLocks noGrp="1" noChangeArrowheads="1"/>
-          </p:cNvSpPr>
-          <p:nvPr>
-            <p:ph type="body" idx="1"/>
-          </p:nvPr>
-        </p:nvSpPr>
-        <p:spPr/>
-        <p:txBody>
-          <a:bodyPr/>
-          <a:lstStyle/>
-          <a:p>
-            <a:pPr lvl="2" eaLnBrk="1" hangingPunct="1"/>
-            <a:endParaRPr lang="en-US" dirty="0">
-              <a:latin typeface="Arial" charset="0"/>
-            </a:endParaRPr>
-          </a:p>
-        </p:txBody>
-      </p:sp>
-    </p:spTree>
-    <p:extLst>
-      <p:ext uri="{BB962C8B-B14F-4D97-AF65-F5344CB8AC3E}">
-        <p14:creationId xmlns:p14="http://schemas.microsoft.com/office/powerpoint/2010/main" val="2123673472"/>
-      </p:ext>
-    </p:extLst>
-  </p:cSld>
-  <p:clrMapOvr>
-    <a:masterClrMapping/>
-  </p:clrMapOvr>
-</p:sld>
-</file>
-
-<file path=ppt/slides/slide26.xml><?xml version="1.0" encoding="utf-8"?>
-<p:sld xmlns:a="http://schemas.openxmlformats.org/drawingml/2006/main" xmlns:r="http://schemas.openxmlformats.org/officeDocument/2006/relationships" xmlns:p="http://schemas.openxmlformats.org/presentationml/2006/main">
-  <p:cSld>
-    <p:spTree>
-      <p:nvGrpSpPr>
-        <p:cNvPr id="1" name=""/>
-        <p:cNvGrpSpPr/>
-        <p:nvPr/>
-      </p:nvGrpSpPr>
-      <p:grpSpPr>
-        <a:xfrm>
-          <a:off x="0" y="0"/>
-          <a:ext cx="0" cy="0"/>
-          <a:chOff x="0" y="0"/>
-          <a:chExt cx="0" cy="0"/>
-        </a:xfrm>
-      </p:grpSpPr>
-      <p:sp>
-        <p:nvSpPr>
-          <p:cNvPr id="4" name="Footer Placeholder 3"/>
-          <p:cNvSpPr>
-            <a:spLocks noGrp="1"/>
-          </p:cNvSpPr>
-          <p:nvPr>
-            <p:ph type="ftr" sz="quarter" idx="10"/>
-          </p:nvPr>
-        </p:nvSpPr>
-        <p:spPr/>
-        <p:txBody>
-          <a:bodyPr/>
-          <a:lstStyle>
-            <a:lvl1pPr eaLnBrk="0" hangingPunct="0">
-              <a:defRPr sz="2400">
-                <a:solidFill>
-                  <a:schemeClr val="tx1"/>
-                </a:solidFill>
-                <a:latin typeface="Times New Roman" charset="0"/>
-                <a:ea typeface="ＭＳ Ｐゴシック" charset="0"/>
-              </a:defRPr>
-            </a:lvl1pPr>
-            <a:lvl2pPr marL="742950" indent="-285750" eaLnBrk="0" hangingPunct="0">
-              <a:defRPr sz="2400">
-                <a:solidFill>
-                  <a:schemeClr val="tx1"/>
-                </a:solidFill>
-                <a:latin typeface="Times New Roman" charset="0"/>
-                <a:ea typeface="ＭＳ Ｐゴシック" charset="0"/>
-              </a:defRPr>
-            </a:lvl2pPr>
-            <a:lvl3pPr marL="1143000" indent="-228600" eaLnBrk="0" hangingPunct="0">
-              <a:defRPr sz="2400">
-                <a:solidFill>
-                  <a:schemeClr val="tx1"/>
-                </a:solidFill>
-                <a:latin typeface="Times New Roman" charset="0"/>
-                <a:ea typeface="ＭＳ Ｐゴシック" charset="0"/>
-              </a:defRPr>
-            </a:lvl3pPr>
-            <a:lvl4pPr marL="1600200" indent="-228600" eaLnBrk="0" hangingPunct="0">
-              <a:defRPr sz="2400">
-                <a:solidFill>
-                  <a:schemeClr val="tx1"/>
-                </a:solidFill>
-                <a:latin typeface="Times New Roman" charset="0"/>
-                <a:ea typeface="ＭＳ Ｐゴシック" charset="0"/>
-              </a:defRPr>
-            </a:lvl4pPr>
-            <a:lvl5pPr marL="2057400" indent="-228600" eaLnBrk="0" hangingPunct="0">
-              <a:defRPr sz="2400">
-                <a:solidFill>
-                  <a:schemeClr val="tx1"/>
-                </a:solidFill>
-                <a:latin typeface="Times New Roman" charset="0"/>
-                <a:ea typeface="ＭＳ Ｐゴシック" charset="0"/>
-              </a:defRPr>
-            </a:lvl5pPr>
-            <a:lvl6pPr marL="2514600" indent="-228600" eaLnBrk="0" fontAlgn="base" hangingPunct="0">
-              <a:spcBef>
-                <a:spcPct val="0"/>
-              </a:spcBef>
-              <a:spcAft>
-                <a:spcPct val="0"/>
-              </a:spcAft>
-              <a:defRPr sz="2400">
-                <a:solidFill>
-                  <a:schemeClr val="tx1"/>
-                </a:solidFill>
-                <a:latin typeface="Times New Roman" charset="0"/>
-                <a:ea typeface="ＭＳ Ｐゴシック" charset="0"/>
-              </a:defRPr>
-            </a:lvl6pPr>
-            <a:lvl7pPr marL="2971800" indent="-228600" eaLnBrk="0" fontAlgn="base" hangingPunct="0">
-              <a:spcBef>
-                <a:spcPct val="0"/>
-              </a:spcBef>
-              <a:spcAft>
-                <a:spcPct val="0"/>
-              </a:spcAft>
-              <a:defRPr sz="2400">
-                <a:solidFill>
-                  <a:schemeClr val="tx1"/>
-                </a:solidFill>
-                <a:latin typeface="Times New Roman" charset="0"/>
-                <a:ea typeface="ＭＳ Ｐゴシック" charset="0"/>
-              </a:defRPr>
-            </a:lvl7pPr>
-            <a:lvl8pPr marL="3429000" indent="-228600" eaLnBrk="0" fontAlgn="base" hangingPunct="0">
-              <a:spcBef>
-                <a:spcPct val="0"/>
-              </a:spcBef>
-              <a:spcAft>
-                <a:spcPct val="0"/>
-              </a:spcAft>
-              <a:defRPr sz="2400">
-                <a:solidFill>
-                  <a:schemeClr val="tx1"/>
-                </a:solidFill>
-                <a:latin typeface="Times New Roman" charset="0"/>
-                <a:ea typeface="ＭＳ Ｐゴシック" charset="0"/>
-              </a:defRPr>
-            </a:lvl8pPr>
-            <a:lvl9pPr marL="3886200" indent="-228600" eaLnBrk="0" fontAlgn="base" hangingPunct="0">
-              <a:spcBef>
-                <a:spcPct val="0"/>
-              </a:spcBef>
-              <a:spcAft>
-                <a:spcPct val="0"/>
-              </a:spcAft>
-              <a:defRPr sz="2400">
-                <a:solidFill>
-                  <a:schemeClr val="tx1"/>
-                </a:solidFill>
-                <a:latin typeface="Times New Roman" charset="0"/>
-                <a:ea typeface="ＭＳ Ｐゴシック" charset="0"/>
-              </a:defRPr>
-            </a:lvl9pPr>
-          </a:lstStyle>
-          <a:p>
-            <a:pPr eaLnBrk="1" hangingPunct="1"/>
-            <a:r>
-              <a:rPr lang="en-US" sz="1400" dirty="0">
-                <a:solidFill>
-                  <a:srgbClr val="00009B"/>
-                </a:solidFill>
-                <a:latin typeface="Arial" charset="0"/>
-              </a:rPr>
-              <a:t> Simulation 101  – Fundamental Simulation Concepts</a:t>
-            </a:r>
-          </a:p>
-        </p:txBody>
-      </p:sp>
-      <p:sp>
-        <p:nvSpPr>
-          <p:cNvPr id="5" name="Slide Number Placeholder 4"/>
-          <p:cNvSpPr>
-            <a:spLocks noGrp="1"/>
-          </p:cNvSpPr>
-          <p:nvPr>
-            <p:ph type="sldNum" sz="quarter" idx="11"/>
-          </p:nvPr>
-        </p:nvSpPr>
-        <p:spPr/>
-        <p:txBody>
-          <a:bodyPr/>
-          <a:lstStyle>
-            <a:lvl1pPr eaLnBrk="0" hangingPunct="0">
-              <a:defRPr sz="2400">
-                <a:solidFill>
-                  <a:schemeClr val="tx1"/>
-                </a:solidFill>
-                <a:latin typeface="Times New Roman" charset="0"/>
-                <a:ea typeface="ＭＳ Ｐゴシック" charset="0"/>
-              </a:defRPr>
-            </a:lvl1pPr>
-            <a:lvl2pPr marL="742950" indent="-285750" eaLnBrk="0" hangingPunct="0">
-              <a:defRPr sz="2400">
-                <a:solidFill>
-                  <a:schemeClr val="tx1"/>
-                </a:solidFill>
-                <a:latin typeface="Times New Roman" charset="0"/>
-                <a:ea typeface="ＭＳ Ｐゴシック" charset="0"/>
-              </a:defRPr>
-            </a:lvl2pPr>
-            <a:lvl3pPr marL="1143000" indent="-228600" eaLnBrk="0" hangingPunct="0">
-              <a:defRPr sz="2400">
-                <a:solidFill>
-                  <a:schemeClr val="tx1"/>
-                </a:solidFill>
-                <a:latin typeface="Times New Roman" charset="0"/>
-                <a:ea typeface="ＭＳ Ｐゴシック" charset="0"/>
-              </a:defRPr>
-            </a:lvl3pPr>
-            <a:lvl4pPr marL="1600200" indent="-228600" eaLnBrk="0" hangingPunct="0">
-              <a:defRPr sz="2400">
-                <a:solidFill>
-                  <a:schemeClr val="tx1"/>
-                </a:solidFill>
-                <a:latin typeface="Times New Roman" charset="0"/>
-                <a:ea typeface="ＭＳ Ｐゴシック" charset="0"/>
-              </a:defRPr>
-            </a:lvl4pPr>
-            <a:lvl5pPr marL="2057400" indent="-228600" eaLnBrk="0" hangingPunct="0">
-              <a:defRPr sz="2400">
-                <a:solidFill>
-                  <a:schemeClr val="tx1"/>
-                </a:solidFill>
-                <a:latin typeface="Times New Roman" charset="0"/>
-                <a:ea typeface="ＭＳ Ｐゴシック" charset="0"/>
-              </a:defRPr>
-            </a:lvl5pPr>
-            <a:lvl6pPr marL="2514600" indent="-228600" eaLnBrk="0" fontAlgn="base" hangingPunct="0">
-              <a:spcBef>
-                <a:spcPct val="0"/>
-              </a:spcBef>
-              <a:spcAft>
-                <a:spcPct val="0"/>
-              </a:spcAft>
-              <a:defRPr sz="2400">
-                <a:solidFill>
-                  <a:schemeClr val="tx1"/>
-                </a:solidFill>
-                <a:latin typeface="Times New Roman" charset="0"/>
-                <a:ea typeface="ＭＳ Ｐゴシック" charset="0"/>
-              </a:defRPr>
-            </a:lvl6pPr>
-            <a:lvl7pPr marL="2971800" indent="-228600" eaLnBrk="0" fontAlgn="base" hangingPunct="0">
-              <a:spcBef>
-                <a:spcPct val="0"/>
-              </a:spcBef>
-              <a:spcAft>
-                <a:spcPct val="0"/>
-              </a:spcAft>
-              <a:defRPr sz="2400">
-                <a:solidFill>
-                  <a:schemeClr val="tx1"/>
-                </a:solidFill>
-                <a:latin typeface="Times New Roman" charset="0"/>
-                <a:ea typeface="ＭＳ Ｐゴシック" charset="0"/>
-              </a:defRPr>
-            </a:lvl7pPr>
-            <a:lvl8pPr marL="3429000" indent="-228600" eaLnBrk="0" fontAlgn="base" hangingPunct="0">
-              <a:spcBef>
-                <a:spcPct val="0"/>
-              </a:spcBef>
-              <a:spcAft>
-                <a:spcPct val="0"/>
-              </a:spcAft>
-              <a:defRPr sz="2400">
-                <a:solidFill>
-                  <a:schemeClr val="tx1"/>
-                </a:solidFill>
-                <a:latin typeface="Times New Roman" charset="0"/>
-                <a:ea typeface="ＭＳ Ｐゴシック" charset="0"/>
-              </a:defRPr>
-            </a:lvl8pPr>
-            <a:lvl9pPr marL="3886200" indent="-228600" eaLnBrk="0" fontAlgn="base" hangingPunct="0">
-              <a:spcBef>
-                <a:spcPct val="0"/>
-              </a:spcBef>
-              <a:spcAft>
-                <a:spcPct val="0"/>
-              </a:spcAft>
-              <a:defRPr sz="2400">
-                <a:solidFill>
-                  <a:schemeClr val="tx1"/>
-                </a:solidFill>
-                <a:latin typeface="Times New Roman" charset="0"/>
-                <a:ea typeface="ＭＳ Ｐゴシック" charset="0"/>
-              </a:defRPr>
-            </a:lvl9pPr>
-          </a:lstStyle>
-          <a:p>
-            <a:pPr eaLnBrk="1" hangingPunct="1"/>
-            <a:r>
-              <a:rPr lang="en-US" sz="1400" dirty="0">
-                <a:solidFill>
-                  <a:srgbClr val="00009B"/>
-                </a:solidFill>
-                <a:latin typeface="Arial" charset="0"/>
-              </a:rPr>
-              <a:t>Slide </a:t>
-            </a:r>
-            <a:fld id="{6DD19F91-013E-4742-AA30-ECE0A1DD60DC}" type="slidenum">
-              <a:rPr lang="en-US" sz="1400" smtClean="0">
-                <a:solidFill>
-                  <a:srgbClr val="00009B"/>
-                </a:solidFill>
-                <a:latin typeface="Arial" charset="0"/>
-              </a:rPr>
-              <a:pPr eaLnBrk="1" hangingPunct="1"/>
-              <a:t>26</a:t>
-            </a:fld>
-            <a:endParaRPr lang="en-US" sz="1400" dirty="0">
-              <a:solidFill>
-                <a:srgbClr val="00009B"/>
-              </a:solidFill>
-              <a:latin typeface="Arial" charset="0"/>
-            </a:endParaRPr>
-          </a:p>
-        </p:txBody>
-      </p:sp>
-      <p:sp>
-        <p:nvSpPr>
-          <p:cNvPr id="6" name="Date Placeholder 5"/>
-          <p:cNvSpPr>
-            <a:spLocks noGrp="1"/>
-          </p:cNvSpPr>
-          <p:nvPr>
-            <p:ph type="dt" sz="quarter" idx="4294967295"/>
-          </p:nvPr>
-        </p:nvSpPr>
-        <p:spPr>
-          <a:xfrm>
-            <a:off x="228600" y="6553200"/>
-            <a:ext cx="2743200" cy="304800"/>
-          </a:xfrm>
-          <a:prstGeom prst="rect">
-            <a:avLst/>
-          </a:prstGeom>
-        </p:spPr>
-        <p:txBody>
-          <a:bodyPr/>
-          <a:lstStyle/>
-          <a:p>
-            <a:pPr>
-              <a:defRPr/>
-            </a:pPr>
-            <a:r>
-              <a:rPr lang="en-US"/>
-              <a:t> </a:t>
-            </a:r>
-            <a:endParaRPr lang="en-US" dirty="0"/>
-          </a:p>
-        </p:txBody>
-      </p:sp>
-      <p:sp>
-        <p:nvSpPr>
-          <p:cNvPr id="3077" name="Rectangle 2"/>
-          <p:cNvSpPr>
-            <a:spLocks noGrp="1" noChangeArrowheads="1"/>
-          </p:cNvSpPr>
-          <p:nvPr>
-            <p:ph type="title"/>
-          </p:nvPr>
-        </p:nvSpPr>
-        <p:spPr/>
-        <p:txBody>
-          <a:bodyPr/>
-          <a:lstStyle/>
-          <a:p>
-            <a:pPr eaLnBrk="1" hangingPunct="1"/>
-            <a:endParaRPr lang="en-US" dirty="0">
-              <a:latin typeface="Arial" charset="0"/>
-            </a:endParaRPr>
-          </a:p>
-        </p:txBody>
-      </p:sp>
-      <p:sp>
-        <p:nvSpPr>
-          <p:cNvPr id="3078" name="Rectangle 3"/>
-          <p:cNvSpPr>
-            <a:spLocks noGrp="1" noChangeArrowheads="1"/>
-          </p:cNvSpPr>
-          <p:nvPr>
-            <p:ph type="body" idx="1"/>
-          </p:nvPr>
-        </p:nvSpPr>
-        <p:spPr/>
-        <p:txBody>
-          <a:bodyPr/>
-          <a:lstStyle/>
-          <a:p>
-            <a:pPr lvl="2" eaLnBrk="1" hangingPunct="1"/>
-            <a:endParaRPr lang="en-US" dirty="0">
-              <a:latin typeface="Arial" charset="0"/>
-            </a:endParaRPr>
-          </a:p>
-        </p:txBody>
-      </p:sp>
-    </p:spTree>
-    <p:extLst>
-      <p:ext uri="{BB962C8B-B14F-4D97-AF65-F5344CB8AC3E}">
-        <p14:creationId xmlns:p14="http://schemas.microsoft.com/office/powerpoint/2010/main" val="1093728065"/>
-      </p:ext>
-    </p:extLst>
-  </p:cSld>
-  <p:clrMapOvr>
-    <a:masterClrMapping/>
-  </p:clrMapOvr>
-</p:sld>
-</file>
-
-<file path=ppt/slides/slide27.xml><?xml version="1.0" encoding="utf-8"?>
-<p:sld xmlns:a="http://schemas.openxmlformats.org/drawingml/2006/main" xmlns:r="http://schemas.openxmlformats.org/officeDocument/2006/relationships" xmlns:p="http://schemas.openxmlformats.org/presentationml/2006/main">
-  <p:cSld>
-    <p:spTree>
-      <p:nvGrpSpPr>
-        <p:cNvPr id="1" name=""/>
-        <p:cNvGrpSpPr/>
-        <p:nvPr/>
-      </p:nvGrpSpPr>
-      <p:grpSpPr>
-        <a:xfrm>
-          <a:off x="0" y="0"/>
-          <a:ext cx="0" cy="0"/>
-          <a:chOff x="0" y="0"/>
-          <a:chExt cx="0" cy="0"/>
-        </a:xfrm>
-      </p:grpSpPr>
-      <p:sp>
-        <p:nvSpPr>
-          <p:cNvPr id="4" name="Footer Placeholder 3"/>
-          <p:cNvSpPr>
-            <a:spLocks noGrp="1"/>
-          </p:cNvSpPr>
-          <p:nvPr>
-            <p:ph type="ftr" sz="quarter" idx="10"/>
-          </p:nvPr>
-        </p:nvSpPr>
-        <p:spPr/>
-        <p:txBody>
-          <a:bodyPr/>
-          <a:lstStyle>
-            <a:lvl1pPr eaLnBrk="0" hangingPunct="0">
-              <a:defRPr sz="2400">
-                <a:solidFill>
-                  <a:schemeClr val="tx1"/>
-                </a:solidFill>
-                <a:latin typeface="Times New Roman" charset="0"/>
-                <a:ea typeface="ＭＳ Ｐゴシック" charset="0"/>
-              </a:defRPr>
-            </a:lvl1pPr>
-            <a:lvl2pPr marL="742950" indent="-285750" eaLnBrk="0" hangingPunct="0">
-              <a:defRPr sz="2400">
-                <a:solidFill>
-                  <a:schemeClr val="tx1"/>
-                </a:solidFill>
-                <a:latin typeface="Times New Roman" charset="0"/>
-                <a:ea typeface="ＭＳ Ｐゴシック" charset="0"/>
-              </a:defRPr>
-            </a:lvl2pPr>
-            <a:lvl3pPr marL="1143000" indent="-228600" eaLnBrk="0" hangingPunct="0">
-              <a:defRPr sz="2400">
-                <a:solidFill>
-                  <a:schemeClr val="tx1"/>
-                </a:solidFill>
-                <a:latin typeface="Times New Roman" charset="0"/>
-                <a:ea typeface="ＭＳ Ｐゴシック" charset="0"/>
-              </a:defRPr>
-            </a:lvl3pPr>
-            <a:lvl4pPr marL="1600200" indent="-228600" eaLnBrk="0" hangingPunct="0">
-              <a:defRPr sz="2400">
-                <a:solidFill>
-                  <a:schemeClr val="tx1"/>
-                </a:solidFill>
-                <a:latin typeface="Times New Roman" charset="0"/>
-                <a:ea typeface="ＭＳ Ｐゴシック" charset="0"/>
-              </a:defRPr>
-            </a:lvl4pPr>
-            <a:lvl5pPr marL="2057400" indent="-228600" eaLnBrk="0" hangingPunct="0">
-              <a:defRPr sz="2400">
-                <a:solidFill>
-                  <a:schemeClr val="tx1"/>
-                </a:solidFill>
-                <a:latin typeface="Times New Roman" charset="0"/>
-                <a:ea typeface="ＭＳ Ｐゴシック" charset="0"/>
-              </a:defRPr>
-            </a:lvl5pPr>
-            <a:lvl6pPr marL="2514600" indent="-228600" eaLnBrk="0" fontAlgn="base" hangingPunct="0">
-              <a:spcBef>
-                <a:spcPct val="0"/>
-              </a:spcBef>
-              <a:spcAft>
-                <a:spcPct val="0"/>
-              </a:spcAft>
-              <a:defRPr sz="2400">
-                <a:solidFill>
-                  <a:schemeClr val="tx1"/>
-                </a:solidFill>
-                <a:latin typeface="Times New Roman" charset="0"/>
-                <a:ea typeface="ＭＳ Ｐゴシック" charset="0"/>
-              </a:defRPr>
-            </a:lvl6pPr>
-            <a:lvl7pPr marL="2971800" indent="-228600" eaLnBrk="0" fontAlgn="base" hangingPunct="0">
-              <a:spcBef>
-                <a:spcPct val="0"/>
-              </a:spcBef>
-              <a:spcAft>
-                <a:spcPct val="0"/>
-              </a:spcAft>
-              <a:defRPr sz="2400">
-                <a:solidFill>
-                  <a:schemeClr val="tx1"/>
-                </a:solidFill>
-                <a:latin typeface="Times New Roman" charset="0"/>
-                <a:ea typeface="ＭＳ Ｐゴシック" charset="0"/>
-              </a:defRPr>
-            </a:lvl7pPr>
-            <a:lvl8pPr marL="3429000" indent="-228600" eaLnBrk="0" fontAlgn="base" hangingPunct="0">
-              <a:spcBef>
-                <a:spcPct val="0"/>
-              </a:spcBef>
-              <a:spcAft>
-                <a:spcPct val="0"/>
-              </a:spcAft>
-              <a:defRPr sz="2400">
-                <a:solidFill>
-                  <a:schemeClr val="tx1"/>
-                </a:solidFill>
-                <a:latin typeface="Times New Roman" charset="0"/>
-                <a:ea typeface="ＭＳ Ｐゴシック" charset="0"/>
-              </a:defRPr>
-            </a:lvl8pPr>
-            <a:lvl9pPr marL="3886200" indent="-228600" eaLnBrk="0" fontAlgn="base" hangingPunct="0">
-              <a:spcBef>
-                <a:spcPct val="0"/>
-              </a:spcBef>
-              <a:spcAft>
-                <a:spcPct val="0"/>
-              </a:spcAft>
-              <a:defRPr sz="2400">
-                <a:solidFill>
-                  <a:schemeClr val="tx1"/>
-                </a:solidFill>
-                <a:latin typeface="Times New Roman" charset="0"/>
-                <a:ea typeface="ＭＳ Ｐゴシック" charset="0"/>
-              </a:defRPr>
-            </a:lvl9pPr>
-          </a:lstStyle>
-          <a:p>
-            <a:pPr eaLnBrk="1" hangingPunct="1"/>
-            <a:r>
-              <a:rPr lang="en-US" sz="1400" dirty="0">
-                <a:solidFill>
-                  <a:srgbClr val="00009B"/>
-                </a:solidFill>
-                <a:latin typeface="Arial" charset="0"/>
-              </a:rPr>
-              <a:t> Simulation 101  – Fundamental Simulation Concepts</a:t>
-            </a:r>
-          </a:p>
-        </p:txBody>
-      </p:sp>
-      <p:sp>
-        <p:nvSpPr>
-          <p:cNvPr id="5" name="Slide Number Placeholder 4"/>
-          <p:cNvSpPr>
-            <a:spLocks noGrp="1"/>
-          </p:cNvSpPr>
-          <p:nvPr>
-            <p:ph type="sldNum" sz="quarter" idx="11"/>
-          </p:nvPr>
-        </p:nvSpPr>
-        <p:spPr/>
-        <p:txBody>
-          <a:bodyPr/>
-          <a:lstStyle>
-            <a:lvl1pPr eaLnBrk="0" hangingPunct="0">
-              <a:defRPr sz="2400">
-                <a:solidFill>
-                  <a:schemeClr val="tx1"/>
-                </a:solidFill>
-                <a:latin typeface="Times New Roman" charset="0"/>
-                <a:ea typeface="ＭＳ Ｐゴシック" charset="0"/>
-              </a:defRPr>
-            </a:lvl1pPr>
-            <a:lvl2pPr marL="742950" indent="-285750" eaLnBrk="0" hangingPunct="0">
-              <a:defRPr sz="2400">
-                <a:solidFill>
-                  <a:schemeClr val="tx1"/>
-                </a:solidFill>
-                <a:latin typeface="Times New Roman" charset="0"/>
-                <a:ea typeface="ＭＳ Ｐゴシック" charset="0"/>
-              </a:defRPr>
-            </a:lvl2pPr>
-            <a:lvl3pPr marL="1143000" indent="-228600" eaLnBrk="0" hangingPunct="0">
-              <a:defRPr sz="2400">
-                <a:solidFill>
-                  <a:schemeClr val="tx1"/>
-                </a:solidFill>
-                <a:latin typeface="Times New Roman" charset="0"/>
-                <a:ea typeface="ＭＳ Ｐゴシック" charset="0"/>
-              </a:defRPr>
-            </a:lvl3pPr>
-            <a:lvl4pPr marL="1600200" indent="-228600" eaLnBrk="0" hangingPunct="0">
-              <a:defRPr sz="2400">
-                <a:solidFill>
-                  <a:schemeClr val="tx1"/>
-                </a:solidFill>
-                <a:latin typeface="Times New Roman" charset="0"/>
-                <a:ea typeface="ＭＳ Ｐゴシック" charset="0"/>
-              </a:defRPr>
-            </a:lvl4pPr>
-            <a:lvl5pPr marL="2057400" indent="-228600" eaLnBrk="0" hangingPunct="0">
-              <a:defRPr sz="2400">
-                <a:solidFill>
-                  <a:schemeClr val="tx1"/>
-                </a:solidFill>
-                <a:latin typeface="Times New Roman" charset="0"/>
-                <a:ea typeface="ＭＳ Ｐゴシック" charset="0"/>
-              </a:defRPr>
-            </a:lvl5pPr>
-            <a:lvl6pPr marL="2514600" indent="-228600" eaLnBrk="0" fontAlgn="base" hangingPunct="0">
-              <a:spcBef>
-                <a:spcPct val="0"/>
-              </a:spcBef>
-              <a:spcAft>
-                <a:spcPct val="0"/>
-              </a:spcAft>
-              <a:defRPr sz="2400">
-                <a:solidFill>
-                  <a:schemeClr val="tx1"/>
-                </a:solidFill>
-                <a:latin typeface="Times New Roman" charset="0"/>
-                <a:ea typeface="ＭＳ Ｐゴシック" charset="0"/>
-              </a:defRPr>
-            </a:lvl6pPr>
-            <a:lvl7pPr marL="2971800" indent="-228600" eaLnBrk="0" fontAlgn="base" hangingPunct="0">
-              <a:spcBef>
-                <a:spcPct val="0"/>
-              </a:spcBef>
-              <a:spcAft>
-                <a:spcPct val="0"/>
-              </a:spcAft>
-              <a:defRPr sz="2400">
-                <a:solidFill>
-                  <a:schemeClr val="tx1"/>
-                </a:solidFill>
-                <a:latin typeface="Times New Roman" charset="0"/>
-                <a:ea typeface="ＭＳ Ｐゴシック" charset="0"/>
-              </a:defRPr>
-            </a:lvl7pPr>
-            <a:lvl8pPr marL="3429000" indent="-228600" eaLnBrk="0" fontAlgn="base" hangingPunct="0">
-              <a:spcBef>
-                <a:spcPct val="0"/>
-              </a:spcBef>
-              <a:spcAft>
-                <a:spcPct val="0"/>
-              </a:spcAft>
-              <a:defRPr sz="2400">
-                <a:solidFill>
-                  <a:schemeClr val="tx1"/>
-                </a:solidFill>
-                <a:latin typeface="Times New Roman" charset="0"/>
-                <a:ea typeface="ＭＳ Ｐゴシック" charset="0"/>
-              </a:defRPr>
-            </a:lvl8pPr>
-            <a:lvl9pPr marL="3886200" indent="-228600" eaLnBrk="0" fontAlgn="base" hangingPunct="0">
-              <a:spcBef>
-                <a:spcPct val="0"/>
-              </a:spcBef>
-              <a:spcAft>
-                <a:spcPct val="0"/>
-              </a:spcAft>
-              <a:defRPr sz="2400">
-                <a:solidFill>
-                  <a:schemeClr val="tx1"/>
-                </a:solidFill>
-                <a:latin typeface="Times New Roman" charset="0"/>
-                <a:ea typeface="ＭＳ Ｐゴシック" charset="0"/>
-              </a:defRPr>
-            </a:lvl9pPr>
-          </a:lstStyle>
-          <a:p>
-            <a:pPr eaLnBrk="1" hangingPunct="1"/>
-            <a:r>
-              <a:rPr lang="en-US" sz="1400" dirty="0">
-                <a:solidFill>
-                  <a:srgbClr val="00009B"/>
-                </a:solidFill>
-                <a:latin typeface="Arial" charset="0"/>
-              </a:rPr>
-              <a:t>Slide </a:t>
-            </a:r>
-            <a:fld id="{6DD19F91-013E-4742-AA30-ECE0A1DD60DC}" type="slidenum">
-              <a:rPr lang="en-US" sz="1400" smtClean="0">
-                <a:solidFill>
-                  <a:srgbClr val="00009B"/>
-                </a:solidFill>
-                <a:latin typeface="Arial" charset="0"/>
-              </a:rPr>
-              <a:pPr eaLnBrk="1" hangingPunct="1"/>
-              <a:t>27</a:t>
-            </a:fld>
-            <a:endParaRPr lang="en-US" sz="1400" dirty="0">
-              <a:solidFill>
-                <a:srgbClr val="00009B"/>
-              </a:solidFill>
-              <a:latin typeface="Arial" charset="0"/>
-            </a:endParaRPr>
-          </a:p>
-        </p:txBody>
-      </p:sp>
-      <p:sp>
-        <p:nvSpPr>
-          <p:cNvPr id="6" name="Date Placeholder 5"/>
-          <p:cNvSpPr>
-            <a:spLocks noGrp="1"/>
-          </p:cNvSpPr>
-          <p:nvPr>
-            <p:ph type="dt" sz="quarter" idx="4294967295"/>
-          </p:nvPr>
-        </p:nvSpPr>
-        <p:spPr>
-          <a:xfrm>
-            <a:off x="228600" y="6553200"/>
-            <a:ext cx="2743200" cy="304800"/>
-          </a:xfrm>
-          <a:prstGeom prst="rect">
-            <a:avLst/>
-          </a:prstGeom>
-        </p:spPr>
-        <p:txBody>
-          <a:bodyPr/>
-          <a:lstStyle/>
-          <a:p>
-            <a:pPr>
-              <a:defRPr/>
-            </a:pPr>
-            <a:r>
-              <a:rPr lang="en-US"/>
-              <a:t> </a:t>
-            </a:r>
-            <a:endParaRPr lang="en-US" dirty="0"/>
-          </a:p>
-        </p:txBody>
-      </p:sp>
-      <p:sp>
-        <p:nvSpPr>
-          <p:cNvPr id="3077" name="Rectangle 2"/>
-          <p:cNvSpPr>
-            <a:spLocks noGrp="1" noChangeArrowheads="1"/>
-          </p:cNvSpPr>
-          <p:nvPr>
-            <p:ph type="title"/>
-          </p:nvPr>
-        </p:nvSpPr>
-        <p:spPr/>
-        <p:txBody>
-          <a:bodyPr/>
-          <a:lstStyle/>
-          <a:p>
-            <a:pPr eaLnBrk="1" hangingPunct="1"/>
-            <a:endParaRPr lang="en-US" dirty="0">
-              <a:latin typeface="Arial" charset="0"/>
-            </a:endParaRPr>
-          </a:p>
-        </p:txBody>
-      </p:sp>
-      <p:sp>
-        <p:nvSpPr>
-          <p:cNvPr id="3078" name="Rectangle 3"/>
-          <p:cNvSpPr>
-            <a:spLocks noGrp="1" noChangeArrowheads="1"/>
-          </p:cNvSpPr>
-          <p:nvPr>
-            <p:ph type="body" idx="1"/>
-          </p:nvPr>
-        </p:nvSpPr>
-        <p:spPr/>
-        <p:txBody>
-          <a:bodyPr/>
-          <a:lstStyle/>
-          <a:p>
-            <a:pPr lvl="2" eaLnBrk="1" hangingPunct="1"/>
-            <a:endParaRPr lang="en-US" dirty="0">
-              <a:latin typeface="Arial" charset="0"/>
-            </a:endParaRPr>
-          </a:p>
-        </p:txBody>
-      </p:sp>
-    </p:spTree>
-    <p:extLst>
-      <p:ext uri="{BB962C8B-B14F-4D97-AF65-F5344CB8AC3E}">
-        <p14:creationId xmlns:p14="http://schemas.microsoft.com/office/powerpoint/2010/main" val="3514734474"/>
-      </p:ext>
-    </p:extLst>
   </p:cSld>
   <p:clrMapOvr>
     <a:masterClrMapping/>
@@ -23867,7 +19544,7 @@
           <a:graphicData uri="http://schemas.openxmlformats.org/presentationml/2006/ole">
             <mc:AlternateContent xmlns:mc="http://schemas.openxmlformats.org/markup-compatibility/2006">
               <mc:Choice xmlns:v="urn:schemas-microsoft-com:vml" Requires="v">
-                <p:oleObj spid="_x0000_s46099" name="Equation" r:id="rId5" imgW="26619200" imgH="9067800" progId="Equation.3">
+                <p:oleObj spid="_x0000_s46107" name="Equation" r:id="rId5" imgW="26619200" imgH="9067800" progId="Equation.3">
                   <p:embed/>
                 </p:oleObj>
               </mc:Choice>
@@ -23972,7 +19649,7 @@
           <a:graphicData uri="http://schemas.openxmlformats.org/presentationml/2006/ole">
             <mc:AlternateContent xmlns:mc="http://schemas.openxmlformats.org/markup-compatibility/2006">
               <mc:Choice xmlns:v="urn:schemas-microsoft-com:vml" Requires="v">
-                <p:oleObj spid="_x0000_s46100" name="Equation" r:id="rId7" imgW="30137100" imgH="11112500" progId="Equation.3">
+                <p:oleObj spid="_x0000_s46108" name="Equation" r:id="rId7" imgW="30137100" imgH="11112500" progId="Equation.3">
                   <p:embed/>
                 </p:oleObj>
               </mc:Choice>
@@ -24759,7 +20436,7 @@
           <a:graphicData uri="http://schemas.openxmlformats.org/presentationml/2006/ole">
             <mc:AlternateContent xmlns:mc="http://schemas.openxmlformats.org/markup-compatibility/2006">
               <mc:Choice xmlns:v="urn:schemas-microsoft-com:vml" Requires="v">
-                <p:oleObj spid="_x0000_s47121" name="Equation" r:id="rId4" imgW="66116200" imgH="22821900" progId="Equation.3">
+                <p:oleObj spid="_x0000_s47129" name="Equation" r:id="rId4" imgW="66116200" imgH="22821900" progId="Equation.3">
                   <p:embed/>
                 </p:oleObj>
               </mc:Choice>
@@ -24870,7 +20547,7 @@
           <a:graphicData uri="http://schemas.openxmlformats.org/presentationml/2006/ole">
             <mc:AlternateContent xmlns:mc="http://schemas.openxmlformats.org/markup-compatibility/2006">
               <mc:Choice xmlns:v="urn:schemas-microsoft-com:vml" Requires="v">
-                <p:oleObj spid="_x0000_s47122" name="Equation" r:id="rId6" imgW="141312900" imgH="22821900" progId="Equation.3">
+                <p:oleObj spid="_x0000_s47130" name="Equation" r:id="rId6" imgW="141312900" imgH="22821900" progId="Equation.3">
                   <p:embed/>
                 </p:oleObj>
               </mc:Choice>
